--- a/Deliverable3/Deliverable3.pptx
+++ b/Deliverable3/Deliverable3.pptx
@@ -714,7 +714,7 @@
           </a:lstStyle>
           <a:p>
             <a:r>
-              <a:rPr lang="it-IT" smtClean="0"/>
+              <a:rPr lang="it-IT"/>
               <a:t>Fare clic per modificare lo stile del titolo</a:t>
             </a:r>
             <a:endParaRPr lang="en-US" dirty="0"/>
@@ -834,7 +834,7 @@
           </a:lstStyle>
           <a:p>
             <a:r>
-              <a:rPr lang="it-IT" smtClean="0"/>
+              <a:rPr lang="it-IT"/>
               <a:t>Fare clic per modificare lo stile del sottotitolo dello schema</a:t>
             </a:r>
             <a:endParaRPr lang="en-US" dirty="0"/>
@@ -971,7 +971,7 @@
           </a:lstStyle>
           <a:p>
             <a:r>
-              <a:rPr lang="it-IT" smtClean="0"/>
+              <a:rPr lang="it-IT"/>
               <a:t>Fare clic per modificare lo stile del titolo</a:t>
             </a:r>
             <a:endParaRPr lang="en-US" dirty="0"/>
@@ -1094,7 +1094,7 @@
           <a:p>
             <a:pPr lvl="0"/>
             <a:r>
-              <a:rPr lang="it-IT" smtClean="0"/>
+              <a:rPr lang="it-IT"/>
               <a:t>Modifica gli stili del testo dello schema</a:t>
             </a:r>
           </a:p>
@@ -1230,7 +1230,7 @@
           </a:lstStyle>
           <a:p>
             <a:r>
-              <a:rPr lang="it-IT" smtClean="0"/>
+              <a:rPr lang="it-IT"/>
               <a:t>Fare clic per modificare lo stile del titolo</a:t>
             </a:r>
             <a:endParaRPr lang="en-US" dirty="0"/>
@@ -1294,7 +1294,7 @@
           <a:p>
             <a:pPr lvl="0"/>
             <a:r>
-              <a:rPr lang="it-IT" smtClean="0"/>
+              <a:rPr lang="it-IT"/>
               <a:t>Modifica gli stili del testo dello schema</a:t>
             </a:r>
           </a:p>
@@ -1416,7 +1416,7 @@
           <a:p>
             <a:pPr lvl="0"/>
             <a:r>
-              <a:rPr lang="it-IT" smtClean="0"/>
+              <a:rPr lang="it-IT"/>
               <a:t>Modifica gli stili del testo dello schema</a:t>
             </a:r>
           </a:p>
@@ -1642,7 +1642,7 @@
           </a:lstStyle>
           <a:p>
             <a:r>
-              <a:rPr lang="it-IT" smtClean="0"/>
+              <a:rPr lang="it-IT"/>
               <a:t>Fare clic per modificare lo stile del titolo</a:t>
             </a:r>
             <a:endParaRPr lang="en-US" dirty="0"/>
@@ -1765,7 +1765,7 @@
           <a:p>
             <a:pPr lvl="0"/>
             <a:r>
-              <a:rPr lang="it-IT" smtClean="0"/>
+              <a:rPr lang="it-IT"/>
               <a:t>Modifica gli stili del testo dello schema</a:t>
             </a:r>
           </a:p>
@@ -1901,7 +1901,7 @@
           </a:lstStyle>
           <a:p>
             <a:r>
-              <a:rPr lang="it-IT" smtClean="0"/>
+              <a:rPr lang="it-IT"/>
               <a:t>Fare clic per modificare lo stile del titolo</a:t>
             </a:r>
             <a:endParaRPr lang="en-US" dirty="0"/>
@@ -1965,7 +1965,7 @@
           <a:p>
             <a:pPr lvl="0"/>
             <a:r>
-              <a:rPr lang="it-IT" smtClean="0"/>
+              <a:rPr lang="it-IT"/>
               <a:t>Modifica gli stili del testo dello schema</a:t>
             </a:r>
           </a:p>
@@ -2087,7 +2087,7 @@
           <a:p>
             <a:pPr lvl="0"/>
             <a:r>
-              <a:rPr lang="it-IT" smtClean="0"/>
+              <a:rPr lang="it-IT"/>
               <a:t>Modifica gli stili del testo dello schema</a:t>
             </a:r>
           </a:p>
@@ -2305,7 +2305,7 @@
           </a:lstStyle>
           <a:p>
             <a:r>
-              <a:rPr lang="it-IT" smtClean="0"/>
+              <a:rPr lang="it-IT"/>
               <a:t>Fare clic per modificare lo stile del titolo</a:t>
             </a:r>
             <a:endParaRPr lang="en-US" dirty="0"/>
@@ -2366,7 +2366,7 @@
           <a:p>
             <a:pPr lvl="0"/>
             <a:r>
-              <a:rPr lang="it-IT" smtClean="0"/>
+              <a:rPr lang="it-IT"/>
               <a:t>Modifica gli stili del testo dello schema</a:t>
             </a:r>
           </a:p>
@@ -2488,7 +2488,7 @@
           <a:p>
             <a:pPr lvl="0"/>
             <a:r>
-              <a:rPr lang="it-IT" smtClean="0"/>
+              <a:rPr lang="it-IT"/>
               <a:t>Modifica gli stili del testo dello schema</a:t>
             </a:r>
           </a:p>
@@ -2613,7 +2613,7 @@
           <a:lstStyle/>
           <a:p>
             <a:r>
-              <a:rPr lang="it-IT" smtClean="0"/>
+              <a:rPr lang="it-IT"/>
               <a:t>Fare clic per modificare lo stile del titolo</a:t>
             </a:r>
             <a:endParaRPr lang="en-US" dirty="0"/>
@@ -2637,35 +2637,35 @@
           <a:p>
             <a:pPr lvl="0"/>
             <a:r>
-              <a:rPr lang="it-IT" smtClean="0"/>
+              <a:rPr lang="it-IT"/>
               <a:t>Modifica gli stili del testo dello schema</a:t>
             </a:r>
           </a:p>
           <a:p>
             <a:pPr lvl="1"/>
             <a:r>
-              <a:rPr lang="it-IT" smtClean="0"/>
+              <a:rPr lang="it-IT"/>
               <a:t>Secondo livello</a:t>
             </a:r>
           </a:p>
           <a:p>
             <a:pPr lvl="2"/>
             <a:r>
-              <a:rPr lang="it-IT" smtClean="0"/>
+              <a:rPr lang="it-IT"/>
               <a:t>Terzo livello</a:t>
             </a:r>
           </a:p>
           <a:p>
             <a:pPr lvl="3"/>
             <a:r>
-              <a:rPr lang="it-IT" smtClean="0"/>
+              <a:rPr lang="it-IT"/>
               <a:t>Quarto livello</a:t>
             </a:r>
           </a:p>
           <a:p>
             <a:pPr lvl="4"/>
             <a:r>
-              <a:rPr lang="it-IT" smtClean="0"/>
+              <a:rPr lang="it-IT"/>
               <a:t>Quinto livello</a:t>
             </a:r>
             <a:endParaRPr lang="en-US" dirty="0"/>
@@ -2796,7 +2796,7 @@
           <a:lstStyle/>
           <a:p>
             <a:r>
-              <a:rPr lang="it-IT" smtClean="0"/>
+              <a:rPr lang="it-IT"/>
               <a:t>Fare clic per modificare lo stile del titolo</a:t>
             </a:r>
             <a:endParaRPr lang="en-US" dirty="0"/>
@@ -2825,35 +2825,35 @@
           <a:p>
             <a:pPr lvl="0"/>
             <a:r>
-              <a:rPr lang="it-IT" smtClean="0"/>
+              <a:rPr lang="it-IT"/>
               <a:t>Modifica gli stili del testo dello schema</a:t>
             </a:r>
           </a:p>
           <a:p>
             <a:pPr lvl="1"/>
             <a:r>
-              <a:rPr lang="it-IT" smtClean="0"/>
+              <a:rPr lang="it-IT"/>
               <a:t>Secondo livello</a:t>
             </a:r>
           </a:p>
           <a:p>
             <a:pPr lvl="2"/>
             <a:r>
-              <a:rPr lang="it-IT" smtClean="0"/>
+              <a:rPr lang="it-IT"/>
               <a:t>Terzo livello</a:t>
             </a:r>
           </a:p>
           <a:p>
             <a:pPr lvl="3"/>
             <a:r>
-              <a:rPr lang="it-IT" smtClean="0"/>
+              <a:rPr lang="it-IT"/>
               <a:t>Quarto livello</a:t>
             </a:r>
           </a:p>
           <a:p>
             <a:pPr lvl="4"/>
             <a:r>
-              <a:rPr lang="it-IT" smtClean="0"/>
+              <a:rPr lang="it-IT"/>
               <a:t>Quinto livello</a:t>
             </a:r>
             <a:endParaRPr lang="en-US" dirty="0"/>
@@ -3126,7 +3126,7 @@
           </a:lstStyle>
           <a:p>
             <a:r>
-              <a:rPr lang="it-IT" smtClean="0"/>
+              <a:rPr lang="it-IT"/>
               <a:t>Fare clic per modificare lo stile del titolo</a:t>
             </a:r>
             <a:endParaRPr lang="en-US" dirty="0"/>
@@ -3150,35 +3150,35 @@
           <a:p>
             <a:pPr lvl="0"/>
             <a:r>
-              <a:rPr lang="it-IT" smtClean="0"/>
+              <a:rPr lang="it-IT"/>
               <a:t>Modifica gli stili del testo dello schema</a:t>
             </a:r>
           </a:p>
           <a:p>
             <a:pPr lvl="1"/>
             <a:r>
-              <a:rPr lang="it-IT" smtClean="0"/>
+              <a:rPr lang="it-IT"/>
               <a:t>Secondo livello</a:t>
             </a:r>
           </a:p>
           <a:p>
             <a:pPr lvl="2"/>
             <a:r>
-              <a:rPr lang="it-IT" smtClean="0"/>
+              <a:rPr lang="it-IT"/>
               <a:t>Terzo livello</a:t>
             </a:r>
           </a:p>
           <a:p>
             <a:pPr lvl="3"/>
             <a:r>
-              <a:rPr lang="it-IT" smtClean="0"/>
+              <a:rPr lang="it-IT"/>
               <a:t>Quarto livello</a:t>
             </a:r>
           </a:p>
           <a:p>
             <a:pPr lvl="4"/>
             <a:r>
-              <a:rPr lang="it-IT" smtClean="0"/>
+              <a:rPr lang="it-IT"/>
               <a:t>Quinto livello</a:t>
             </a:r>
             <a:endParaRPr lang="en-US" dirty="0"/>
@@ -3313,7 +3313,7 @@
           </a:lstStyle>
           <a:p>
             <a:r>
-              <a:rPr lang="it-IT" smtClean="0"/>
+              <a:rPr lang="it-IT"/>
               <a:t>Fare clic per modificare lo stile del titolo</a:t>
             </a:r>
             <a:endParaRPr lang="en-US" dirty="0"/>
@@ -3434,7 +3434,7 @@
           <a:p>
             <a:pPr lvl="0"/>
             <a:r>
-              <a:rPr lang="it-IT" smtClean="0"/>
+              <a:rPr lang="it-IT"/>
               <a:t>Modifica gli stili del testo dello schema</a:t>
             </a:r>
           </a:p>
@@ -3559,7 +3559,7 @@
           <a:lstStyle/>
           <a:p>
             <a:r>
-              <a:rPr lang="it-IT" smtClean="0"/>
+              <a:rPr lang="it-IT"/>
               <a:t>Fare clic per modificare lo stile del titolo</a:t>
             </a:r>
             <a:endParaRPr lang="en-US" dirty="0"/>
@@ -3588,35 +3588,35 @@
           <a:p>
             <a:pPr lvl="0"/>
             <a:r>
-              <a:rPr lang="it-IT" smtClean="0"/>
+              <a:rPr lang="it-IT"/>
               <a:t>Modifica gli stili del testo dello schema</a:t>
             </a:r>
           </a:p>
           <a:p>
             <a:pPr lvl="1"/>
             <a:r>
-              <a:rPr lang="it-IT" smtClean="0"/>
+              <a:rPr lang="it-IT"/>
               <a:t>Secondo livello</a:t>
             </a:r>
           </a:p>
           <a:p>
             <a:pPr lvl="2"/>
             <a:r>
-              <a:rPr lang="it-IT" smtClean="0"/>
+              <a:rPr lang="it-IT"/>
               <a:t>Terzo livello</a:t>
             </a:r>
           </a:p>
           <a:p>
             <a:pPr lvl="3"/>
             <a:r>
-              <a:rPr lang="it-IT" smtClean="0"/>
+              <a:rPr lang="it-IT"/>
               <a:t>Quarto livello</a:t>
             </a:r>
           </a:p>
           <a:p>
             <a:pPr lvl="4"/>
             <a:r>
-              <a:rPr lang="it-IT" smtClean="0"/>
+              <a:rPr lang="it-IT"/>
               <a:t>Quinto livello</a:t>
             </a:r>
             <a:endParaRPr lang="en-US" dirty="0"/>
@@ -3645,35 +3645,35 @@
           <a:p>
             <a:pPr lvl="0"/>
             <a:r>
-              <a:rPr lang="it-IT" smtClean="0"/>
+              <a:rPr lang="it-IT"/>
               <a:t>Modifica gli stili del testo dello schema</a:t>
             </a:r>
           </a:p>
           <a:p>
             <a:pPr lvl="1"/>
             <a:r>
-              <a:rPr lang="it-IT" smtClean="0"/>
+              <a:rPr lang="it-IT"/>
               <a:t>Secondo livello</a:t>
             </a:r>
           </a:p>
           <a:p>
             <a:pPr lvl="2"/>
             <a:r>
-              <a:rPr lang="it-IT" smtClean="0"/>
+              <a:rPr lang="it-IT"/>
               <a:t>Terzo livello</a:t>
             </a:r>
           </a:p>
           <a:p>
             <a:pPr lvl="3"/>
             <a:r>
-              <a:rPr lang="it-IT" smtClean="0"/>
+              <a:rPr lang="it-IT"/>
               <a:t>Quarto livello</a:t>
             </a:r>
           </a:p>
           <a:p>
             <a:pPr lvl="4"/>
             <a:r>
-              <a:rPr lang="it-IT" smtClean="0"/>
+              <a:rPr lang="it-IT"/>
               <a:t>Quinto livello</a:t>
             </a:r>
             <a:endParaRPr lang="en-US" dirty="0"/>
@@ -3803,7 +3803,7 @@
           </a:lstStyle>
           <a:p>
             <a:r>
-              <a:rPr lang="it-IT" smtClean="0"/>
+              <a:rPr lang="it-IT"/>
               <a:t>Fare clic per modificare lo stile del titolo</a:t>
             </a:r>
             <a:endParaRPr lang="en-US" dirty="0"/>
@@ -3871,7 +3871,7 @@
           <a:p>
             <a:pPr lvl="0"/>
             <a:r>
-              <a:rPr lang="it-IT" smtClean="0"/>
+              <a:rPr lang="it-IT"/>
               <a:t>Modifica gli stili del testo dello schema</a:t>
             </a:r>
           </a:p>
@@ -3901,35 +3901,35 @@
           <a:p>
             <a:pPr lvl="0"/>
             <a:r>
-              <a:rPr lang="it-IT" smtClean="0"/>
+              <a:rPr lang="it-IT"/>
               <a:t>Modifica gli stili del testo dello schema</a:t>
             </a:r>
           </a:p>
           <a:p>
             <a:pPr lvl="1"/>
             <a:r>
-              <a:rPr lang="it-IT" smtClean="0"/>
+              <a:rPr lang="it-IT"/>
               <a:t>Secondo livello</a:t>
             </a:r>
           </a:p>
           <a:p>
             <a:pPr lvl="2"/>
             <a:r>
-              <a:rPr lang="it-IT" smtClean="0"/>
+              <a:rPr lang="it-IT"/>
               <a:t>Terzo livello</a:t>
             </a:r>
           </a:p>
           <a:p>
             <a:pPr lvl="3"/>
             <a:r>
-              <a:rPr lang="it-IT" smtClean="0"/>
+              <a:rPr lang="it-IT"/>
               <a:t>Quarto livello</a:t>
             </a:r>
           </a:p>
           <a:p>
             <a:pPr lvl="4"/>
             <a:r>
-              <a:rPr lang="it-IT" smtClean="0"/>
+              <a:rPr lang="it-IT"/>
               <a:t>Quinto livello</a:t>
             </a:r>
             <a:endParaRPr lang="en-US" dirty="0"/>
@@ -3997,7 +3997,7 @@
           <a:p>
             <a:pPr lvl="0"/>
             <a:r>
-              <a:rPr lang="it-IT" smtClean="0"/>
+              <a:rPr lang="it-IT"/>
               <a:t>Modifica gli stili del testo dello schema</a:t>
             </a:r>
           </a:p>
@@ -4027,35 +4027,35 @@
           <a:p>
             <a:pPr lvl="0"/>
             <a:r>
-              <a:rPr lang="it-IT" smtClean="0"/>
+              <a:rPr lang="it-IT"/>
               <a:t>Modifica gli stili del testo dello schema</a:t>
             </a:r>
           </a:p>
           <a:p>
             <a:pPr lvl="1"/>
             <a:r>
-              <a:rPr lang="it-IT" smtClean="0"/>
+              <a:rPr lang="it-IT"/>
               <a:t>Secondo livello</a:t>
             </a:r>
           </a:p>
           <a:p>
             <a:pPr lvl="2"/>
             <a:r>
-              <a:rPr lang="it-IT" smtClean="0"/>
+              <a:rPr lang="it-IT"/>
               <a:t>Terzo livello</a:t>
             </a:r>
           </a:p>
           <a:p>
             <a:pPr lvl="3"/>
             <a:r>
-              <a:rPr lang="it-IT" smtClean="0"/>
+              <a:rPr lang="it-IT"/>
               <a:t>Quarto livello</a:t>
             </a:r>
           </a:p>
           <a:p>
             <a:pPr lvl="4"/>
             <a:r>
-              <a:rPr lang="it-IT" smtClean="0"/>
+              <a:rPr lang="it-IT"/>
               <a:t>Quinto livello</a:t>
             </a:r>
             <a:endParaRPr lang="en-US" dirty="0"/>
@@ -4186,7 +4186,7 @@
           <a:lstStyle/>
           <a:p>
             <a:r>
-              <a:rPr lang="it-IT" smtClean="0"/>
+              <a:rPr lang="it-IT"/>
               <a:t>Fare clic per modificare lo stile del titolo</a:t>
             </a:r>
             <a:endParaRPr lang="en-US" dirty="0"/>
@@ -4426,7 +4426,7 @@
           </a:lstStyle>
           <a:p>
             <a:r>
-              <a:rPr lang="it-IT" smtClean="0"/>
+              <a:rPr lang="it-IT"/>
               <a:t>Fare clic per modificare lo stile del titolo</a:t>
             </a:r>
             <a:endParaRPr lang="en-US" dirty="0"/>
@@ -4457,35 +4457,35 @@
           <a:p>
             <a:pPr lvl="0"/>
             <a:r>
-              <a:rPr lang="it-IT" smtClean="0"/>
+              <a:rPr lang="it-IT"/>
               <a:t>Modifica gli stili del testo dello schema</a:t>
             </a:r>
           </a:p>
           <a:p>
             <a:pPr lvl="1"/>
             <a:r>
-              <a:rPr lang="it-IT" smtClean="0"/>
+              <a:rPr lang="it-IT"/>
               <a:t>Secondo livello</a:t>
             </a:r>
           </a:p>
           <a:p>
             <a:pPr lvl="2"/>
             <a:r>
-              <a:rPr lang="it-IT" smtClean="0"/>
+              <a:rPr lang="it-IT"/>
               <a:t>Terzo livello</a:t>
             </a:r>
           </a:p>
           <a:p>
             <a:pPr lvl="3"/>
             <a:r>
-              <a:rPr lang="it-IT" smtClean="0"/>
+              <a:rPr lang="it-IT"/>
               <a:t>Quarto livello</a:t>
             </a:r>
           </a:p>
           <a:p>
             <a:pPr lvl="4"/>
             <a:r>
-              <a:rPr lang="it-IT" smtClean="0"/>
+              <a:rPr lang="it-IT"/>
               <a:t>Quinto livello</a:t>
             </a:r>
             <a:endParaRPr lang="en-US" dirty="0"/>
@@ -4553,7 +4553,7 @@
           <a:p>
             <a:pPr lvl="0"/>
             <a:r>
-              <a:rPr lang="it-IT" smtClean="0"/>
+              <a:rPr lang="it-IT"/>
               <a:t>Modifica gli stili del testo dello schema</a:t>
             </a:r>
           </a:p>
@@ -4689,7 +4689,7 @@
           </a:lstStyle>
           <a:p>
             <a:r>
-              <a:rPr lang="it-IT" smtClean="0"/>
+              <a:rPr lang="it-IT"/>
               <a:t>Fare clic per modificare lo stile del titolo</a:t>
             </a:r>
             <a:endParaRPr lang="en-US" dirty="0"/>
@@ -4756,7 +4756,7 @@
           </a:lstStyle>
           <a:p>
             <a:r>
-              <a:rPr lang="it-IT" smtClean="0"/>
+              <a:rPr lang="it-IT"/>
               <a:t>Fare clic sull'icona per inserire un'immagine</a:t>
             </a:r>
             <a:endParaRPr lang="en-US" dirty="0"/>
@@ -4824,7 +4824,7 @@
           <a:p>
             <a:pPr lvl="0"/>
             <a:r>
-              <a:rPr lang="it-IT" smtClean="0"/>
+              <a:rPr lang="it-IT"/>
               <a:t>Modifica gli stili del testo dello schema</a:t>
             </a:r>
           </a:p>
@@ -5494,7 +5494,7 @@
           <a:lstStyle/>
           <a:p>
             <a:r>
-              <a:rPr lang="it-IT" smtClean="0"/>
+              <a:rPr lang="it-IT"/>
               <a:t>Fare clic per modificare lo stile del titolo</a:t>
             </a:r>
             <a:endParaRPr lang="en-US" dirty="0"/>
@@ -5528,35 +5528,35 @@
           <a:p>
             <a:pPr lvl="0"/>
             <a:r>
-              <a:rPr lang="it-IT" smtClean="0"/>
+              <a:rPr lang="it-IT"/>
               <a:t>Modifica gli stili del testo dello schema</a:t>
             </a:r>
           </a:p>
           <a:p>
             <a:pPr lvl="1"/>
             <a:r>
-              <a:rPr lang="it-IT" smtClean="0"/>
+              <a:rPr lang="it-IT"/>
               <a:t>Secondo livello</a:t>
             </a:r>
           </a:p>
           <a:p>
             <a:pPr lvl="2"/>
             <a:r>
-              <a:rPr lang="it-IT" smtClean="0"/>
+              <a:rPr lang="it-IT"/>
               <a:t>Terzo livello</a:t>
             </a:r>
           </a:p>
           <a:p>
             <a:pPr lvl="3"/>
             <a:r>
-              <a:rPr lang="it-IT" smtClean="0"/>
+              <a:rPr lang="it-IT"/>
               <a:t>Quarto livello</a:t>
             </a:r>
           </a:p>
           <a:p>
             <a:pPr lvl="4"/>
             <a:r>
-              <a:rPr lang="it-IT" smtClean="0"/>
+              <a:rPr lang="it-IT"/>
               <a:t>Quinto livello</a:t>
             </a:r>
             <a:endParaRPr lang="en-US" dirty="0"/>
@@ -6646,18 +6646,17 @@
           <a:p>
             <a:pPr algn="ctr"/>
             <a:r>
-              <a:rPr lang="it-IT" dirty="0" smtClean="0"/>
+              <a:rPr lang="it-IT" dirty="0"/>
               <a:t>Jacopo </a:t>
             </a:r>
             <a:r>
-              <a:rPr lang="it-IT" dirty="0" err="1" smtClean="0"/>
+              <a:rPr lang="it-IT" dirty="0" err="1"/>
               <a:t>Fabi</a:t>
             </a:r>
             <a:r>
-              <a:rPr lang="it-IT" dirty="0" smtClean="0"/>
+              <a:rPr lang="it-IT" dirty="0"/>
               <a:t> 0293870</a:t>
             </a:r>
-            <a:endParaRPr lang="it-IT" dirty="0"/>
           </a:p>
         </p:txBody>
       </p:sp>
@@ -6757,21 +6756,20 @@
           <a:p>
             <a:pPr algn="ctr"/>
             <a:r>
-              <a:rPr lang="it-IT" sz="5000" dirty="0" err="1" smtClean="0"/>
+              <a:rPr lang="it-IT" sz="5000" dirty="0" err="1"/>
               <a:t>Deliverable</a:t>
             </a:r>
             <a:r>
-              <a:rPr lang="it-IT" sz="5000" dirty="0" smtClean="0"/>
+              <a:rPr lang="it-IT" sz="5000" dirty="0"/>
               <a:t> 3</a:t>
             </a:r>
             <a:br>
-              <a:rPr lang="it-IT" sz="5000" dirty="0" smtClean="0"/>
+              <a:rPr lang="it-IT" sz="5000" dirty="0"/>
             </a:br>
             <a:r>
-              <a:rPr lang="it-IT" sz="5000" dirty="0" smtClean="0"/>
+              <a:rPr lang="it-IT" sz="5000" dirty="0"/>
               <a:t>CBAM</a:t>
             </a:r>
-            <a:endParaRPr lang="it-IT" sz="5000" dirty="0"/>
           </a:p>
         </p:txBody>
       </p:sp>
@@ -6780,13 +6778,6 @@
   <p:clrMapOvr>
     <a:masterClrMapping/>
   </p:clrMapOvr>
-  <p:timing>
-    <p:tnLst>
-      <p:par>
-        <p:cTn id="1" dur="indefinite" restart="never" nodeType="tmRoot"/>
-      </p:par>
-    </p:tnLst>
-  </p:timing>
 </p:sld>
 </file>
 
@@ -6841,7 +6832,7 @@
               </a:spcBef>
             </a:pPr>
             <a:r>
-              <a:rPr lang="it-IT" spc="295" dirty="0" smtClean="0"/>
+              <a:rPr lang="it-IT" spc="295" dirty="0"/>
               <a:t>ALTERNATIVA 2 - Room</a:t>
             </a:r>
             <a:endParaRPr spc="190" dirty="0"/>
@@ -6898,7 +6889,7 @@
           <p:nvPr>
             <p:extLst>
               <p:ext uri="{D42A27DB-BD31-4B8C-83A1-F6EECF244321}">
-                <p14:modId xmlns:p14="http://schemas.microsoft.com/office/powerpoint/2010/main" val="2364888580"/>
+                <p14:modId xmlns:p14="http://schemas.microsoft.com/office/powerpoint/2010/main" val="3970588610"/>
               </p:ext>
             </p:extLst>
           </p:nvPr>
@@ -6954,14 +6945,14 @@
                         <a:t>1.	</a:t>
                       </a:r>
                       <a:r>
-                        <a:rPr lang="it-IT" sz="1400" spc="-105" dirty="0" smtClean="0">
+                        <a:rPr lang="it-IT" sz="1400" spc="-105" dirty="0">
                           <a:solidFill>
                             <a:srgbClr val="262626"/>
                           </a:solidFill>
-                          <a:latin typeface="Trebuchet MS"/>
+                          <a:latin typeface="+mn-lt"/>
                           <a:cs typeface="Trebuchet MS"/>
                         </a:rPr>
-                        <a:t>Chiarezza della documentazione</a:t>
+                        <a:t>Performance</a:t>
                       </a:r>
                       <a:endParaRPr sz="1400" dirty="0">
                         <a:latin typeface="Trebuchet MS"/>
@@ -6989,14 +6980,14 @@
                         </a:lnSpc>
                       </a:pPr>
                       <a:r>
-                        <a:rPr lang="it-IT" sz="1400" spc="-45" dirty="0" smtClean="0">
+                        <a:rPr lang="it-IT" sz="1400" spc="-45" dirty="0">
                           <a:solidFill>
                             <a:srgbClr val="262626"/>
                           </a:solidFill>
                           <a:latin typeface="Trebuchet MS"/>
                           <a:cs typeface="Trebuchet MS"/>
                         </a:rPr>
-                        <a:t>0.5</a:t>
+                        <a:t>1</a:t>
                       </a:r>
                       <a:endParaRPr sz="1400" dirty="0">
                         <a:latin typeface="Trebuchet MS"/>
@@ -7047,204 +7038,14 @@
                         <a:t>2.	</a:t>
                       </a:r>
                       <a:r>
-                        <a:rPr sz="1400" spc="5" dirty="0">
+                        <a:rPr lang="it-IT" sz="1400" spc="5" dirty="0" err="1">
                           <a:solidFill>
                             <a:srgbClr val="262626"/>
                           </a:solidFill>
                           <a:latin typeface="Trebuchet MS"/>
                           <a:cs typeface="Trebuchet MS"/>
                         </a:rPr>
-                        <a:t>F</a:t>
-                      </a:r>
-                      <a:r>
-                        <a:rPr sz="1400" spc="-10" dirty="0">
-                          <a:solidFill>
-                            <a:srgbClr val="262626"/>
-                          </a:solidFill>
-                          <a:latin typeface="Trebuchet MS"/>
-                          <a:cs typeface="Trebuchet MS"/>
-                        </a:rPr>
-                        <a:t>a</a:t>
-                      </a:r>
-                      <a:r>
-                        <a:rPr sz="1400" spc="-5" dirty="0">
-                          <a:solidFill>
-                            <a:srgbClr val="262626"/>
-                          </a:solidFill>
-                          <a:latin typeface="Trebuchet MS"/>
-                          <a:cs typeface="Trebuchet MS"/>
-                        </a:rPr>
-                        <a:t>c</a:t>
-                      </a:r>
-                      <a:r>
-                        <a:rPr sz="1400" spc="5" dirty="0">
-                          <a:solidFill>
-                            <a:srgbClr val="262626"/>
-                          </a:solidFill>
-                          <a:latin typeface="Trebuchet MS"/>
-                          <a:cs typeface="Trebuchet MS"/>
-                        </a:rPr>
-                        <a:t>ili</a:t>
-                      </a:r>
-                      <a:r>
-                        <a:rPr sz="1400" dirty="0">
-                          <a:solidFill>
-                            <a:srgbClr val="262626"/>
-                          </a:solidFill>
-                          <a:latin typeface="Trebuchet MS"/>
-                          <a:cs typeface="Trebuchet MS"/>
-                        </a:rPr>
-                        <a:t>tà</a:t>
-                      </a:r>
-                      <a:r>
-                        <a:rPr sz="1400" spc="-50" dirty="0">
-                          <a:solidFill>
-                            <a:srgbClr val="262626"/>
-                          </a:solidFill>
-                          <a:latin typeface="Trebuchet MS"/>
-                          <a:cs typeface="Trebuchet MS"/>
-                        </a:rPr>
-                        <a:t> </a:t>
-                      </a:r>
-                      <a:r>
-                        <a:rPr sz="1400" spc="-10" dirty="0">
-                          <a:solidFill>
-                            <a:srgbClr val="262626"/>
-                          </a:solidFill>
-                          <a:latin typeface="Trebuchet MS"/>
-                          <a:cs typeface="Trebuchet MS"/>
-                        </a:rPr>
-                        <a:t>d</a:t>
-                      </a:r>
-                      <a:r>
-                        <a:rPr sz="1400" dirty="0">
-                          <a:solidFill>
-                            <a:srgbClr val="262626"/>
-                          </a:solidFill>
-                          <a:latin typeface="Trebuchet MS"/>
-                          <a:cs typeface="Trebuchet MS"/>
-                        </a:rPr>
-                        <a:t>i</a:t>
-                      </a:r>
-                      <a:r>
-                        <a:rPr sz="1400" spc="-40" dirty="0">
-                          <a:solidFill>
-                            <a:srgbClr val="262626"/>
-                          </a:solidFill>
-                          <a:latin typeface="Trebuchet MS"/>
-                          <a:cs typeface="Trebuchet MS"/>
-                        </a:rPr>
-                        <a:t> </a:t>
-                      </a:r>
-                      <a:r>
-                        <a:rPr sz="1400" spc="5" dirty="0">
-                          <a:solidFill>
-                            <a:srgbClr val="262626"/>
-                          </a:solidFill>
-                          <a:latin typeface="Trebuchet MS"/>
-                          <a:cs typeface="Trebuchet MS"/>
-                        </a:rPr>
-                        <a:t>i</a:t>
-                      </a:r>
-                      <a:r>
-                        <a:rPr sz="1400" dirty="0">
-                          <a:solidFill>
-                            <a:srgbClr val="262626"/>
-                          </a:solidFill>
-                          <a:latin typeface="Trebuchet MS"/>
-                          <a:cs typeface="Trebuchet MS"/>
-                        </a:rPr>
-                        <a:t>n</a:t>
-                      </a:r>
-                      <a:r>
-                        <a:rPr sz="1400" spc="-10" dirty="0">
-                          <a:solidFill>
-                            <a:srgbClr val="262626"/>
-                          </a:solidFill>
-                          <a:latin typeface="Trebuchet MS"/>
-                          <a:cs typeface="Trebuchet MS"/>
-                        </a:rPr>
-                        <a:t>s</a:t>
-                      </a:r>
-                      <a:r>
-                        <a:rPr sz="1400" dirty="0">
-                          <a:solidFill>
-                            <a:srgbClr val="262626"/>
-                          </a:solidFill>
-                          <a:latin typeface="Trebuchet MS"/>
-                          <a:cs typeface="Trebuchet MS"/>
-                        </a:rPr>
-                        <a:t>t</a:t>
-                      </a:r>
-                      <a:r>
-                        <a:rPr sz="1400" spc="-10" dirty="0">
-                          <a:solidFill>
-                            <a:srgbClr val="262626"/>
-                          </a:solidFill>
-                          <a:latin typeface="Trebuchet MS"/>
-                          <a:cs typeface="Trebuchet MS"/>
-                        </a:rPr>
-                        <a:t>a</a:t>
-                      </a:r>
-                      <a:r>
-                        <a:rPr sz="1400" spc="5" dirty="0">
-                          <a:solidFill>
-                            <a:srgbClr val="262626"/>
-                          </a:solidFill>
-                          <a:latin typeface="Trebuchet MS"/>
-                          <a:cs typeface="Trebuchet MS"/>
-                        </a:rPr>
-                        <a:t>ll</a:t>
-                      </a:r>
-                      <a:r>
-                        <a:rPr sz="1400" spc="-10" dirty="0">
-                          <a:solidFill>
-                            <a:srgbClr val="262626"/>
-                          </a:solidFill>
-                          <a:latin typeface="Trebuchet MS"/>
-                          <a:cs typeface="Trebuchet MS"/>
-                        </a:rPr>
-                        <a:t>a</a:t>
-                      </a:r>
-                      <a:r>
-                        <a:rPr sz="1400" spc="-5" dirty="0">
-                          <a:solidFill>
-                            <a:srgbClr val="262626"/>
-                          </a:solidFill>
-                          <a:latin typeface="Trebuchet MS"/>
-                          <a:cs typeface="Trebuchet MS"/>
-                        </a:rPr>
-                        <a:t>z</a:t>
-                      </a:r>
-                      <a:r>
-                        <a:rPr sz="1400" spc="5" dirty="0">
-                          <a:solidFill>
-                            <a:srgbClr val="262626"/>
-                          </a:solidFill>
-                          <a:latin typeface="Trebuchet MS"/>
-                          <a:cs typeface="Trebuchet MS"/>
-                        </a:rPr>
-                        <a:t>i</a:t>
-                      </a:r>
-                      <a:r>
-                        <a:rPr sz="1400" spc="-10" dirty="0">
-                          <a:solidFill>
-                            <a:srgbClr val="262626"/>
-                          </a:solidFill>
-                          <a:latin typeface="Trebuchet MS"/>
-                          <a:cs typeface="Trebuchet MS"/>
-                        </a:rPr>
-                        <a:t>o</a:t>
-                      </a:r>
-                      <a:r>
-                        <a:rPr sz="1400" dirty="0">
-                          <a:solidFill>
-                            <a:srgbClr val="262626"/>
-                          </a:solidFill>
-                          <a:latin typeface="Trebuchet MS"/>
-                          <a:cs typeface="Trebuchet MS"/>
-                        </a:rPr>
-                        <a:t>ne</a:t>
+                        <a:t>Interoperability</a:t>
                       </a:r>
                       <a:endParaRPr sz="1400" dirty="0">
                         <a:latin typeface="Trebuchet MS"/>
@@ -7275,14 +7076,14 @@
                         </a:spcBef>
                       </a:pPr>
                       <a:r>
-                        <a:rPr lang="it-IT" sz="1400" spc="-45" dirty="0" smtClean="0">
+                        <a:rPr lang="it-IT" sz="1400" spc="-45" dirty="0">
                           <a:solidFill>
                             <a:srgbClr val="262626"/>
                           </a:solidFill>
                           <a:latin typeface="Trebuchet MS"/>
                           <a:cs typeface="Trebuchet MS"/>
                         </a:rPr>
-                        <a:t>0.7</a:t>
+                        <a:t>0.5</a:t>
                       </a:r>
                       <a:endParaRPr sz="1400" dirty="0">
                         <a:latin typeface="Trebuchet MS"/>
@@ -7333,14 +7134,14 @@
                         <a:t>3.	</a:t>
                       </a:r>
                       <a:r>
-                        <a:rPr lang="it-IT" sz="1400" dirty="0" smtClean="0">
+                        <a:rPr lang="it-IT" sz="1400" dirty="0" err="1">
                           <a:solidFill>
                             <a:srgbClr val="262626"/>
                           </a:solidFill>
                           <a:latin typeface="Trebuchet MS"/>
                           <a:cs typeface="Trebuchet MS"/>
                         </a:rPr>
-                        <a:t>Facilità di utilizzo</a:t>
+                        <a:t>Integrability</a:t>
                       </a:r>
                       <a:endParaRPr sz="1400" dirty="0">
                         <a:latin typeface="Trebuchet MS"/>
@@ -7371,14 +7172,14 @@
                         </a:spcBef>
                       </a:pPr>
                       <a:r>
-                        <a:rPr lang="it-IT" sz="1400" spc="-45" dirty="0" smtClean="0">
+                        <a:rPr lang="it-IT" sz="1400" spc="-45" dirty="0">
                           <a:solidFill>
                             <a:srgbClr val="262626"/>
                           </a:solidFill>
                           <a:latin typeface="Trebuchet MS"/>
                           <a:cs typeface="Trebuchet MS"/>
                         </a:rPr>
-                        <a:t>1</a:t>
+                        <a:t>0.7</a:t>
                       </a:r>
                       <a:endParaRPr sz="1400" dirty="0">
                         <a:latin typeface="Trebuchet MS"/>
@@ -7429,24 +7230,14 @@
                         <a:t>4.	</a:t>
                       </a:r>
                       <a:r>
-                        <a:rPr lang="it-IT" sz="1400" spc="5" dirty="0" smtClean="0">
+                        <a:rPr lang="it-IT" sz="1400" spc="5" dirty="0" err="1">
                           <a:solidFill>
                             <a:srgbClr val="262626"/>
                           </a:solidFill>
                           <a:latin typeface="Trebuchet MS"/>
                           <a:cs typeface="Trebuchet MS"/>
                         </a:rPr>
-                        <a:t>Semplicità</a:t>
-                      </a:r>
-                      <a:r>
-                        <a:rPr lang="it-IT" sz="1400" spc="5" baseline="0" dirty="0" smtClean="0">
-                          <a:solidFill>
-                            <a:srgbClr val="262626"/>
-                          </a:solidFill>
-                          <a:latin typeface="Trebuchet MS"/>
-                          <a:cs typeface="Trebuchet MS"/>
-                        </a:rPr>
-                        <a:t> del codice</a:t>
+                        <a:t>Modifiability</a:t>
                       </a:r>
                       <a:endParaRPr sz="1400" dirty="0">
                         <a:latin typeface="Trebuchet MS"/>
@@ -7477,7 +7268,7 @@
                         </a:spcBef>
                       </a:pPr>
                       <a:r>
-                        <a:rPr lang="it-IT" sz="1400" dirty="0" smtClean="0">
+                        <a:rPr lang="it-IT" sz="1400" dirty="0">
                           <a:solidFill>
                             <a:srgbClr val="262626"/>
                           </a:solidFill>
@@ -7535,14 +7326,14 @@
                         <a:t>5.	</a:t>
                       </a:r>
                       <a:r>
-                        <a:rPr lang="it-IT" sz="1400" dirty="0" smtClean="0">
+                        <a:rPr lang="it-IT" sz="1400" dirty="0">
                           <a:solidFill>
                             <a:srgbClr val="262626"/>
                           </a:solidFill>
                           <a:latin typeface="Trebuchet MS"/>
                           <a:cs typeface="Trebuchet MS"/>
                         </a:rPr>
-                        <a:t>Sicurezza</a:t>
+                        <a:t>Security</a:t>
                       </a:r>
                       <a:endParaRPr sz="1400" dirty="0">
                         <a:latin typeface="Trebuchet MS"/>
@@ -7573,7 +7364,7 @@
                         </a:spcBef>
                       </a:pPr>
                       <a:r>
-                        <a:rPr lang="it-IT" sz="1400" spc="-45" dirty="0" smtClean="0">
+                        <a:rPr lang="it-IT" sz="1400" spc="-45" dirty="0">
                           <a:solidFill>
                             <a:srgbClr val="262626"/>
                           </a:solidFill>
@@ -7631,17 +7422,17 @@
                         <a:t>6.	</a:t>
                       </a:r>
                       <a:r>
-                        <a:rPr lang="it-IT" sz="1400" spc="-95" dirty="0" smtClean="0">
+                        <a:rPr lang="it-IT" sz="1400" spc="-95" dirty="0" err="1">
                           <a:solidFill>
                             <a:srgbClr val="262626"/>
                           </a:solidFill>
-                          <a:latin typeface="Trebuchet MS"/>
+                          <a:latin typeface="+mj-lt"/>
                           <a:cs typeface="Trebuchet MS"/>
                         </a:rPr>
-                        <a:t>Supporto</a:t>
+                        <a:t>Availability</a:t>
                       </a:r>
                       <a:endParaRPr sz="1400" dirty="0">
-                        <a:latin typeface="Trebuchet MS"/>
+                        <a:latin typeface="+mj-lt"/>
                         <a:cs typeface="Trebuchet MS"/>
                       </a:endParaRPr>
                     </a:p>
@@ -7669,7 +7460,7 @@
                         </a:spcBef>
                       </a:pPr>
                       <a:r>
-                        <a:rPr lang="it-IT" sz="1400" spc="-45" dirty="0" smtClean="0">
+                        <a:rPr lang="it-IT" sz="1400" spc="-45" dirty="0">
                           <a:solidFill>
                             <a:srgbClr val="262626"/>
                           </a:solidFill>
@@ -7712,7 +7503,7 @@
         <p:spPr>
           <a:xfrm>
             <a:off x="990600" y="4336797"/>
-            <a:ext cx="8610600" cy="1699183"/>
+            <a:ext cx="8610600" cy="1976182"/>
           </a:xfrm>
           <a:prstGeom prst="rect">
             <a:avLst/>
@@ -7765,7 +7556,7 @@
               <a:t> </a:t>
             </a:r>
             <a:r>
-              <a:rPr sz="1800" spc="-135" dirty="0" err="1" smtClean="0">
+              <a:rPr sz="1800" spc="-135" dirty="0" err="1">
                 <a:solidFill>
                   <a:srgbClr val="262626"/>
                 </a:solidFill>
@@ -7775,7 +7566,7 @@
               <a:t>l</a:t>
             </a:r>
             <a:r>
-              <a:rPr sz="1800" spc="-114" dirty="0" err="1" smtClean="0">
+              <a:rPr sz="1800" spc="-114" dirty="0" err="1">
                 <a:solidFill>
                   <a:srgbClr val="262626"/>
                 </a:solidFill>
@@ -7785,7 +7576,7 @@
               <a:t>i</a:t>
             </a:r>
             <a:r>
-              <a:rPr sz="1800" spc="-55" dirty="0" err="1" smtClean="0">
+              <a:rPr sz="1800" spc="-55" dirty="0" err="1">
                 <a:solidFill>
                   <a:srgbClr val="262626"/>
                 </a:solidFill>
@@ -7795,7 +7586,7 @@
               <a:t>b</a:t>
             </a:r>
             <a:r>
-              <a:rPr sz="1800" spc="-80" dirty="0" err="1" smtClean="0">
+              <a:rPr sz="1800" spc="-80" dirty="0" err="1">
                 <a:solidFill>
                   <a:srgbClr val="262626"/>
                 </a:solidFill>
@@ -7805,7 +7596,7 @@
               <a:t>r</a:t>
             </a:r>
             <a:r>
-              <a:rPr sz="1800" spc="-120" dirty="0" err="1" smtClean="0">
+              <a:rPr sz="1800" spc="-120" dirty="0" err="1">
                 <a:solidFill>
                   <a:srgbClr val="262626"/>
                 </a:solidFill>
@@ -7815,7 +7606,7 @@
               <a:t>e</a:t>
             </a:r>
             <a:r>
-              <a:rPr sz="1800" spc="5" dirty="0" err="1" smtClean="0">
+              <a:rPr sz="1800" spc="5" dirty="0" err="1">
                 <a:solidFill>
                   <a:srgbClr val="262626"/>
                 </a:solidFill>
@@ -7825,7 +7616,7 @@
               <a:t>r</a:t>
             </a:r>
             <a:r>
-              <a:rPr sz="1800" spc="-114" dirty="0" err="1" smtClean="0">
+              <a:rPr sz="1800" spc="-114" dirty="0" err="1">
                 <a:solidFill>
                   <a:srgbClr val="262626"/>
                 </a:solidFill>
@@ -7835,7 +7626,7 @@
               <a:t>i</a:t>
             </a:r>
             <a:r>
-              <a:rPr sz="1800" spc="-180" dirty="0" err="1" smtClean="0">
+              <a:rPr sz="1800" spc="-180" dirty="0" err="1">
                 <a:solidFill>
                   <a:srgbClr val="262626"/>
                 </a:solidFill>
@@ -7845,7 +7636,7 @@
               <a:t>a</a:t>
             </a:r>
             <a:r>
-              <a:rPr lang="it-IT" sz="1800" spc="-180" dirty="0" smtClean="0">
+              <a:rPr lang="it-IT" sz="1800" spc="-180" dirty="0">
                 <a:solidFill>
                   <a:srgbClr val="262626"/>
                 </a:solidFill>
@@ -7855,7 +7646,7 @@
               <a:t>,</a:t>
             </a:r>
             <a:r>
-              <a:rPr sz="1800" spc="-50" dirty="0" smtClean="0">
+              <a:rPr sz="1800" spc="-50" dirty="0">
                 <a:solidFill>
                   <a:srgbClr val="262626"/>
                 </a:solidFill>
@@ -7865,7 +7656,7 @@
               <a:t> </a:t>
             </a:r>
             <a:r>
-              <a:rPr lang="it-IT" spc="-50" dirty="0" smtClean="0">
+              <a:rPr lang="it-IT" spc="-50" dirty="0">
                 <a:solidFill>
                   <a:srgbClr val="262626"/>
                 </a:solidFill>
@@ -7875,7 +7666,7 @@
               <a:t>offrendo un’astrazione del sistema </a:t>
             </a:r>
             <a:r>
-              <a:rPr lang="it-IT" spc="-50" dirty="0" err="1" smtClean="0">
+              <a:rPr lang="it-IT" spc="-50" dirty="0" err="1">
                 <a:solidFill>
                   <a:srgbClr val="262626"/>
                 </a:solidFill>
@@ -7885,36 +7676,16 @@
               <a:t>SQLite</a:t>
             </a:r>
             <a:r>
-              <a:rPr lang="it-IT" spc="-50" dirty="0" smtClean="0">
+              <a:rPr lang="it-IT" spc="-50" dirty="0">
                 <a:solidFill>
                   <a:srgbClr val="262626"/>
                 </a:solidFill>
                 <a:latin typeface="Trebuchet MS"/>
                 <a:cs typeface="Trebuchet MS"/>
               </a:rPr>
-              <a:t>, </a:t>
-            </a:r>
-            <a:r>
-              <a:rPr lang="it-IT" sz="1800" spc="-50" dirty="0" smtClean="0">
-                <a:solidFill>
-                  <a:srgbClr val="262626"/>
-                </a:solidFill>
-                <a:latin typeface="Trebuchet MS"/>
-                <a:cs typeface="Trebuchet MS"/>
-              </a:rPr>
-              <a:t>presenta una documentazione </a:t>
-            </a:r>
-            <a:r>
-              <a:rPr lang="it-IT" spc="-50" dirty="0" smtClean="0">
-                <a:solidFill>
-                  <a:srgbClr val="262626"/>
-                </a:solidFill>
-                <a:latin typeface="Trebuchet MS"/>
-                <a:cs typeface="Trebuchet MS"/>
-              </a:rPr>
-              <a:t>non molto dettagliata, potrebbe perdere il supporto con il tempo, e a livello di sicurezza offre un insieme limitato di soluzioni per l’accesso e la gestione dei DB</a:t>
-            </a:r>
-            <a:endParaRPr lang="it-IT" sz="1800" spc="-50" dirty="0" smtClean="0">
+              <a:t>, offre un insieme limitato di soluzioni per la gestione e la sicurezza dei DB, oltre al fatto che potrebbe perdere il supporto nel tempo</a:t>
+            </a:r>
+            <a:endParaRPr lang="it-IT" sz="1800" spc="-50" dirty="0">
               <a:solidFill>
                 <a:srgbClr val="262626"/>
               </a:solidFill>
@@ -7931,7 +7702,7 @@
                 <a:spcPts val="90"/>
               </a:spcBef>
             </a:pPr>
-            <a:endParaRPr lang="it-IT" sz="1800" spc="-50" dirty="0" smtClean="0">
+            <a:endParaRPr lang="it-IT" sz="1800" spc="-50" dirty="0">
               <a:solidFill>
                 <a:srgbClr val="262626"/>
               </a:solidFill>
@@ -7951,14 +7722,53 @@
               <a:buChar char="§"/>
             </a:pPr>
             <a:r>
-              <a:rPr lang="it-IT" spc="-50" dirty="0" smtClean="0">
+              <a:rPr lang="it-IT" spc="-50" dirty="0">
                 <a:solidFill>
                   <a:srgbClr val="262626"/>
                 </a:solidFill>
                 <a:latin typeface="Trebuchet MS"/>
                 <a:cs typeface="Trebuchet MS"/>
               </a:rPr>
-              <a:t>Di contro, l’utilizzo richiede una semplice conoscenza del linguaggio SQL, e il codice risulta molto semplice da leggere e da capire grazie all’astrazione offerta</a:t>
+              <a:t>Di contro, l’utilizzo richiede una semplice conoscenza del linguaggio SQL, e proprio perché è un’astrazione di </a:t>
+            </a:r>
+            <a:r>
+              <a:rPr lang="it-IT" spc="-50" dirty="0" err="1">
+                <a:solidFill>
+                  <a:srgbClr val="262626"/>
+                </a:solidFill>
+                <a:latin typeface="Trebuchet MS"/>
+                <a:cs typeface="Trebuchet MS"/>
+              </a:rPr>
+              <a:t>SQLite</a:t>
+            </a:r>
+            <a:r>
+              <a:rPr lang="it-IT" spc="-50" dirty="0">
+                <a:solidFill>
+                  <a:srgbClr val="262626"/>
+                </a:solidFill>
+                <a:latin typeface="Trebuchet MS"/>
+                <a:cs typeface="Trebuchet MS"/>
+              </a:rPr>
+              <a:t>, è una soluzione molto più leggera e di conseguenza</a:t>
+            </a:r>
+            <a:br>
+              <a:rPr lang="it-IT" spc="-50" dirty="0">
+                <a:solidFill>
+                  <a:srgbClr val="262626"/>
+                </a:solidFill>
+                <a:latin typeface="Trebuchet MS"/>
+                <a:cs typeface="Trebuchet MS"/>
+              </a:rPr>
+            </a:br>
+            <a:r>
+              <a:rPr lang="it-IT" spc="-50" dirty="0">
+                <a:solidFill>
+                  <a:srgbClr val="262626"/>
+                </a:solidFill>
+                <a:latin typeface="Trebuchet MS"/>
+                <a:cs typeface="Trebuchet MS"/>
+              </a:rPr>
+              <a:t>rapida nella gestione ed interrogazione dei DB</a:t>
             </a:r>
             <a:endParaRPr sz="1800" dirty="0">
               <a:latin typeface="Trebuchet MS"/>
@@ -8101,13 +7911,6 @@
   <p:clrMapOvr>
     <a:masterClrMapping/>
   </p:clrMapOvr>
-  <p:timing>
-    <p:tnLst>
-      <p:par>
-        <p:cTn id="1" dur="indefinite" restart="never" nodeType="tmRoot"/>
-      </p:par>
-    </p:tnLst>
-  </p:timing>
 </p:sld>
 </file>
 
@@ -8162,7 +7965,7 @@
               </a:spcBef>
             </a:pPr>
             <a:r>
-              <a:rPr lang="it-IT" spc="295" dirty="0" smtClean="0"/>
+              <a:rPr lang="it-IT" spc="295" dirty="0"/>
               <a:t>BENEFICIO</a:t>
             </a:r>
             <a:endParaRPr spc="190" dirty="0"/>
@@ -8210,8 +8013,8 @@
           </a:p>
         </p:txBody>
       </p:sp>
-      <mc:AlternateContent xmlns:mc="http://schemas.openxmlformats.org/markup-compatibility/2006" xmlns:a14="http://schemas.microsoft.com/office/drawing/2010/main">
-        <mc:Choice Requires="a14">
+      <mc:AlternateContent xmlns:mc="http://schemas.openxmlformats.org/markup-compatibility/2006">
+        <mc:Choice xmlns:a14="http://schemas.microsoft.com/office/drawing/2010/main" Requires="a14">
           <p:sp>
             <p:nvSpPr>
               <p:cNvPr id="12" name="object 3"/>
@@ -8221,7 +8024,7 @@
             <p:spPr>
               <a:xfrm>
                 <a:off x="685799" y="1898397"/>
-                <a:ext cx="8077201" cy="1238929"/>
+                <a:ext cx="8077201" cy="1221360"/>
               </a:xfrm>
               <a:prstGeom prst="rect">
                 <a:avLst/>
@@ -8311,6 +8114,26 @@
                       </m:dPr>
                       <m:e>
                         <m:r>
+                          <a:rPr lang="it-IT" b="1" i="1" spc="-105">
+                            <a:solidFill>
+                              <a:srgbClr val="262626"/>
+                            </a:solidFill>
+                            <a:latin typeface="Cambria Math" panose="02040503050406030204" pitchFamily="18" charset="0"/>
+                            <a:cs typeface="Trebuchet MS"/>
+                          </a:rPr>
+                          <m:t>𝟑𝟎</m:t>
+                        </m:r>
+                        <m:r>
+                          <a:rPr lang="it-IT" i="1" spc="-105">
+                            <a:solidFill>
+                              <a:srgbClr val="262626"/>
+                            </a:solidFill>
+                            <a:latin typeface="Cambria Math" panose="02040503050406030204" pitchFamily="18" charset="0"/>
+                            <a:cs typeface="Trebuchet MS"/>
+                          </a:rPr>
+                          <m:t>∗0.3</m:t>
+                        </m:r>
+                        <m:r>
                           <a:rPr lang="it-IT" b="1" i="1" spc="-105" smtClean="0">
                             <a:solidFill>
                               <a:srgbClr val="262626"/>
@@ -8318,7 +8141,57 @@
                             <a:latin typeface="Cambria Math" panose="02040503050406030204" pitchFamily="18" charset="0"/>
                             <a:cs typeface="Trebuchet MS"/>
                           </a:rPr>
-                          <m:t>𝟖</m:t>
+                          <m:t>+</m:t>
+                        </m:r>
+                        <m:r>
+                          <a:rPr lang="it-IT" b="1" i="1" spc="-105">
+                            <a:solidFill>
+                              <a:srgbClr val="262626"/>
+                            </a:solidFill>
+                            <a:latin typeface="Cambria Math" panose="02040503050406030204" pitchFamily="18" charset="0"/>
+                            <a:cs typeface="Trebuchet MS"/>
+                          </a:rPr>
+                          <m:t>𝟒</m:t>
+                        </m:r>
+                        <m:r>
+                          <a:rPr lang="it-IT" i="1" spc="-105">
+                            <a:solidFill>
+                              <a:srgbClr val="262626"/>
+                            </a:solidFill>
+                            <a:latin typeface="Cambria Math" panose="02040503050406030204" pitchFamily="18" charset="0"/>
+                            <a:cs typeface="Trebuchet MS"/>
+                          </a:rPr>
+                          <m:t>∗1</m:t>
+                        </m:r>
+                        <m:r>
+                          <a:rPr lang="it-IT" b="1" i="1" spc="-105" smtClean="0">
+                            <a:solidFill>
+                              <a:srgbClr val="262626"/>
+                            </a:solidFill>
+                            <a:latin typeface="Cambria Math" panose="02040503050406030204" pitchFamily="18" charset="0"/>
+                            <a:cs typeface="Trebuchet MS"/>
+                          </a:rPr>
+                          <m:t>+</m:t>
+                        </m:r>
+                        <m:r>
+                          <a:rPr lang="it-IT" b="1" i="1" spc="-105">
+                            <a:solidFill>
+                              <a:srgbClr val="262626"/>
+                            </a:solidFill>
+                            <a:latin typeface="Cambria Math" panose="02040503050406030204" pitchFamily="18" charset="0"/>
+                            <a:cs typeface="Trebuchet MS"/>
+                          </a:rPr>
+                          <m:t>𝟏𝟖</m:t>
+                        </m:r>
+                        <m:r>
+                          <a:rPr lang="it-IT" i="1" spc="-105">
+                            <a:solidFill>
+                              <a:srgbClr val="262626"/>
+                            </a:solidFill>
+                            <a:latin typeface="Cambria Math" panose="02040503050406030204" pitchFamily="18" charset="0"/>
+                            <a:cs typeface="Trebuchet MS"/>
+                          </a:rPr>
+                          <m:t> ∗0.9</m:t>
                         </m:r>
                         <m:r>
                           <a:rPr lang="it-IT" b="0" i="1" spc="-105" smtClean="0">
@@ -8328,47 +8201,7 @@
                             <a:latin typeface="Cambria Math" panose="02040503050406030204" pitchFamily="18" charset="0"/>
                             <a:cs typeface="Trebuchet MS"/>
                           </a:rPr>
-                          <m:t>∗0.8+</m:t>
-                        </m:r>
-                        <m:r>
-                          <a:rPr lang="it-IT" b="1" i="1" spc="-105" smtClean="0">
-                            <a:solidFill>
-                              <a:srgbClr val="262626"/>
-                            </a:solidFill>
-                            <a:latin typeface="Cambria Math" panose="02040503050406030204" pitchFamily="18" charset="0"/>
-                            <a:cs typeface="Trebuchet MS"/>
-                          </a:rPr>
-                          <m:t>𝟏𝟖</m:t>
-                        </m:r>
-                        <m:r>
-                          <a:rPr lang="it-IT" b="0" i="1" spc="-105" smtClean="0">
-                            <a:solidFill>
-                              <a:srgbClr val="262626"/>
-                            </a:solidFill>
-                            <a:latin typeface="Cambria Math" panose="02040503050406030204" pitchFamily="18" charset="0"/>
-                            <a:cs typeface="Trebuchet MS"/>
-                          </a:rPr>
-                          <m:t> ∗0.9+</m:t>
-                        </m:r>
-                        <m:r>
-                          <a:rPr lang="it-IT" b="1" i="1" spc="-105" smtClean="0">
-                            <a:solidFill>
-                              <a:srgbClr val="262626"/>
-                            </a:solidFill>
-                            <a:latin typeface="Cambria Math" panose="02040503050406030204" pitchFamily="18" charset="0"/>
-                            <a:cs typeface="Trebuchet MS"/>
-                          </a:rPr>
-                          <m:t>𝟑𝟎</m:t>
-                        </m:r>
-                        <m:r>
-                          <a:rPr lang="it-IT" b="0" i="1" spc="-105" smtClean="0">
-                            <a:solidFill>
-                              <a:srgbClr val="262626"/>
-                            </a:solidFill>
-                            <a:latin typeface="Cambria Math" panose="02040503050406030204" pitchFamily="18" charset="0"/>
-                            <a:cs typeface="Trebuchet MS"/>
-                          </a:rPr>
-                          <m:t>∗0.3+</m:t>
+                          <m:t>+</m:t>
                         </m:r>
                         <m:r>
                           <a:rPr lang="it-IT" b="1" i="1" spc="-105" smtClean="0">
@@ -8411,24 +8244,24 @@
                           <m:t>∗0.7+</m:t>
                         </m:r>
                         <m:r>
-                          <a:rPr lang="it-IT" b="1" i="1" spc="-105" smtClean="0">
+                          <a:rPr lang="it-IT" b="1" i="1" spc="-105">
                             <a:solidFill>
                               <a:srgbClr val="262626"/>
                             </a:solidFill>
                             <a:latin typeface="Cambria Math" panose="02040503050406030204" pitchFamily="18" charset="0"/>
                             <a:cs typeface="Trebuchet MS"/>
                           </a:rPr>
-                          <m:t>𝟒</m:t>
+                          <m:t>𝟖</m:t>
                         </m:r>
                         <m:r>
-                          <a:rPr lang="it-IT" b="0" i="1" spc="-105" smtClean="0">
+                          <a:rPr lang="it-IT" i="1" spc="-105">
                             <a:solidFill>
                               <a:srgbClr val="262626"/>
                             </a:solidFill>
                             <a:latin typeface="Cambria Math" panose="02040503050406030204" pitchFamily="18" charset="0"/>
                             <a:cs typeface="Trebuchet MS"/>
                           </a:rPr>
-                          <m:t>∗1</m:t>
+                          <m:t>∗0.8</m:t>
                         </m:r>
                       </m:e>
                     </m:d>
@@ -8479,7 +8312,7 @@
                     </m:r>
                   </m:oMath>
                 </a14:m>
-                <a:endParaRPr lang="it-IT" b="0" i="1" spc="-105" dirty="0" smtClean="0">
+                <a:endParaRPr lang="it-IT" b="0" i="1" spc="-105" dirty="0">
                   <a:solidFill>
                     <a:srgbClr val="262626"/>
                   </a:solidFill>
@@ -8566,6 +8399,26 @@
                       </m:dPr>
                       <m:e>
                         <m:r>
+                          <a:rPr lang="it-IT" b="1" i="1" spc="-105">
+                            <a:solidFill>
+                              <a:srgbClr val="262626"/>
+                            </a:solidFill>
+                            <a:latin typeface="Cambria Math" panose="02040503050406030204" pitchFamily="18" charset="0"/>
+                            <a:cs typeface="Trebuchet MS"/>
+                          </a:rPr>
+                          <m:t>𝟑𝟎</m:t>
+                        </m:r>
+                        <m:r>
+                          <a:rPr lang="it-IT" i="1" spc="-105">
+                            <a:solidFill>
+                              <a:srgbClr val="262626"/>
+                            </a:solidFill>
+                            <a:latin typeface="Cambria Math" panose="02040503050406030204" pitchFamily="18" charset="0"/>
+                            <a:cs typeface="Trebuchet MS"/>
+                          </a:rPr>
+                          <m:t>∗1</m:t>
+                        </m:r>
+                        <m:r>
                           <a:rPr lang="it-IT" b="1" i="1" spc="-105" smtClean="0">
                             <a:solidFill>
                               <a:srgbClr val="262626"/>
@@ -8573,7 +8426,57 @@
                             <a:latin typeface="Cambria Math" panose="02040503050406030204" pitchFamily="18" charset="0"/>
                             <a:cs typeface="Trebuchet MS"/>
                           </a:rPr>
-                          <m:t>𝟖</m:t>
+                          <m:t>+</m:t>
+                        </m:r>
+                        <m:r>
+                          <a:rPr lang="it-IT" b="1" i="1" spc="-105">
+                            <a:solidFill>
+                              <a:srgbClr val="262626"/>
+                            </a:solidFill>
+                            <a:latin typeface="Cambria Math" panose="02040503050406030204" pitchFamily="18" charset="0"/>
+                            <a:cs typeface="Trebuchet MS"/>
+                          </a:rPr>
+                          <m:t>𝟒</m:t>
+                        </m:r>
+                        <m:r>
+                          <a:rPr lang="it-IT" i="1" spc="-105">
+                            <a:solidFill>
+                              <a:srgbClr val="262626"/>
+                            </a:solidFill>
+                            <a:latin typeface="Cambria Math" panose="02040503050406030204" pitchFamily="18" charset="0"/>
+                            <a:cs typeface="Trebuchet MS"/>
+                          </a:rPr>
+                          <m:t>∗0.3</m:t>
+                        </m:r>
+                        <m:r>
+                          <a:rPr lang="it-IT" b="1" i="1" spc="-105" smtClean="0">
+                            <a:solidFill>
+                              <a:srgbClr val="262626"/>
+                            </a:solidFill>
+                            <a:latin typeface="Cambria Math" panose="02040503050406030204" pitchFamily="18" charset="0"/>
+                            <a:cs typeface="Trebuchet MS"/>
+                          </a:rPr>
+                          <m:t>+</m:t>
+                        </m:r>
+                        <m:r>
+                          <a:rPr lang="it-IT" b="1" i="1" spc="-105">
+                            <a:solidFill>
+                              <a:srgbClr val="262626"/>
+                            </a:solidFill>
+                            <a:latin typeface="Cambria Math" panose="02040503050406030204" pitchFamily="18" charset="0"/>
+                            <a:cs typeface="Trebuchet MS"/>
+                          </a:rPr>
+                          <m:t>𝟏𝟖</m:t>
+                        </m:r>
+                        <m:r>
+                          <a:rPr lang="it-IT" i="1" spc="-105">
+                            <a:solidFill>
+                              <a:srgbClr val="262626"/>
+                            </a:solidFill>
+                            <a:latin typeface="Cambria Math" panose="02040503050406030204" pitchFamily="18" charset="0"/>
+                            <a:cs typeface="Trebuchet MS"/>
+                          </a:rPr>
+                          <m:t>∗0.7</m:t>
                         </m:r>
                         <m:r>
                           <a:rPr lang="it-IT" b="0" i="1" spc="-105" smtClean="0">
@@ -8583,47 +8486,7 @@
                             <a:latin typeface="Cambria Math" panose="02040503050406030204" pitchFamily="18" charset="0"/>
                             <a:cs typeface="Trebuchet MS"/>
                           </a:rPr>
-                          <m:t>∗0.5+</m:t>
-                        </m:r>
-                        <m:r>
-                          <a:rPr lang="it-IT" b="1" i="1" spc="-105" smtClean="0">
-                            <a:solidFill>
-                              <a:srgbClr val="262626"/>
-                            </a:solidFill>
-                            <a:latin typeface="Cambria Math" panose="02040503050406030204" pitchFamily="18" charset="0"/>
-                            <a:cs typeface="Trebuchet MS"/>
-                          </a:rPr>
-                          <m:t>𝟏𝟖</m:t>
-                        </m:r>
-                        <m:r>
-                          <a:rPr lang="it-IT" b="0" i="1" spc="-105" smtClean="0">
-                            <a:solidFill>
-                              <a:srgbClr val="262626"/>
-                            </a:solidFill>
-                            <a:latin typeface="Cambria Math" panose="02040503050406030204" pitchFamily="18" charset="0"/>
-                            <a:cs typeface="Trebuchet MS"/>
-                          </a:rPr>
-                          <m:t>∗0.7+</m:t>
-                        </m:r>
-                        <m:r>
-                          <a:rPr lang="it-IT" b="1" i="1" spc="-105" smtClean="0">
-                            <a:solidFill>
-                              <a:srgbClr val="262626"/>
-                            </a:solidFill>
-                            <a:latin typeface="Cambria Math" panose="02040503050406030204" pitchFamily="18" charset="0"/>
-                            <a:cs typeface="Trebuchet MS"/>
-                          </a:rPr>
-                          <m:t>𝟑𝟎</m:t>
-                        </m:r>
-                        <m:r>
-                          <a:rPr lang="it-IT" b="0" i="1" spc="-105" smtClean="0">
-                            <a:solidFill>
-                              <a:srgbClr val="262626"/>
-                            </a:solidFill>
-                            <a:latin typeface="Cambria Math" panose="02040503050406030204" pitchFamily="18" charset="0"/>
-                            <a:cs typeface="Trebuchet MS"/>
-                          </a:rPr>
-                          <m:t>∗1+</m:t>
+                          <m:t>++</m:t>
                         </m:r>
                         <m:r>
                           <a:rPr lang="it-IT" b="1" i="1" spc="-105" smtClean="0">
@@ -8666,24 +8529,24 @@
                           <m:t>∗0.4+</m:t>
                         </m:r>
                         <m:r>
-                          <a:rPr lang="it-IT" b="1" i="1" spc="-105" smtClean="0">
+                          <a:rPr lang="it-IT" b="1" i="1" spc="-105">
                             <a:solidFill>
                               <a:srgbClr val="262626"/>
                             </a:solidFill>
                             <a:latin typeface="Cambria Math" panose="02040503050406030204" pitchFamily="18" charset="0"/>
                             <a:cs typeface="Trebuchet MS"/>
                           </a:rPr>
-                          <m:t>𝟒</m:t>
+                          <m:t>𝟖</m:t>
                         </m:r>
                         <m:r>
-                          <a:rPr lang="it-IT" b="0" i="1" spc="-105" smtClean="0">
+                          <a:rPr lang="it-IT" i="1" spc="-105">
                             <a:solidFill>
                               <a:srgbClr val="262626"/>
                             </a:solidFill>
                             <a:latin typeface="Cambria Math" panose="02040503050406030204" pitchFamily="18" charset="0"/>
                             <a:cs typeface="Trebuchet MS"/>
                           </a:rPr>
-                          <m:t>∗0.3</m:t>
+                          <m:t>∗0.5</m:t>
                         </m:r>
                       </m:e>
                     </m:d>
@@ -8744,7 +8607,7 @@
             </p:txBody>
           </p:sp>
         </mc:Choice>
-        <mc:Fallback xmlns="">
+        <mc:Fallback>
           <p:sp>
             <p:nvSpPr>
               <p:cNvPr id="12" name="object 3"/>
@@ -8756,7 +8619,7 @@
             <p:spPr>
               <a:xfrm>
                 <a:off x="685799" y="1898397"/>
-                <a:ext cx="8077201" cy="1238929"/>
+                <a:ext cx="8077201" cy="1221360"/>
               </a:xfrm>
               <a:prstGeom prst="rect">
                 <a:avLst/>
@@ -8764,7 +8627,7 @@
               <a:blipFill>
                 <a:blip r:embed="rId2"/>
                 <a:stretch>
-                  <a:fillRect l="-1433" t="-4902"/>
+                  <a:fillRect l="-1433" t="-4975" b="-1493"/>
                 </a:stretch>
               </a:blipFill>
             </p:spPr>
@@ -8917,13 +8780,6 @@
   <p:clrMapOvr>
     <a:masterClrMapping/>
   </p:clrMapOvr>
-  <p:timing>
-    <p:tnLst>
-      <p:par>
-        <p:cTn id="1" dur="indefinite" restart="never" nodeType="tmRoot"/>
-      </p:par>
-    </p:tnLst>
-  </p:timing>
 </p:sld>
 </file>
 
@@ -8978,7 +8834,7 @@
               </a:spcBef>
             </a:pPr>
             <a:r>
-              <a:rPr lang="it-IT" spc="295" dirty="0" smtClean="0"/>
+              <a:rPr lang="it-IT" spc="295" dirty="0"/>
               <a:t>COSTO</a:t>
             </a:r>
             <a:endParaRPr spc="190" dirty="0"/>
@@ -9065,7 +8921,7 @@
                   </a:tabLst>
                 </a:pPr>
                 <a:r>
-                  <a:rPr lang="it-IT" spc="-105" dirty="0" smtClean="0">
+                  <a:rPr lang="it-IT" spc="-105" dirty="0">
                     <a:solidFill>
                       <a:srgbClr val="262626"/>
                     </a:solidFill>
@@ -9141,7 +8997,7 @@
                     </m:r>
                   </m:oMath>
                 </a14:m>
-                <a:endParaRPr lang="it-IT" spc="-105" dirty="0" smtClean="0">
+                <a:endParaRPr lang="it-IT" spc="-105" dirty="0">
                   <a:solidFill>
                     <a:srgbClr val="262626"/>
                   </a:solidFill>
@@ -9215,7 +9071,7 @@
                     </m:r>
                   </m:oMath>
                 </a14:m>
-                <a:endParaRPr lang="it-IT" spc="-120" dirty="0" smtClean="0">
+                <a:endParaRPr lang="it-IT" spc="-120" dirty="0">
                   <a:solidFill>
                     <a:srgbClr val="262626"/>
                   </a:solidFill>
@@ -9398,13 +9254,6 @@
   <p:clrMapOvr>
     <a:masterClrMapping/>
   </p:clrMapOvr>
-  <p:timing>
-    <p:tnLst>
-      <p:par>
-        <p:cTn id="1" dur="indefinite" restart="never" nodeType="tmRoot"/>
-      </p:par>
-    </p:tnLst>
-  </p:timing>
 </p:sld>
 </file>
 
@@ -9459,7 +9308,7 @@
               </a:spcBef>
             </a:pPr>
             <a:r>
-              <a:rPr lang="it-IT" spc="295" dirty="0" smtClean="0"/>
+              <a:rPr lang="it-IT" spc="295" dirty="0"/>
               <a:t>DESIDERABILITA’</a:t>
             </a:r>
             <a:endParaRPr spc="190" dirty="0"/>
@@ -10065,13 +9914,6 @@
   <p:clrMapOvr>
     <a:masterClrMapping/>
   </p:clrMapOvr>
-  <p:timing>
-    <p:tnLst>
-      <p:par>
-        <p:cTn id="1" dur="indefinite" restart="never" nodeType="tmRoot"/>
-      </p:par>
-    </p:tnLst>
-  </p:timing>
 </p:sld>
 </file>
 
@@ -10126,7 +9968,7 @@
               </a:spcBef>
             </a:pPr>
             <a:r>
-              <a:rPr lang="it-IT" spc="295" dirty="0" smtClean="0"/>
+              <a:rPr lang="it-IT" spc="295" dirty="0"/>
               <a:t>CLASSIFICA</a:t>
             </a:r>
             <a:endParaRPr spc="190" dirty="0"/>
@@ -10212,7 +10054,7 @@
               </a:tabLst>
             </a:pPr>
             <a:r>
-              <a:rPr lang="it-IT" spc="120" dirty="0" smtClean="0">
+              <a:rPr lang="it-IT" spc="120" dirty="0">
                 <a:solidFill>
                   <a:srgbClr val="262626"/>
                 </a:solidFill>
@@ -10240,7 +10082,7 @@
               </a:tabLst>
             </a:pPr>
             <a:r>
-              <a:rPr lang="it-IT" sz="1800" spc="120" dirty="0" err="1" smtClean="0">
+              <a:rPr lang="it-IT" sz="1800" spc="120" dirty="0" err="1">
                 <a:solidFill>
                   <a:srgbClr val="262626"/>
                 </a:solidFill>
@@ -10390,13 +10232,6 @@
   <p:clrMapOvr>
     <a:masterClrMapping/>
   </p:clrMapOvr>
-  <p:timing>
-    <p:tnLst>
-      <p:par>
-        <p:cTn id="1" dur="indefinite" restart="never" nodeType="tmRoot"/>
-      </p:par>
-    </p:tnLst>
-  </p:timing>
 </p:sld>
 </file>
 
@@ -11047,95 +10882,95 @@
               </a:spcBef>
             </a:pPr>
             <a:r>
-              <a:rPr sz="2600" spc="-120" dirty="0" err="1">
+              <a:rPr lang="it-IT" sz="2600" spc="-120" dirty="0">
                 <a:latin typeface="Trebuchet MS"/>
                 <a:cs typeface="Trebuchet MS"/>
               </a:rPr>
               <a:t>V</a:t>
             </a:r>
             <a:r>
-              <a:rPr sz="2600" spc="-265" dirty="0" err="1">
+              <a:rPr lang="it-IT" sz="2600" spc="-265" dirty="0">
                 <a:latin typeface="Trebuchet MS"/>
                 <a:cs typeface="Trebuchet MS"/>
               </a:rPr>
               <a:t>a</a:t>
             </a:r>
             <a:r>
-              <a:rPr sz="2600" spc="-204" dirty="0" err="1">
+              <a:rPr lang="it-IT" sz="2600" spc="-204" dirty="0">
                 <a:latin typeface="Trebuchet MS"/>
                 <a:cs typeface="Trebuchet MS"/>
               </a:rPr>
               <a:t>l</a:t>
             </a:r>
             <a:r>
-              <a:rPr sz="2600" spc="-145" dirty="0" err="1">
+              <a:rPr lang="it-IT" sz="2600" spc="-145" dirty="0">
                 <a:latin typeface="Trebuchet MS"/>
                 <a:cs typeface="Trebuchet MS"/>
               </a:rPr>
               <a:t>ut</a:t>
             </a:r>
             <a:r>
-              <a:rPr sz="2600" spc="-265" dirty="0" err="1">
+              <a:rPr lang="it-IT" sz="2600" spc="-265" dirty="0">
                 <a:latin typeface="Trebuchet MS"/>
                 <a:cs typeface="Trebuchet MS"/>
               </a:rPr>
               <a:t>a</a:t>
             </a:r>
             <a:r>
-              <a:rPr sz="2600" spc="-155" dirty="0" err="1">
+              <a:rPr lang="it-IT" sz="2600" spc="-155" dirty="0">
                 <a:latin typeface="Trebuchet MS"/>
                 <a:cs typeface="Trebuchet MS"/>
               </a:rPr>
               <a:t>z</a:t>
             </a:r>
             <a:r>
-              <a:rPr sz="2600" spc="-180" dirty="0" err="1">
+              <a:rPr lang="it-IT" sz="2600" spc="-180" dirty="0">
                 <a:latin typeface="Trebuchet MS"/>
                 <a:cs typeface="Trebuchet MS"/>
               </a:rPr>
               <a:t>i</a:t>
             </a:r>
             <a:r>
-              <a:rPr sz="2600" spc="30" dirty="0" err="1">
+              <a:rPr lang="it-IT" sz="2600" spc="30" dirty="0">
                 <a:latin typeface="Trebuchet MS"/>
                 <a:cs typeface="Trebuchet MS"/>
               </a:rPr>
               <a:t>o</a:t>
             </a:r>
             <a:r>
-              <a:rPr sz="2600" spc="-150" dirty="0" err="1">
+              <a:rPr lang="it-IT" sz="2600" spc="-150" dirty="0">
                 <a:latin typeface="Trebuchet MS"/>
                 <a:cs typeface="Trebuchet MS"/>
               </a:rPr>
               <a:t>ne</a:t>
             </a:r>
             <a:r>
-              <a:rPr sz="2600" spc="-65" dirty="0">
+              <a:rPr lang="it-IT" sz="2600" spc="-65" dirty="0">
                 <a:latin typeface="Trebuchet MS"/>
                 <a:cs typeface="Trebuchet MS"/>
               </a:rPr>
               <a:t> </a:t>
             </a:r>
             <a:r>
-              <a:rPr lang="it-IT" sz="2600" spc="-80" dirty="0" smtClean="0">
+              <a:rPr lang="it-IT" sz="2600" spc="-80" dirty="0">
                 <a:cs typeface="Trebuchet MS"/>
               </a:rPr>
               <a:t>ri</a:t>
             </a:r>
             <a:r>
-              <a:rPr lang="it-IT" sz="2600" spc="-55" dirty="0" smtClean="0">
+              <a:rPr lang="it-IT" sz="2600" spc="-55" dirty="0">
                 <a:cs typeface="Trebuchet MS"/>
               </a:rPr>
               <a:t>s</a:t>
             </a:r>
             <a:r>
-              <a:rPr lang="it-IT" sz="2600" spc="-150" dirty="0" smtClean="0">
+              <a:rPr lang="it-IT" sz="2600" spc="-150" dirty="0">
                 <a:cs typeface="Trebuchet MS"/>
               </a:rPr>
               <a:t>chi</a:t>
             </a:r>
             <a:r>
-              <a:rPr lang="it-IT" sz="2600" spc="35" dirty="0" smtClean="0">
+              <a:rPr lang="it-IT" sz="2600" spc="35" dirty="0">
                 <a:cs typeface="Trebuchet MS"/>
               </a:rPr>
               <a:t>o</a:t>
@@ -11219,70 +11054,70 @@
               </a:spcBef>
             </a:pPr>
             <a:r>
-              <a:rPr sz="2600" spc="-120" dirty="0" err="1" smtClean="0">
+              <a:rPr sz="2600" spc="-120" dirty="0" err="1">
                 <a:latin typeface="Trebuchet MS"/>
                 <a:cs typeface="Trebuchet MS"/>
               </a:rPr>
               <a:t>V</a:t>
             </a:r>
             <a:r>
-              <a:rPr sz="2600" spc="-265" dirty="0" err="1" smtClean="0">
+              <a:rPr sz="2600" spc="-265" dirty="0" err="1">
                 <a:latin typeface="Trebuchet MS"/>
                 <a:cs typeface="Trebuchet MS"/>
               </a:rPr>
               <a:t>a</a:t>
             </a:r>
             <a:r>
-              <a:rPr sz="2600" spc="-204" dirty="0" err="1" smtClean="0">
+              <a:rPr sz="2600" spc="-204" dirty="0" err="1">
                 <a:latin typeface="Trebuchet MS"/>
                 <a:cs typeface="Trebuchet MS"/>
               </a:rPr>
               <a:t>l</a:t>
             </a:r>
             <a:r>
-              <a:rPr sz="2600" spc="-145" dirty="0" err="1" smtClean="0">
+              <a:rPr sz="2600" spc="-145" dirty="0" err="1">
                 <a:latin typeface="Trebuchet MS"/>
                 <a:cs typeface="Trebuchet MS"/>
               </a:rPr>
               <a:t>ut</a:t>
             </a:r>
             <a:r>
-              <a:rPr sz="2600" spc="-265" dirty="0" err="1" smtClean="0">
+              <a:rPr sz="2600" spc="-265" dirty="0" err="1">
                 <a:latin typeface="Trebuchet MS"/>
                 <a:cs typeface="Trebuchet MS"/>
               </a:rPr>
               <a:t>a</a:t>
             </a:r>
             <a:r>
-              <a:rPr sz="2600" spc="-155" dirty="0" err="1" smtClean="0">
+              <a:rPr sz="2600" spc="-155" dirty="0" err="1">
                 <a:latin typeface="Trebuchet MS"/>
                 <a:cs typeface="Trebuchet MS"/>
               </a:rPr>
               <a:t>z</a:t>
             </a:r>
             <a:r>
-              <a:rPr sz="2600" spc="-180" dirty="0" err="1" smtClean="0">
+              <a:rPr sz="2600" spc="-180" dirty="0" err="1">
                 <a:latin typeface="Trebuchet MS"/>
                 <a:cs typeface="Trebuchet MS"/>
               </a:rPr>
               <a:t>i</a:t>
             </a:r>
             <a:r>
-              <a:rPr sz="2600" spc="30" dirty="0" err="1" smtClean="0">
+              <a:rPr sz="2600" spc="30" dirty="0" err="1">
                 <a:latin typeface="Trebuchet MS"/>
                 <a:cs typeface="Trebuchet MS"/>
               </a:rPr>
               <a:t>o</a:t>
             </a:r>
             <a:r>
-              <a:rPr sz="2600" spc="-150" dirty="0" err="1" smtClean="0">
+              <a:rPr sz="2600" spc="-150" dirty="0" err="1">
                 <a:latin typeface="Trebuchet MS"/>
                 <a:cs typeface="Trebuchet MS"/>
               </a:rPr>
               <a:t>ne</a:t>
             </a:r>
             <a:r>
-              <a:rPr lang="it-IT" sz="2600" spc="-150" dirty="0" smtClean="0">
+              <a:rPr lang="it-IT" sz="2600" spc="-150" dirty="0">
                 <a:latin typeface="Trebuchet MS"/>
                 <a:cs typeface="Trebuchet MS"/>
               </a:rPr>
@@ -11421,143 +11256,10 @@
               </a:spcBef>
             </a:pPr>
             <a:r>
-              <a:rPr lang="it-IT" sz="2600" spc="-65" dirty="0" smtClean="0">
-                <a:cs typeface="Trebuchet MS"/>
-              </a:rPr>
-              <a:t>Cal</a:t>
-            </a:r>
-            <a:r>
-              <a:rPr sz="2600" spc="-150" dirty="0" err="1" smtClean="0">
-                <a:latin typeface="Trebuchet MS"/>
-                <a:cs typeface="Trebuchet MS"/>
-              </a:rPr>
-              <a:t>c</a:t>
-            </a:r>
-            <a:r>
-              <a:rPr sz="2600" spc="30" dirty="0" err="1" smtClean="0">
-                <a:latin typeface="Trebuchet MS"/>
-                <a:cs typeface="Trebuchet MS"/>
-              </a:rPr>
-              <a:t>o</a:t>
-            </a:r>
-            <a:r>
-              <a:rPr sz="2600" spc="-204" dirty="0" err="1" smtClean="0">
-                <a:latin typeface="Trebuchet MS"/>
-                <a:cs typeface="Trebuchet MS"/>
-              </a:rPr>
-              <a:t>l</a:t>
-            </a:r>
-            <a:r>
-              <a:rPr sz="2600" spc="35" dirty="0" err="1" smtClean="0">
-                <a:latin typeface="Trebuchet MS"/>
-                <a:cs typeface="Trebuchet MS"/>
-              </a:rPr>
-              <a:t>o</a:t>
-            </a:r>
-            <a:r>
-              <a:rPr sz="2600" spc="-65" dirty="0" smtClean="0">
-                <a:latin typeface="Trebuchet MS"/>
-                <a:cs typeface="Trebuchet MS"/>
-              </a:rPr>
-              <a:t> </a:t>
-            </a:r>
-            <a:r>
-              <a:rPr sz="2600" spc="-185" dirty="0" err="1">
-                <a:latin typeface="Trebuchet MS"/>
-                <a:cs typeface="Trebuchet MS"/>
-              </a:rPr>
-              <a:t>benefi</a:t>
-            </a:r>
-            <a:r>
-              <a:rPr sz="2600" spc="-150" dirty="0" err="1">
-                <a:latin typeface="Trebuchet MS"/>
-                <a:cs typeface="Trebuchet MS"/>
-              </a:rPr>
-              <a:t>c</a:t>
-            </a:r>
-            <a:r>
-              <a:rPr sz="2600" spc="-180" dirty="0" err="1">
-                <a:latin typeface="Trebuchet MS"/>
-                <a:cs typeface="Trebuchet MS"/>
-              </a:rPr>
-              <a:t>i</a:t>
-            </a:r>
-            <a:r>
-              <a:rPr sz="2600" spc="35" dirty="0" err="1">
-                <a:latin typeface="Trebuchet MS"/>
-                <a:cs typeface="Trebuchet MS"/>
-              </a:rPr>
-              <a:t>o</a:t>
-            </a:r>
-            <a:r>
-              <a:rPr sz="2600" spc="-65" dirty="0">
-                <a:latin typeface="Trebuchet MS"/>
-                <a:cs typeface="Trebuchet MS"/>
-              </a:rPr>
-              <a:t> </a:t>
-            </a:r>
-            <a:r>
-              <a:rPr sz="2600" spc="-265" dirty="0" smtClean="0">
-                <a:latin typeface="Trebuchet MS"/>
-                <a:cs typeface="Trebuchet MS"/>
-              </a:rPr>
-              <a:t>a</a:t>
-            </a:r>
-            <a:r>
-              <a:rPr sz="2600" spc="-204" dirty="0" smtClean="0">
-                <a:latin typeface="Trebuchet MS"/>
-                <a:cs typeface="Trebuchet MS"/>
-              </a:rPr>
-              <a:t>l</a:t>
-            </a:r>
-            <a:r>
-              <a:rPr sz="2600" spc="-165" dirty="0" smtClean="0">
-                <a:latin typeface="Trebuchet MS"/>
-                <a:cs typeface="Trebuchet MS"/>
-              </a:rPr>
-              <a:t>t</a:t>
-            </a:r>
-            <a:r>
-              <a:rPr sz="2600" spc="-135" dirty="0" smtClean="0">
-                <a:latin typeface="Trebuchet MS"/>
-                <a:cs typeface="Trebuchet MS"/>
-              </a:rPr>
-              <a:t>ern</a:t>
-            </a:r>
-            <a:r>
-              <a:rPr sz="2600" spc="-145" dirty="0" smtClean="0">
-                <a:latin typeface="Trebuchet MS"/>
-                <a:cs typeface="Trebuchet MS"/>
-              </a:rPr>
-              <a:t>a</a:t>
-            </a:r>
-            <a:r>
-              <a:rPr sz="2600" spc="-165" dirty="0" smtClean="0">
-                <a:latin typeface="Trebuchet MS"/>
-                <a:cs typeface="Trebuchet MS"/>
-              </a:rPr>
-              <a:t>t</a:t>
-            </a:r>
-            <a:r>
-              <a:rPr sz="2600" spc="-180" dirty="0" smtClean="0">
-                <a:latin typeface="Trebuchet MS"/>
-                <a:cs typeface="Trebuchet MS"/>
-              </a:rPr>
-              <a:t>i</a:t>
-            </a:r>
-            <a:r>
-              <a:rPr sz="2600" spc="-190" dirty="0" smtClean="0">
-                <a:latin typeface="Trebuchet MS"/>
-                <a:cs typeface="Trebuchet MS"/>
-              </a:rPr>
-              <a:t>v</a:t>
-            </a:r>
-            <a:r>
-              <a:rPr sz="2600" spc="-175" dirty="0" smtClean="0">
-                <a:latin typeface="Trebuchet MS"/>
-                <a:cs typeface="Trebuchet MS"/>
-              </a:rPr>
-              <a:t>e</a:t>
+              <a:rPr lang="it-IT" sz="2600" spc="-65" dirty="0">
+                <a:cs typeface="Trebuchet MS"/>
+              </a:rPr>
+              <a:t>Beneficio</a:t>
             </a:r>
             <a:endParaRPr sz="2600" dirty="0">
               <a:latin typeface="Trebuchet MS"/>
@@ -11638,123 +11340,11 @@
               </a:spcBef>
             </a:pPr>
             <a:r>
-              <a:rPr lang="it-IT" sz="2600" spc="-120" dirty="0" smtClean="0">
+              <a:rPr lang="it-IT" sz="2600" spc="-120" dirty="0">
                 <a:latin typeface="Trebuchet MS"/>
                 <a:cs typeface="Trebuchet MS"/>
               </a:rPr>
-              <a:t>Calcolo</a:t>
-            </a:r>
-            <a:r>
-              <a:rPr sz="2600" spc="-65" dirty="0" smtClean="0">
-                <a:latin typeface="Trebuchet MS"/>
-                <a:cs typeface="Trebuchet MS"/>
-              </a:rPr>
-              <a:t> </a:t>
-            </a:r>
-            <a:r>
-              <a:rPr sz="2600" spc="-150" dirty="0">
-                <a:latin typeface="Trebuchet MS"/>
-                <a:cs typeface="Trebuchet MS"/>
-              </a:rPr>
-              <a:t>c</a:t>
-            </a:r>
-            <a:r>
-              <a:rPr sz="2600" spc="30" dirty="0">
-                <a:latin typeface="Trebuchet MS"/>
-                <a:cs typeface="Trebuchet MS"/>
-              </a:rPr>
-              <a:t>o</a:t>
-            </a:r>
-            <a:r>
-              <a:rPr sz="2600" spc="-55" dirty="0">
-                <a:latin typeface="Trebuchet MS"/>
-                <a:cs typeface="Trebuchet MS"/>
-              </a:rPr>
-              <a:t>s</a:t>
-            </a:r>
-            <a:r>
-              <a:rPr sz="2600" spc="-165" dirty="0">
-                <a:latin typeface="Trebuchet MS"/>
-                <a:cs typeface="Trebuchet MS"/>
-              </a:rPr>
-              <a:t>t</a:t>
-            </a:r>
-            <a:r>
-              <a:rPr sz="2600" spc="35" dirty="0">
-                <a:latin typeface="Trebuchet MS"/>
-                <a:cs typeface="Trebuchet MS"/>
-              </a:rPr>
-              <a:t>o</a:t>
-            </a:r>
-            <a:r>
-              <a:rPr sz="2600" spc="-65" dirty="0">
-                <a:latin typeface="Trebuchet MS"/>
-                <a:cs typeface="Trebuchet MS"/>
-              </a:rPr>
-              <a:t> </a:t>
-            </a:r>
-            <a:r>
-              <a:rPr sz="2600" spc="-265" dirty="0">
-                <a:latin typeface="Trebuchet MS"/>
-                <a:cs typeface="Trebuchet MS"/>
-              </a:rPr>
-              <a:t>a</a:t>
-            </a:r>
-            <a:r>
-              <a:rPr sz="2600" spc="-204" dirty="0">
-                <a:latin typeface="Trebuchet MS"/>
-                <a:cs typeface="Trebuchet MS"/>
-              </a:rPr>
-              <a:t>l</a:t>
-            </a:r>
-            <a:r>
-              <a:rPr sz="2600" spc="-165" dirty="0">
-                <a:latin typeface="Trebuchet MS"/>
-                <a:cs typeface="Trebuchet MS"/>
-              </a:rPr>
-              <a:t>t</a:t>
-            </a:r>
-            <a:r>
-              <a:rPr sz="2600" spc="-135" dirty="0">
-                <a:latin typeface="Trebuchet MS"/>
-                <a:cs typeface="Trebuchet MS"/>
-              </a:rPr>
-              <a:t>ern</a:t>
-            </a:r>
-            <a:r>
-              <a:rPr sz="2600" spc="-145" dirty="0">
-                <a:latin typeface="Trebuchet MS"/>
-                <a:cs typeface="Trebuchet MS"/>
-              </a:rPr>
-              <a:t>a</a:t>
-            </a:r>
-            <a:r>
-              <a:rPr sz="2600" spc="-165" dirty="0">
-                <a:latin typeface="Trebuchet MS"/>
-                <a:cs typeface="Trebuchet MS"/>
-              </a:rPr>
-              <a:t>t</a:t>
-            </a:r>
-            <a:r>
-              <a:rPr sz="2600" spc="-180" dirty="0">
-                <a:latin typeface="Trebuchet MS"/>
-                <a:cs typeface="Trebuchet MS"/>
-              </a:rPr>
-              <a:t>i</a:t>
-            </a:r>
-            <a:r>
-              <a:rPr sz="2600" spc="-190" dirty="0">
-                <a:latin typeface="Trebuchet MS"/>
-                <a:cs typeface="Trebuchet MS"/>
-              </a:rPr>
-              <a:t>v</a:t>
-            </a:r>
-            <a:r>
-              <a:rPr sz="2600" spc="-175" dirty="0">
-                <a:latin typeface="Trebuchet MS"/>
-                <a:cs typeface="Trebuchet MS"/>
-              </a:rPr>
-              <a:t>e</a:t>
+              <a:t>Costo</a:t>
             </a:r>
             <a:endParaRPr sz="2600" dirty="0">
               <a:latin typeface="Trebuchet MS"/>
@@ -11835,199 +11425,10 @@
               </a:spcBef>
             </a:pPr>
             <a:r>
-              <a:rPr lang="it-IT" sz="2600" spc="-65" dirty="0" smtClean="0">
-                <a:cs typeface="Trebuchet MS"/>
-              </a:rPr>
-              <a:t>Cal</a:t>
-            </a:r>
-            <a:r>
-              <a:rPr sz="2600" spc="-150" dirty="0" err="1" smtClean="0">
-                <a:latin typeface="Trebuchet MS"/>
-                <a:cs typeface="Trebuchet MS"/>
-              </a:rPr>
-              <a:t>c</a:t>
-            </a:r>
-            <a:r>
-              <a:rPr sz="2600" spc="30" dirty="0" err="1" smtClean="0">
-                <a:latin typeface="Trebuchet MS"/>
-                <a:cs typeface="Trebuchet MS"/>
-              </a:rPr>
-              <a:t>o</a:t>
-            </a:r>
-            <a:r>
-              <a:rPr sz="2600" spc="-204" dirty="0" err="1" smtClean="0">
-                <a:latin typeface="Trebuchet MS"/>
-                <a:cs typeface="Trebuchet MS"/>
-              </a:rPr>
-              <a:t>l</a:t>
-            </a:r>
-            <a:r>
-              <a:rPr sz="2600" spc="35" dirty="0" err="1" smtClean="0">
-                <a:latin typeface="Trebuchet MS"/>
-                <a:cs typeface="Trebuchet MS"/>
-              </a:rPr>
-              <a:t>o</a:t>
-            </a:r>
-            <a:r>
-              <a:rPr sz="2600" spc="-65" dirty="0" smtClean="0">
-                <a:latin typeface="Trebuchet MS"/>
-                <a:cs typeface="Trebuchet MS"/>
-              </a:rPr>
-              <a:t> </a:t>
-            </a:r>
-            <a:r>
-              <a:rPr sz="2600" spc="-125" dirty="0" err="1" smtClean="0">
-                <a:latin typeface="Trebuchet MS"/>
-                <a:cs typeface="Trebuchet MS"/>
-              </a:rPr>
-              <a:t>d</a:t>
-            </a:r>
-            <a:r>
-              <a:rPr sz="2600" spc="-130" dirty="0" err="1" smtClean="0">
-                <a:latin typeface="Trebuchet MS"/>
-                <a:cs typeface="Trebuchet MS"/>
-              </a:rPr>
-              <a:t>e</a:t>
-            </a:r>
-            <a:r>
-              <a:rPr sz="2600" spc="-105" dirty="0" err="1" smtClean="0">
-                <a:latin typeface="Trebuchet MS"/>
-                <a:cs typeface="Trebuchet MS"/>
-              </a:rPr>
-              <a:t>s</a:t>
-            </a:r>
-            <a:r>
-              <a:rPr sz="2600" spc="-180" dirty="0" err="1" smtClean="0">
-                <a:latin typeface="Trebuchet MS"/>
-                <a:cs typeface="Trebuchet MS"/>
-              </a:rPr>
-              <a:t>i</a:t>
-            </a:r>
-            <a:r>
-              <a:rPr sz="2600" spc="-125" dirty="0" err="1" smtClean="0">
-                <a:latin typeface="Trebuchet MS"/>
-                <a:cs typeface="Trebuchet MS"/>
-              </a:rPr>
-              <a:t>d</a:t>
-            </a:r>
-            <a:r>
-              <a:rPr sz="2600" spc="-135" dirty="0" err="1" smtClean="0">
-                <a:latin typeface="Trebuchet MS"/>
-                <a:cs typeface="Trebuchet MS"/>
-              </a:rPr>
-              <a:t>er</a:t>
-            </a:r>
-            <a:r>
-              <a:rPr sz="2600" spc="-155" dirty="0" err="1" smtClean="0">
-                <a:latin typeface="Trebuchet MS"/>
-                <a:cs typeface="Trebuchet MS"/>
-              </a:rPr>
-              <a:t>a</a:t>
-            </a:r>
-            <a:r>
-              <a:rPr sz="2600" spc="-160" dirty="0" err="1" smtClean="0">
-                <a:latin typeface="Trebuchet MS"/>
-                <a:cs typeface="Trebuchet MS"/>
-              </a:rPr>
-              <a:t>bi</a:t>
-            </a:r>
-            <a:r>
-              <a:rPr sz="2600" spc="-204" dirty="0" err="1" smtClean="0">
-                <a:latin typeface="Trebuchet MS"/>
-                <a:cs typeface="Trebuchet MS"/>
-              </a:rPr>
-              <a:t>l</a:t>
-            </a:r>
-            <a:r>
-              <a:rPr sz="2600" spc="-180" dirty="0" err="1" smtClean="0">
-                <a:latin typeface="Trebuchet MS"/>
-                <a:cs typeface="Trebuchet MS"/>
-              </a:rPr>
-              <a:t>i</a:t>
-            </a:r>
-            <a:r>
-              <a:rPr sz="2600" spc="-165" dirty="0" err="1" smtClean="0">
-                <a:latin typeface="Trebuchet MS"/>
-                <a:cs typeface="Trebuchet MS"/>
-              </a:rPr>
-              <a:t>t</a:t>
-            </a:r>
-            <a:r>
-              <a:rPr sz="2600" spc="-260" dirty="0" err="1" smtClean="0">
-                <a:latin typeface="Trebuchet MS"/>
-                <a:cs typeface="Trebuchet MS"/>
-              </a:rPr>
-              <a:t>à</a:t>
-            </a:r>
-            <a:r>
-              <a:rPr sz="2600" spc="-65" dirty="0" smtClean="0">
-                <a:latin typeface="Trebuchet MS"/>
-                <a:cs typeface="Trebuchet MS"/>
-              </a:rPr>
-              <a:t> </a:t>
-            </a:r>
-            <a:r>
-              <a:rPr sz="2600" spc="-265" dirty="0">
-                <a:latin typeface="Trebuchet MS"/>
-                <a:cs typeface="Trebuchet MS"/>
-              </a:rPr>
-              <a:t>a</a:t>
-            </a:r>
-            <a:r>
-              <a:rPr sz="2600" spc="-204" dirty="0">
-                <a:latin typeface="Trebuchet MS"/>
-                <a:cs typeface="Trebuchet MS"/>
-              </a:rPr>
-              <a:t>l</a:t>
-            </a:r>
-            <a:r>
-              <a:rPr sz="2600" spc="-165" dirty="0">
-                <a:latin typeface="Trebuchet MS"/>
-                <a:cs typeface="Trebuchet MS"/>
-              </a:rPr>
-              <a:t>t</a:t>
-            </a:r>
-            <a:r>
-              <a:rPr sz="2600" spc="-135" dirty="0">
-                <a:latin typeface="Trebuchet MS"/>
-                <a:cs typeface="Trebuchet MS"/>
-              </a:rPr>
-              <a:t>ern</a:t>
-            </a:r>
-            <a:r>
-              <a:rPr sz="2600" spc="-145" dirty="0">
-                <a:latin typeface="Trebuchet MS"/>
-                <a:cs typeface="Trebuchet MS"/>
-              </a:rPr>
-              <a:t>a</a:t>
-            </a:r>
-            <a:r>
-              <a:rPr sz="2600" spc="-165" dirty="0">
-                <a:latin typeface="Trebuchet MS"/>
-                <a:cs typeface="Trebuchet MS"/>
-              </a:rPr>
-              <a:t>t</a:t>
-            </a:r>
-            <a:r>
-              <a:rPr sz="2600" spc="-180" dirty="0">
-                <a:latin typeface="Trebuchet MS"/>
-                <a:cs typeface="Trebuchet MS"/>
-              </a:rPr>
-              <a:t>i</a:t>
-            </a:r>
-            <a:r>
-              <a:rPr sz="2600" spc="-190" dirty="0">
-                <a:latin typeface="Trebuchet MS"/>
-                <a:cs typeface="Trebuchet MS"/>
-              </a:rPr>
-              <a:t>v</a:t>
-            </a:r>
-            <a:r>
-              <a:rPr sz="2600" spc="-175" dirty="0">
-                <a:latin typeface="Trebuchet MS"/>
-                <a:cs typeface="Trebuchet MS"/>
-              </a:rPr>
-              <a:t>e</a:t>
+              <a:rPr lang="it-IT" sz="2600" spc="-65" dirty="0">
+                <a:cs typeface="Trebuchet MS"/>
+              </a:rPr>
+              <a:t>Desiderabilità</a:t>
             </a:r>
             <a:endParaRPr sz="2600" dirty="0">
               <a:latin typeface="Trebuchet MS"/>
@@ -12108,143 +11509,10 @@
               </a:spcBef>
             </a:pPr>
             <a:r>
-              <a:rPr lang="it-IT" sz="2600" spc="-65" dirty="0" err="1" smtClean="0">
-                <a:cs typeface="Trebuchet MS"/>
-              </a:rPr>
-              <a:t>Cla</a:t>
-            </a:r>
-            <a:r>
-              <a:rPr sz="2600" spc="-55" dirty="0" err="1" smtClean="0">
-                <a:latin typeface="Trebuchet MS"/>
-                <a:cs typeface="Trebuchet MS"/>
-              </a:rPr>
-              <a:t>ss</a:t>
-            </a:r>
-            <a:r>
-              <a:rPr sz="2600" spc="-180" dirty="0" err="1" smtClean="0">
-                <a:latin typeface="Trebuchet MS"/>
-                <a:cs typeface="Trebuchet MS"/>
-              </a:rPr>
-              <a:t>i</a:t>
-            </a:r>
-            <a:r>
-              <a:rPr sz="2600" spc="-245" dirty="0" err="1" smtClean="0">
-                <a:latin typeface="Trebuchet MS"/>
-                <a:cs typeface="Trebuchet MS"/>
-              </a:rPr>
-              <a:t>fi</a:t>
-            </a:r>
-            <a:r>
-              <a:rPr sz="2600" spc="-150" dirty="0" err="1" smtClean="0">
-                <a:latin typeface="Trebuchet MS"/>
-                <a:cs typeface="Trebuchet MS"/>
-              </a:rPr>
-              <a:t>c</a:t>
-            </a:r>
-            <a:r>
-              <a:rPr sz="2600" spc="-265" dirty="0" err="1" smtClean="0">
-                <a:latin typeface="Trebuchet MS"/>
-                <a:cs typeface="Trebuchet MS"/>
-              </a:rPr>
-              <a:t>a</a:t>
-            </a:r>
-            <a:r>
-              <a:rPr sz="2600" spc="-155" dirty="0" err="1" smtClean="0">
-                <a:latin typeface="Trebuchet MS"/>
-                <a:cs typeface="Trebuchet MS"/>
-              </a:rPr>
-              <a:t>z</a:t>
-            </a:r>
-            <a:r>
-              <a:rPr sz="2600" spc="-180" dirty="0" err="1" smtClean="0">
-                <a:latin typeface="Trebuchet MS"/>
-                <a:cs typeface="Trebuchet MS"/>
-              </a:rPr>
-              <a:t>i</a:t>
-            </a:r>
-            <a:r>
-              <a:rPr sz="2600" spc="30" dirty="0" err="1" smtClean="0">
-                <a:latin typeface="Trebuchet MS"/>
-                <a:cs typeface="Trebuchet MS"/>
-              </a:rPr>
-              <a:t>o</a:t>
-            </a:r>
-            <a:r>
-              <a:rPr sz="2600" spc="-150" dirty="0" err="1" smtClean="0">
-                <a:latin typeface="Trebuchet MS"/>
-                <a:cs typeface="Trebuchet MS"/>
-              </a:rPr>
-              <a:t>ne</a:t>
-            </a:r>
-            <a:r>
-              <a:rPr sz="2600" spc="-65" dirty="0" smtClean="0">
-                <a:latin typeface="Trebuchet MS"/>
-                <a:cs typeface="Trebuchet MS"/>
-              </a:rPr>
-              <a:t> </a:t>
-            </a:r>
-            <a:r>
-              <a:rPr sz="2600" spc="-265" dirty="0">
-                <a:latin typeface="Trebuchet MS"/>
-                <a:cs typeface="Trebuchet MS"/>
-              </a:rPr>
-              <a:t>a</a:t>
-            </a:r>
-            <a:r>
-              <a:rPr sz="2600" spc="-204" dirty="0">
-                <a:latin typeface="Trebuchet MS"/>
-                <a:cs typeface="Trebuchet MS"/>
-              </a:rPr>
-              <a:t>l</a:t>
-            </a:r>
-            <a:r>
-              <a:rPr sz="2600" spc="-165" dirty="0">
-                <a:latin typeface="Trebuchet MS"/>
-                <a:cs typeface="Trebuchet MS"/>
-              </a:rPr>
-              <a:t>t</a:t>
-            </a:r>
-            <a:r>
-              <a:rPr sz="2600" spc="-135" dirty="0">
-                <a:latin typeface="Trebuchet MS"/>
-                <a:cs typeface="Trebuchet MS"/>
-              </a:rPr>
-              <a:t>ern</a:t>
-            </a:r>
-            <a:r>
-              <a:rPr sz="2600" spc="-145" dirty="0">
-                <a:latin typeface="Trebuchet MS"/>
-                <a:cs typeface="Trebuchet MS"/>
-              </a:rPr>
-              <a:t>a</a:t>
-            </a:r>
-            <a:r>
-              <a:rPr sz="2600" spc="-165" dirty="0">
-                <a:latin typeface="Trebuchet MS"/>
-                <a:cs typeface="Trebuchet MS"/>
-              </a:rPr>
-              <a:t>t</a:t>
-            </a:r>
-            <a:r>
-              <a:rPr sz="2600" spc="-180" dirty="0">
-                <a:latin typeface="Trebuchet MS"/>
-                <a:cs typeface="Trebuchet MS"/>
-              </a:rPr>
-              <a:t>i</a:t>
-            </a:r>
-            <a:r>
-              <a:rPr sz="2600" spc="-190" dirty="0">
-                <a:latin typeface="Trebuchet MS"/>
-                <a:cs typeface="Trebuchet MS"/>
-              </a:rPr>
-              <a:t>v</a:t>
-            </a:r>
-            <a:r>
-              <a:rPr sz="2600" spc="-175" dirty="0">
-                <a:latin typeface="Trebuchet MS"/>
-                <a:cs typeface="Trebuchet MS"/>
-              </a:rPr>
-              <a:t>e</a:t>
+              <a:rPr lang="it-IT" sz="2600" spc="-65" dirty="0">
+                <a:cs typeface="Trebuchet MS"/>
+              </a:rPr>
+              <a:t>Classifica</a:t>
             </a:r>
             <a:endParaRPr sz="2600" dirty="0">
               <a:latin typeface="Trebuchet MS"/>
@@ -12975,13 +12243,6 @@
   <p:clrMapOvr>
     <a:masterClrMapping/>
   </p:clrMapOvr>
-  <p:timing>
-    <p:tnLst>
-      <p:par>
-        <p:cTn id="1" dur="indefinite" restart="never" nodeType="tmRoot"/>
-      </p:par>
-    </p:tnLst>
-  </p:timing>
 </p:sld>
 </file>
 
@@ -13036,7 +12297,7 @@
               </a:spcBef>
             </a:pPr>
             <a:r>
-              <a:rPr lang="it-IT" spc="295" dirty="0" smtClean="0"/>
+              <a:rPr lang="it-IT" spc="295" dirty="0"/>
               <a:t>DECISIONE E ALTERNATIVE</a:t>
             </a:r>
             <a:endParaRPr spc="190" dirty="0"/>
@@ -13163,7 +12424,7 @@
               <a:t> </a:t>
             </a:r>
             <a:r>
-              <a:rPr lang="it-IT" sz="1800" spc="-114" dirty="0" smtClean="0">
+              <a:rPr lang="it-IT" sz="1800" spc="-114" dirty="0">
                 <a:solidFill>
                   <a:srgbClr val="262626"/>
                 </a:solidFill>
@@ -13173,7 +12434,7 @@
               <a:t>realizzare un’applicazione per il gioco del </a:t>
             </a:r>
             <a:r>
-              <a:rPr lang="it-IT" sz="1800" spc="-114" dirty="0" err="1" smtClean="0">
+              <a:rPr lang="it-IT" sz="1800" spc="-114" dirty="0" err="1">
                 <a:solidFill>
                   <a:srgbClr val="262626"/>
                 </a:solidFill>
@@ -13183,7 +12444,7 @@
               <a:t>Sudoku</a:t>
             </a:r>
             <a:r>
-              <a:rPr lang="it-IT" sz="1800" spc="-114" dirty="0" smtClean="0">
+              <a:rPr lang="it-IT" sz="1800" spc="-114" dirty="0">
                 <a:solidFill>
                   <a:srgbClr val="262626"/>
                 </a:solidFill>
@@ -13209,7 +12470,7 @@
                 <a:tab pos="241300" algn="l"/>
               </a:tabLst>
             </a:pPr>
-            <a:endParaRPr lang="it-IT" sz="1800" spc="-114" dirty="0" smtClean="0">
+            <a:endParaRPr lang="it-IT" sz="1800" spc="-114" dirty="0">
               <a:solidFill>
                 <a:srgbClr val="262626"/>
               </a:solidFill>
@@ -13236,7 +12497,7 @@
               </a:tabLst>
             </a:pPr>
             <a:r>
-              <a:rPr lang="it-IT" spc="-114" dirty="0" smtClean="0">
+              <a:rPr lang="it-IT" spc="-114" dirty="0">
                 <a:solidFill>
                   <a:srgbClr val="262626"/>
                 </a:solidFill>
@@ -13246,7 +12507,7 @@
               <a:t>Il software, realizzato tramite </a:t>
             </a:r>
             <a:r>
-              <a:rPr lang="it-IT" spc="-114" dirty="0" err="1" smtClean="0">
+              <a:rPr lang="it-IT" spc="-114" dirty="0" err="1">
                 <a:solidFill>
                   <a:srgbClr val="262626"/>
                 </a:solidFill>
@@ -13256,7 +12517,7 @@
               <a:t>Android</a:t>
             </a:r>
             <a:r>
-              <a:rPr lang="it-IT" spc="-114" dirty="0" smtClean="0">
+              <a:rPr lang="it-IT" spc="-114" dirty="0">
                 <a:solidFill>
                   <a:srgbClr val="262626"/>
                 </a:solidFill>
@@ -13306,7 +12567,7 @@
               </a:tabLst>
             </a:pPr>
             <a:r>
-              <a:rPr lang="it-IT" sz="1800" spc="-160" dirty="0" smtClean="0">
+              <a:rPr lang="it-IT" sz="1800" spc="-160" dirty="0">
                 <a:solidFill>
                   <a:srgbClr val="262626"/>
                 </a:solidFill>
@@ -13316,7 +12577,7 @@
               <a:t>Il software verrà utilizzato da utenti non esperti nell’ambito </a:t>
             </a:r>
             <a:r>
-              <a:rPr sz="1800" spc="-110" dirty="0" smtClean="0">
+              <a:rPr sz="1800" spc="-110" dirty="0">
                 <a:solidFill>
                   <a:srgbClr val="262626"/>
                 </a:solidFill>
@@ -13326,7 +12587,7 @@
               <a:t>d</a:t>
             </a:r>
             <a:r>
-              <a:rPr lang="it-IT" sz="1800" spc="-110" dirty="0" smtClean="0">
+              <a:rPr lang="it-IT" sz="1800" spc="-110" dirty="0">
                 <a:solidFill>
                   <a:srgbClr val="262626"/>
                 </a:solidFill>
@@ -13336,7 +12597,7 @@
               <a:t>ei </a:t>
             </a:r>
             <a:r>
-              <a:rPr sz="1800" spc="-530" dirty="0" smtClean="0">
+              <a:rPr sz="1800" spc="-530" dirty="0">
                 <a:solidFill>
                   <a:srgbClr val="262626"/>
                 </a:solidFill>
@@ -13596,13 +12857,6 @@
   <p:clrMapOvr>
     <a:masterClrMapping/>
   </p:clrMapOvr>
-  <p:timing>
-    <p:tnLst>
-      <p:par>
-        <p:cTn id="1" dur="indefinite" restart="never" nodeType="tmRoot"/>
-      </p:par>
-    </p:tnLst>
-  </p:timing>
 </p:sld>
 </file>
 
@@ -13657,7 +12911,7 @@
               </a:spcBef>
             </a:pPr>
             <a:r>
-              <a:rPr lang="it-IT" spc="295" dirty="0" smtClean="0"/>
+              <a:rPr lang="it-IT" spc="295" dirty="0"/>
               <a:t>DECISIONE E ALTERNATIVE</a:t>
             </a:r>
             <a:endParaRPr spc="190" dirty="0"/>
@@ -13744,7 +12998,7 @@
               </a:tabLst>
             </a:pPr>
             <a:r>
-              <a:rPr lang="it-IT" spc="-80" dirty="0" smtClean="0">
+              <a:rPr lang="it-IT" spc="-80" dirty="0">
                 <a:solidFill>
                   <a:srgbClr val="262626"/>
                 </a:solidFill>
@@ -13753,7 +13007,7 @@
               <a:t>Si</a:t>
             </a:r>
             <a:r>
-              <a:rPr lang="it-IT" spc="-40" dirty="0" smtClean="0">
+              <a:rPr lang="it-IT" spc="-40" dirty="0">
                 <a:solidFill>
                   <a:srgbClr val="262626"/>
                 </a:solidFill>
@@ -13816,7 +13070,7 @@
               <a:t> </a:t>
             </a:r>
             <a:r>
-              <a:rPr lang="it-IT" spc="-100" dirty="0" smtClean="0">
+              <a:rPr lang="it-IT" spc="-100" dirty="0">
                 <a:solidFill>
                   <a:srgbClr val="262626"/>
                 </a:solidFill>
@@ -13825,7 +13079,7 @@
               <a:t>libreria</a:t>
             </a:r>
             <a:r>
-              <a:rPr lang="it-IT" spc="-50" dirty="0" smtClean="0">
+              <a:rPr lang="it-IT" spc="-50" dirty="0">
                 <a:solidFill>
                   <a:srgbClr val="262626"/>
                 </a:solidFill>
@@ -13834,7 +13088,7 @@
               <a:t> </a:t>
             </a:r>
             <a:r>
-              <a:rPr lang="it-IT" spc="-110" dirty="0" smtClean="0">
+              <a:rPr lang="it-IT" spc="-110" dirty="0">
                 <a:solidFill>
                   <a:srgbClr val="262626"/>
                 </a:solidFill>
@@ -13843,7 +13097,7 @@
               <a:t>di</a:t>
             </a:r>
             <a:r>
-              <a:rPr lang="it-IT" spc="-40" dirty="0" smtClean="0">
+              <a:rPr lang="it-IT" spc="-40" dirty="0">
                 <a:solidFill>
                   <a:srgbClr val="262626"/>
                 </a:solidFill>
@@ -13870,7 +13124,7 @@
               <a:t> </a:t>
             </a:r>
             <a:r>
-              <a:rPr lang="it-IT" spc="-110" dirty="0" smtClean="0">
+              <a:rPr lang="it-IT" spc="-110" dirty="0">
                 <a:solidFill>
                   <a:srgbClr val="262626"/>
                 </a:solidFill>
@@ -13879,7 +13133,7 @@
               <a:t>allo</a:t>
             </a:r>
             <a:r>
-              <a:rPr lang="it-IT" spc="-50" dirty="0" smtClean="0">
+              <a:rPr lang="it-IT" spc="-50" dirty="0">
                 <a:solidFill>
                   <a:srgbClr val="262626"/>
                 </a:solidFill>
@@ -13924,7 +13178,7 @@
               <a:t> </a:t>
             </a:r>
             <a:r>
-              <a:rPr lang="it-IT" spc="-110" dirty="0" smtClean="0">
+              <a:rPr lang="it-IT" spc="-110" dirty="0">
                 <a:solidFill>
                   <a:srgbClr val="262626"/>
                 </a:solidFill>
@@ -13933,7 +13187,7 @@
               <a:t>software per utilizzare ed interagire con il sistema di database </a:t>
             </a:r>
             <a:r>
-              <a:rPr lang="it-IT" spc="-110" dirty="0" err="1" smtClean="0">
+              <a:rPr lang="it-IT" spc="-110" dirty="0" err="1">
                 <a:solidFill>
                   <a:srgbClr val="262626"/>
                 </a:solidFill>
@@ -13942,7 +13196,7 @@
               <a:t>SQLite</a:t>
             </a:r>
             <a:r>
-              <a:rPr lang="it-IT" spc="-110" dirty="0" smtClean="0">
+              <a:rPr lang="it-IT" spc="-110" dirty="0">
                 <a:solidFill>
                   <a:srgbClr val="262626"/>
                 </a:solidFill>
@@ -13951,7 +13205,7 @@
               <a:t> supportato da </a:t>
             </a:r>
             <a:r>
-              <a:rPr lang="it-IT" spc="-110" dirty="0" err="1" smtClean="0">
+              <a:rPr lang="it-IT" spc="-110" dirty="0" err="1">
                 <a:solidFill>
                   <a:srgbClr val="262626"/>
                 </a:solidFill>
@@ -13960,7 +13214,7 @@
               <a:t>Android</a:t>
             </a:r>
             <a:r>
-              <a:rPr lang="it-IT" spc="-110" dirty="0" smtClean="0">
+              <a:rPr lang="it-IT" spc="-110" dirty="0">
                 <a:solidFill>
                   <a:srgbClr val="262626"/>
                 </a:solidFill>
@@ -13991,7 +13245,7 @@
               </a:tabLst>
             </a:pPr>
             <a:r>
-              <a:rPr lang="it-IT" spc="-80" dirty="0" smtClean="0">
+              <a:rPr lang="it-IT" spc="-80" dirty="0">
                 <a:solidFill>
                   <a:srgbClr val="262626"/>
                 </a:solidFill>
@@ -14000,7 +13254,7 @@
               <a:t>Due alternative</a:t>
             </a:r>
             <a:r>
-              <a:rPr lang="it-IT" spc="-135" dirty="0" smtClean="0">
+              <a:rPr lang="it-IT" spc="-135" dirty="0">
                 <a:solidFill>
                   <a:srgbClr val="262626"/>
                 </a:solidFill>
@@ -14009,7 +13263,7 @@
               <a:t>:</a:t>
             </a:r>
             <a:r>
-              <a:rPr lang="it-IT" spc="-220" dirty="0" smtClean="0">
+              <a:rPr lang="it-IT" spc="-220" dirty="0">
                 <a:solidFill>
                   <a:srgbClr val="262626"/>
                 </a:solidFill>
@@ -14018,7 +13272,7 @@
               <a:t> </a:t>
             </a:r>
             <a:r>
-              <a:rPr lang="it-IT" spc="15" dirty="0" err="1" smtClean="0">
+              <a:rPr lang="it-IT" spc="15" dirty="0" err="1">
                 <a:solidFill>
                   <a:srgbClr val="262626"/>
                 </a:solidFill>
@@ -14027,7 +13281,7 @@
               <a:t>SQLite</a:t>
             </a:r>
             <a:r>
-              <a:rPr lang="it-IT" spc="15" dirty="0" smtClean="0">
+              <a:rPr lang="it-IT" spc="15" dirty="0">
                 <a:solidFill>
                   <a:srgbClr val="262626"/>
                 </a:solidFill>
@@ -14036,7 +13290,7 @@
               <a:t> o Room</a:t>
             </a:r>
             <a:r>
-              <a:rPr lang="it-IT" spc="-100" dirty="0" smtClean="0">
+              <a:rPr lang="it-IT" spc="-100" dirty="0">
                 <a:solidFill>
                   <a:srgbClr val="262626"/>
                 </a:solidFill>
@@ -14064,7 +13318,7 @@
               </a:tabLst>
             </a:pPr>
             <a:r>
-              <a:rPr lang="it-IT" spc="-100" dirty="0" smtClean="0">
+              <a:rPr lang="it-IT" spc="-100" dirty="0">
                 <a:solidFill>
                   <a:srgbClr val="262626"/>
                 </a:solidFill>
@@ -14089,7 +13343,7 @@
               </a:tabLst>
             </a:pPr>
             <a:r>
-              <a:rPr lang="it-IT" spc="-100" dirty="0" err="1" smtClean="0">
+              <a:rPr lang="it-IT" spc="-100" dirty="0" err="1">
                 <a:solidFill>
                   <a:srgbClr val="262626"/>
                 </a:solidFill>
@@ -14098,7 +13352,7 @@
               <a:t>SQLite</a:t>
             </a:r>
             <a:r>
-              <a:rPr lang="it-IT" spc="-100" dirty="0" smtClean="0">
+              <a:rPr lang="it-IT" spc="-100" dirty="0">
                 <a:solidFill>
                   <a:srgbClr val="262626"/>
                 </a:solidFill>
@@ -14107,7 +13361,7 @@
               <a:t> è la libreria di base per l’utilizzo del sistema di database </a:t>
             </a:r>
             <a:r>
-              <a:rPr lang="it-IT" spc="-100" dirty="0" err="1" smtClean="0">
+              <a:rPr lang="it-IT" spc="-100" dirty="0" err="1">
                 <a:solidFill>
                   <a:srgbClr val="262626"/>
                 </a:solidFill>
@@ -14115,7 +13369,7 @@
               </a:rPr>
               <a:t>SQLite</a:t>
             </a:r>
-            <a:endParaRPr lang="it-IT" spc="-100" dirty="0" smtClean="0">
+            <a:endParaRPr lang="it-IT" spc="-100" dirty="0">
               <a:solidFill>
                 <a:srgbClr val="262626"/>
               </a:solidFill>
@@ -14138,7 +13392,7 @@
               </a:tabLst>
             </a:pPr>
             <a:r>
-              <a:rPr lang="it-IT" spc="-100" dirty="0" smtClean="0">
+              <a:rPr lang="it-IT" spc="-100" dirty="0">
                 <a:solidFill>
                   <a:srgbClr val="262626"/>
                 </a:solidFill>
@@ -14163,7 +13417,7 @@
               </a:tabLst>
             </a:pPr>
             <a:r>
-              <a:rPr lang="it-IT" spc="-100" dirty="0" smtClean="0">
+              <a:rPr lang="it-IT" spc="-100" dirty="0">
                 <a:solidFill>
                   <a:srgbClr val="262626"/>
                 </a:solidFill>
@@ -14172,7 +13426,7 @@
               <a:t>Room è una libreria che offre uno strato di astrazione su </a:t>
             </a:r>
             <a:r>
-              <a:rPr lang="it-IT" spc="-100" dirty="0" err="1" smtClean="0">
+              <a:rPr lang="it-IT" spc="-100" dirty="0" err="1">
                 <a:solidFill>
                   <a:srgbClr val="262626"/>
                 </a:solidFill>
@@ -14181,7 +13435,7 @@
               <a:t>SQLite</a:t>
             </a:r>
             <a:r>
-              <a:rPr lang="it-IT" spc="-100" dirty="0" smtClean="0">
+              <a:rPr lang="it-IT" spc="-100" dirty="0">
                 <a:solidFill>
                   <a:srgbClr val="262626"/>
                 </a:solidFill>
@@ -14206,7 +13460,7 @@
               </a:tabLst>
             </a:pPr>
             <a:r>
-              <a:rPr lang="it-IT" spc="-100" dirty="0" smtClean="0">
+              <a:rPr lang="it-IT" spc="-100" dirty="0">
                 <a:solidFill>
                   <a:srgbClr val="262626"/>
                 </a:solidFill>
@@ -14215,7 +13469,7 @@
               <a:t>Sfrutta la piena potenza di </a:t>
             </a:r>
             <a:r>
-              <a:rPr lang="it-IT" spc="-100" dirty="0" err="1" smtClean="0">
+              <a:rPr lang="it-IT" spc="-100" dirty="0" err="1">
                 <a:solidFill>
                   <a:srgbClr val="262626"/>
                 </a:solidFill>
@@ -14224,7 +13478,7 @@
               <a:t>SQLite</a:t>
             </a:r>
             <a:r>
-              <a:rPr lang="it-IT" spc="-100" dirty="0" smtClean="0">
+              <a:rPr lang="it-IT" spc="-100" dirty="0">
                 <a:solidFill>
                   <a:srgbClr val="262626"/>
                 </a:solidFill>
@@ -14372,13 +13626,6 @@
   <p:clrMapOvr>
     <a:masterClrMapping/>
   </p:clrMapOvr>
-  <p:timing>
-    <p:tnLst>
-      <p:par>
-        <p:cTn id="1" dur="indefinite" restart="never" nodeType="tmRoot"/>
-      </p:par>
-    </p:tnLst>
-  </p:timing>
 </p:sld>
 </file>
 
@@ -14433,7 +13680,7 @@
               </a:spcBef>
             </a:pPr>
             <a:r>
-              <a:rPr lang="it-IT" spc="295" dirty="0" smtClean="0"/>
+              <a:rPr lang="it-IT" spc="295" dirty="0"/>
               <a:t>ATTRIBUTI DI QUALITA’</a:t>
             </a:r>
             <a:endParaRPr spc="190" dirty="0"/>
@@ -14519,13 +13766,13 @@
               </a:tabLst>
             </a:pPr>
             <a:r>
-              <a:rPr lang="it-IT" spc="-105" dirty="0" smtClean="0">
+              <a:rPr lang="it-IT" spc="-105" dirty="0">
                 <a:solidFill>
                   <a:srgbClr val="262626"/>
                 </a:solidFill>
                 <a:cs typeface="Trebuchet MS"/>
               </a:rPr>
-              <a:t>Chiarezza della documentazione</a:t>
+              <a:t>Performance</a:t>
             </a:r>
           </a:p>
           <a:p>
@@ -14546,14 +13793,20 @@
               </a:tabLst>
             </a:pPr>
             <a:r>
-              <a:rPr lang="it-IT" spc="-105" dirty="0" smtClean="0">
+              <a:rPr lang="it-IT" spc="-105" dirty="0" err="1">
                 <a:solidFill>
                   <a:srgbClr val="262626"/>
                 </a:solidFill>
                 <a:cs typeface="Trebuchet MS"/>
               </a:rPr>
-              <a:t>Facilità di installazione</a:t>
-            </a:r>
+              <a:t>Interoperability</a:t>
+            </a:r>
+            <a:endParaRPr lang="it-IT" spc="-105" dirty="0">
+              <a:solidFill>
+                <a:srgbClr val="262626"/>
+              </a:solidFill>
+              <a:cs typeface="Trebuchet MS"/>
+            </a:endParaRPr>
           </a:p>
           <a:p>
             <a:pPr marL="355600" indent="-342900">
@@ -14573,14 +13826,20 @@
               </a:tabLst>
             </a:pPr>
             <a:r>
-              <a:rPr lang="it-IT" spc="-105" dirty="0" smtClean="0">
+              <a:rPr lang="it-IT" spc="-105" dirty="0" err="1">
                 <a:solidFill>
                   <a:srgbClr val="262626"/>
                 </a:solidFill>
                 <a:cs typeface="Trebuchet MS"/>
               </a:rPr>
-              <a:t>Facilità di utilizzo</a:t>
-            </a:r>
+              <a:t>Availability</a:t>
+            </a:r>
+            <a:endParaRPr lang="it-IT" spc="-105" dirty="0">
+              <a:solidFill>
+                <a:srgbClr val="262626"/>
+              </a:solidFill>
+              <a:cs typeface="Trebuchet MS"/>
+            </a:endParaRPr>
           </a:p>
           <a:p>
             <a:pPr marL="355600" indent="-342900">
@@ -14600,14 +13859,20 @@
               </a:tabLst>
             </a:pPr>
             <a:r>
-              <a:rPr lang="it-IT" spc="-105" dirty="0" smtClean="0">
+              <a:rPr lang="it-IT" spc="-105" dirty="0" err="1">
                 <a:solidFill>
                   <a:srgbClr val="262626"/>
                 </a:solidFill>
                 <a:cs typeface="Trebuchet MS"/>
               </a:rPr>
-              <a:t>Semplicità del codice</a:t>
-            </a:r>
+              <a:t>Modifiability</a:t>
+            </a:r>
+            <a:endParaRPr lang="it-IT" spc="-105" dirty="0">
+              <a:solidFill>
+                <a:srgbClr val="262626"/>
+              </a:solidFill>
+              <a:cs typeface="Trebuchet MS"/>
+            </a:endParaRPr>
           </a:p>
           <a:p>
             <a:pPr marL="355600" indent="-342900">
@@ -14627,13 +13892,13 @@
               </a:tabLst>
             </a:pPr>
             <a:r>
-              <a:rPr lang="it-IT" spc="-105" dirty="0" smtClean="0">
+              <a:rPr lang="it-IT" spc="-105" dirty="0">
                 <a:solidFill>
                   <a:srgbClr val="262626"/>
                 </a:solidFill>
                 <a:cs typeface="Trebuchet MS"/>
               </a:rPr>
-              <a:t>Sicurezza</a:t>
+              <a:t>Security</a:t>
             </a:r>
           </a:p>
           <a:p>
@@ -14654,13 +13919,13 @@
               </a:tabLst>
             </a:pPr>
             <a:r>
-              <a:rPr lang="it-IT" spc="-105" dirty="0" smtClean="0">
+              <a:rPr lang="it-IT" spc="-105" dirty="0" err="1">
                 <a:solidFill>
                   <a:srgbClr val="262626"/>
                 </a:solidFill>
                 <a:cs typeface="Trebuchet MS"/>
               </a:rPr>
-              <a:t>Supporto</a:t>
+              <a:t>Integrability</a:t>
             </a:r>
             <a:endParaRPr lang="it-IT" dirty="0">
               <a:cs typeface="Trebuchet MS"/>
@@ -14802,13 +14067,6 @@
   <p:clrMapOvr>
     <a:masterClrMapping/>
   </p:clrMapOvr>
-  <p:timing>
-    <p:tnLst>
-      <p:par>
-        <p:cTn id="1" dur="indefinite" restart="never" nodeType="tmRoot"/>
-      </p:par>
-    </p:tnLst>
-  </p:timing>
 </p:sld>
 </file>
 
@@ -14863,7 +14121,7 @@
               </a:spcBef>
             </a:pPr>
             <a:r>
-              <a:rPr lang="it-IT" spc="295" dirty="0" smtClean="0"/>
+              <a:rPr lang="it-IT" spc="295" dirty="0"/>
               <a:t>ATTRIBUTI DI QUALITA’</a:t>
             </a:r>
             <a:endParaRPr spc="190" dirty="0"/>
@@ -14920,7 +14178,7 @@
         <p:spPr>
           <a:xfrm>
             <a:off x="685799" y="1898397"/>
-            <a:ext cx="7830915" cy="3988271"/>
+            <a:ext cx="8915401" cy="3139449"/>
           </a:xfrm>
           <a:prstGeom prst="rect">
             <a:avLst/>
@@ -14950,16 +14208,16 @@
               </a:tabLst>
             </a:pPr>
             <a:r>
-              <a:rPr lang="it-IT" spc="-105" dirty="0" smtClean="0">
+              <a:rPr lang="it-IT" spc="-105" dirty="0">
                 <a:solidFill>
                   <a:srgbClr val="262626"/>
                 </a:solidFill>
                 <a:cs typeface="Trebuchet MS"/>
               </a:rPr>
-              <a:t>La</a:t>
-            </a:r>
-            <a:r>
-              <a:rPr lang="it-IT" spc="-45" dirty="0" smtClean="0">
+              <a:t>Le</a:t>
+            </a:r>
+            <a:r>
+              <a:rPr lang="it-IT" spc="-45" dirty="0">
                 <a:solidFill>
                   <a:srgbClr val="262626"/>
                 </a:solidFill>
@@ -14974,234 +14232,18 @@
                 </a:solidFill>
                 <a:cs typeface="Trebuchet MS"/>
               </a:rPr>
-              <a:t>chiarezza</a:t>
-            </a:r>
-            <a:r>
-              <a:rPr lang="it-IT" b="1" spc="-45" dirty="0">
+              <a:t>performance </a:t>
+            </a:r>
+            <a:r>
+              <a:rPr lang="it-IT" spc="-25" dirty="0">
                 <a:solidFill>
                   <a:srgbClr val="262626"/>
                 </a:solidFill>
                 <a:cs typeface="Trebuchet MS"/>
               </a:rPr>
-              <a:t> </a:t>
-            </a:r>
-            <a:r>
-              <a:rPr lang="it-IT" b="1" spc="-30" dirty="0">
-                <a:solidFill>
-                  <a:srgbClr val="262626"/>
-                </a:solidFill>
-                <a:cs typeface="Trebuchet MS"/>
-              </a:rPr>
-              <a:t>della</a:t>
-            </a:r>
-            <a:r>
-              <a:rPr lang="it-IT" b="1" spc="-40" dirty="0">
-                <a:solidFill>
-                  <a:srgbClr val="262626"/>
-                </a:solidFill>
-                <a:cs typeface="Trebuchet MS"/>
-              </a:rPr>
-              <a:t> </a:t>
-            </a:r>
-            <a:r>
-              <a:rPr lang="it-IT" b="1" dirty="0">
-                <a:solidFill>
-                  <a:srgbClr val="262626"/>
-                </a:solidFill>
-                <a:cs typeface="Trebuchet MS"/>
-              </a:rPr>
-              <a:t>documentazione</a:t>
-            </a:r>
-            <a:r>
-              <a:rPr lang="it-IT" b="1" spc="-45" dirty="0">
-                <a:solidFill>
-                  <a:srgbClr val="262626"/>
-                </a:solidFill>
-                <a:cs typeface="Trebuchet MS"/>
-              </a:rPr>
-              <a:t> </a:t>
-            </a:r>
-            <a:r>
-              <a:rPr lang="it-IT" spc="-120" dirty="0">
-                <a:solidFill>
-                  <a:srgbClr val="262626"/>
-                </a:solidFill>
-                <a:cs typeface="Trebuchet MS"/>
-              </a:rPr>
-              <a:t>è</a:t>
-            </a:r>
-            <a:r>
-              <a:rPr lang="it-IT" spc="-35" dirty="0">
-                <a:solidFill>
-                  <a:srgbClr val="262626"/>
-                </a:solidFill>
-                <a:cs typeface="Trebuchet MS"/>
-              </a:rPr>
-              <a:t> </a:t>
-            </a:r>
-            <a:r>
-              <a:rPr lang="it-IT" spc="-110" dirty="0">
-                <a:solidFill>
-                  <a:srgbClr val="262626"/>
-                </a:solidFill>
-                <a:cs typeface="Trebuchet MS"/>
-              </a:rPr>
-              <a:t>riferita</a:t>
-            </a:r>
-            <a:r>
-              <a:rPr lang="it-IT" spc="-45" dirty="0">
-                <a:solidFill>
-                  <a:srgbClr val="262626"/>
-                </a:solidFill>
-                <a:cs typeface="Trebuchet MS"/>
-              </a:rPr>
-              <a:t> </a:t>
-            </a:r>
-            <a:r>
-              <a:rPr lang="it-IT" spc="-160" dirty="0" smtClean="0">
-                <a:solidFill>
-                  <a:srgbClr val="262626"/>
-                </a:solidFill>
-                <a:cs typeface="Trebuchet MS"/>
-              </a:rPr>
-              <a:t>alla quantità di informazioni presenti </a:t>
-            </a:r>
-            <a:r>
-              <a:rPr lang="it-IT" spc="-60" dirty="0" smtClean="0">
-                <a:solidFill>
-                  <a:srgbClr val="262626"/>
-                </a:solidFill>
-                <a:cs typeface="Trebuchet MS"/>
-              </a:rPr>
-              <a:t>sui </a:t>
-            </a:r>
-            <a:r>
-              <a:rPr lang="it-IT" spc="-95" dirty="0" smtClean="0">
-                <a:solidFill>
-                  <a:srgbClr val="262626"/>
-                </a:solidFill>
-                <a:cs typeface="Trebuchet MS"/>
-              </a:rPr>
-              <a:t>metodi offerti </a:t>
-            </a:r>
-            <a:r>
-              <a:rPr lang="it-IT" spc="-100" dirty="0" smtClean="0">
-                <a:solidFill>
-                  <a:srgbClr val="262626"/>
-                </a:solidFill>
-                <a:cs typeface="Trebuchet MS"/>
-              </a:rPr>
-              <a:t>d</a:t>
-            </a:r>
-            <a:r>
-              <a:rPr lang="it-IT" spc="-120" dirty="0">
-                <a:solidFill>
-                  <a:srgbClr val="262626"/>
-                </a:solidFill>
-                <a:cs typeface="Trebuchet MS"/>
-              </a:rPr>
-              <a:t>a</a:t>
-            </a:r>
-            <a:r>
-              <a:rPr lang="it-IT" spc="-135" dirty="0" smtClean="0">
-                <a:solidFill>
-                  <a:srgbClr val="262626"/>
-                </a:solidFill>
-                <a:cs typeface="Trebuchet MS"/>
-              </a:rPr>
-              <a:t>ll</a:t>
-            </a:r>
-            <a:r>
-              <a:rPr lang="it-IT" spc="-180" dirty="0" smtClean="0">
-                <a:solidFill>
-                  <a:srgbClr val="262626"/>
-                </a:solidFill>
-                <a:cs typeface="Trebuchet MS"/>
-              </a:rPr>
-              <a:t>a</a:t>
-            </a:r>
-            <a:r>
-              <a:rPr lang="it-IT" spc="-50" dirty="0" smtClean="0">
-                <a:solidFill>
-                  <a:srgbClr val="262626"/>
-                </a:solidFill>
-                <a:cs typeface="Trebuchet MS"/>
-              </a:rPr>
-              <a:t> </a:t>
-            </a:r>
-            <a:r>
-              <a:rPr lang="it-IT" spc="-135" dirty="0" smtClean="0">
-                <a:solidFill>
-                  <a:srgbClr val="262626"/>
-                </a:solidFill>
-                <a:cs typeface="Trebuchet MS"/>
-              </a:rPr>
-              <a:t>l</a:t>
-            </a:r>
-            <a:r>
-              <a:rPr lang="it-IT" spc="-114" dirty="0" smtClean="0">
-                <a:solidFill>
-                  <a:srgbClr val="262626"/>
-                </a:solidFill>
-                <a:cs typeface="Trebuchet MS"/>
-              </a:rPr>
-              <a:t>i</a:t>
-            </a:r>
-            <a:r>
-              <a:rPr lang="it-IT" spc="-55" dirty="0" smtClean="0">
-                <a:solidFill>
-                  <a:srgbClr val="262626"/>
-                </a:solidFill>
-                <a:cs typeface="Trebuchet MS"/>
-              </a:rPr>
-              <a:t>b</a:t>
-            </a:r>
-            <a:r>
-              <a:rPr lang="it-IT" spc="-80" dirty="0" smtClean="0">
-                <a:solidFill>
-                  <a:srgbClr val="262626"/>
-                </a:solidFill>
-                <a:cs typeface="Trebuchet MS"/>
-              </a:rPr>
-              <a:t>r</a:t>
-            </a:r>
-            <a:r>
-              <a:rPr lang="it-IT" spc="-120" dirty="0" smtClean="0">
-                <a:solidFill>
-                  <a:srgbClr val="262626"/>
-                </a:solidFill>
-                <a:cs typeface="Trebuchet MS"/>
-              </a:rPr>
-              <a:t>e</a:t>
-            </a:r>
-            <a:r>
-              <a:rPr lang="it-IT" spc="5" dirty="0" smtClean="0">
-                <a:solidFill>
-                  <a:srgbClr val="262626"/>
-                </a:solidFill>
-                <a:cs typeface="Trebuchet MS"/>
-              </a:rPr>
-              <a:t>r</a:t>
-            </a:r>
-            <a:r>
-              <a:rPr lang="it-IT" spc="-114" dirty="0" smtClean="0">
-                <a:solidFill>
-                  <a:srgbClr val="262626"/>
-                </a:solidFill>
-                <a:cs typeface="Trebuchet MS"/>
-              </a:rPr>
-              <a:t>i</a:t>
-            </a:r>
-            <a:r>
-              <a:rPr lang="it-IT" spc="-180" dirty="0" smtClean="0">
-                <a:solidFill>
-                  <a:srgbClr val="262626"/>
-                </a:solidFill>
-                <a:cs typeface="Trebuchet MS"/>
-              </a:rPr>
-              <a:t>a</a:t>
-            </a:r>
-            <a:endParaRPr lang="it-IT" spc="-120" dirty="0" smtClean="0">
+              <a:t>si riferiscono alla velocità di utilizzo ed interazione con le tabelle del database in accordo alla libreria utilizzata</a:t>
+            </a:r>
+            <a:endParaRPr lang="it-IT" spc="-120" dirty="0">
               <a:solidFill>
                 <a:srgbClr val="262626"/>
               </a:solidFill>
@@ -15227,258 +14269,81 @@
               </a:tabLst>
             </a:pPr>
             <a:r>
-              <a:rPr lang="it-IT" spc="-105" dirty="0" smtClean="0">
+              <a:rPr lang="it-IT" spc="-105" dirty="0">
                 <a:solidFill>
                   <a:srgbClr val="262626"/>
                 </a:solidFill>
                 <a:cs typeface="Trebuchet MS"/>
               </a:rPr>
-              <a:t>La</a:t>
-            </a:r>
-            <a:r>
-              <a:rPr lang="it-IT" spc="-50" dirty="0" smtClean="0">
+              <a:t>L’</a:t>
+            </a:r>
+            <a:r>
+              <a:rPr lang="it-IT" b="1" spc="-40" dirty="0" err="1">
                 <a:solidFill>
                   <a:srgbClr val="262626"/>
                 </a:solidFill>
                 <a:cs typeface="Trebuchet MS"/>
               </a:rPr>
+              <a:t>interoperability</a:t>
+            </a:r>
+            <a:r>
+              <a:rPr lang="it-IT" b="1" spc="-40" dirty="0">
+                <a:solidFill>
+                  <a:srgbClr val="262626"/>
+                </a:solidFill>
+                <a:cs typeface="Trebuchet MS"/>
+              </a:rPr>
               <a:t> </a:t>
             </a:r>
             <a:r>
-              <a:rPr lang="it-IT" b="1" spc="-40" dirty="0">
+              <a:rPr lang="it-IT" spc="-135" dirty="0">
                 <a:solidFill>
                   <a:srgbClr val="262626"/>
                 </a:solidFill>
                 <a:cs typeface="Trebuchet MS"/>
               </a:rPr>
-              <a:t>facilità</a:t>
-            </a:r>
-            <a:r>
-              <a:rPr lang="it-IT" b="1" spc="-45" dirty="0">
+              <a:t>rappresenta la facilità con cui </a:t>
+            </a:r>
+            <a:r>
+              <a:rPr lang="it-IT" spc="-155" dirty="0">
                 <a:solidFill>
                   <a:srgbClr val="262626"/>
                 </a:solidFill>
                 <a:cs typeface="Trebuchet MS"/>
               </a:rPr>
+              <a:t>la</a:t>
+            </a:r>
+            <a:r>
+              <a:rPr lang="it-IT" spc="-45" dirty="0">
+                <a:solidFill>
+                  <a:srgbClr val="262626"/>
+                </a:solidFill>
+                <a:cs typeface="Trebuchet MS"/>
+              </a:rPr>
               <a:t> </a:t>
             </a:r>
             <a:r>
-              <a:rPr lang="it-IT" b="1" spc="-25" dirty="0">
+              <a:rPr lang="it-IT" spc="-100" dirty="0">
                 <a:solidFill>
                   <a:srgbClr val="262626"/>
                 </a:solidFill>
                 <a:cs typeface="Trebuchet MS"/>
               </a:rPr>
-              <a:t>di</a:t>
-            </a:r>
-            <a:r>
-              <a:rPr lang="it-IT" b="1" spc="-40" dirty="0">
+              <a:t>libreria</a:t>
+            </a:r>
+            <a:r>
+              <a:rPr lang="it-IT" spc="-50" dirty="0">
                 <a:solidFill>
                   <a:srgbClr val="262626"/>
                 </a:solidFill>
                 <a:cs typeface="Trebuchet MS"/>
               </a:rPr>
-              <a:t> </a:t>
-            </a:r>
-            <a:r>
-              <a:rPr lang="it-IT" b="1" spc="-25" dirty="0">
-                <a:solidFill>
-                  <a:srgbClr val="262626"/>
-                </a:solidFill>
-                <a:cs typeface="Trebuchet MS"/>
-              </a:rPr>
-              <a:t>installazione</a:t>
-            </a:r>
-            <a:r>
-              <a:rPr lang="it-IT" b="1" spc="-50" dirty="0">
-                <a:solidFill>
-                  <a:srgbClr val="262626"/>
-                </a:solidFill>
-                <a:cs typeface="Trebuchet MS"/>
-              </a:rPr>
-              <a:t> </a:t>
-            </a:r>
-            <a:r>
-              <a:rPr lang="it-IT" spc="-120" dirty="0">
-                <a:solidFill>
-                  <a:srgbClr val="262626"/>
-                </a:solidFill>
-                <a:cs typeface="Trebuchet MS"/>
-              </a:rPr>
-              <a:t>è</a:t>
-            </a:r>
-            <a:r>
-              <a:rPr lang="it-IT" spc="-40" dirty="0">
-                <a:solidFill>
-                  <a:srgbClr val="262626"/>
-                </a:solidFill>
-                <a:cs typeface="Trebuchet MS"/>
-              </a:rPr>
-              <a:t> </a:t>
-            </a:r>
-            <a:r>
-              <a:rPr lang="it-IT" spc="-155" dirty="0">
-                <a:solidFill>
-                  <a:srgbClr val="262626"/>
-                </a:solidFill>
-                <a:cs typeface="Trebuchet MS"/>
-              </a:rPr>
-              <a:t>la</a:t>
-            </a:r>
-            <a:r>
-              <a:rPr lang="it-IT" spc="-45" dirty="0">
-                <a:solidFill>
-                  <a:srgbClr val="262626"/>
-                </a:solidFill>
-                <a:cs typeface="Trebuchet MS"/>
-              </a:rPr>
-              <a:t> </a:t>
-            </a:r>
-            <a:r>
-              <a:rPr lang="it-IT" spc="-114" dirty="0">
-                <a:solidFill>
-                  <a:srgbClr val="262626"/>
-                </a:solidFill>
-                <a:cs typeface="Trebuchet MS"/>
-              </a:rPr>
-              <a:t>semplicità</a:t>
-            </a:r>
-            <a:r>
-              <a:rPr lang="it-IT" spc="-45" dirty="0">
-                <a:solidFill>
-                  <a:srgbClr val="262626"/>
-                </a:solidFill>
-                <a:cs typeface="Trebuchet MS"/>
-              </a:rPr>
-              <a:t> </a:t>
-            </a:r>
-            <a:r>
-              <a:rPr lang="it-IT" spc="-60" dirty="0">
-                <a:solidFill>
-                  <a:srgbClr val="262626"/>
-                </a:solidFill>
-                <a:cs typeface="Trebuchet MS"/>
-              </a:rPr>
-              <a:t>con</a:t>
-            </a:r>
-            <a:r>
-              <a:rPr lang="it-IT" spc="-45" dirty="0">
-                <a:solidFill>
-                  <a:srgbClr val="262626"/>
-                </a:solidFill>
-                <a:cs typeface="Trebuchet MS"/>
-              </a:rPr>
-              <a:t> </a:t>
-            </a:r>
-            <a:r>
-              <a:rPr lang="it-IT" spc="-105" dirty="0">
-                <a:solidFill>
-                  <a:srgbClr val="262626"/>
-                </a:solidFill>
-                <a:cs typeface="Trebuchet MS"/>
-              </a:rPr>
-              <a:t>cui</a:t>
-            </a:r>
-            <a:r>
-              <a:rPr lang="it-IT" spc="-35" dirty="0">
-                <a:solidFill>
-                  <a:srgbClr val="262626"/>
-                </a:solidFill>
-                <a:cs typeface="Trebuchet MS"/>
-              </a:rPr>
-              <a:t> </a:t>
-            </a:r>
-            <a:r>
-              <a:rPr lang="it-IT" spc="-155" dirty="0">
-                <a:solidFill>
-                  <a:srgbClr val="262626"/>
-                </a:solidFill>
-                <a:cs typeface="Trebuchet MS"/>
-              </a:rPr>
-              <a:t>la</a:t>
-            </a:r>
-            <a:r>
-              <a:rPr lang="it-IT" spc="-45" dirty="0">
-                <a:solidFill>
-                  <a:srgbClr val="262626"/>
-                </a:solidFill>
-                <a:cs typeface="Trebuchet MS"/>
-              </a:rPr>
-              <a:t> </a:t>
-            </a:r>
-            <a:r>
-              <a:rPr lang="it-IT" spc="-100" dirty="0">
-                <a:solidFill>
-                  <a:srgbClr val="262626"/>
-                </a:solidFill>
-                <a:cs typeface="Trebuchet MS"/>
-              </a:rPr>
-              <a:t>libreria</a:t>
-            </a:r>
-            <a:r>
-              <a:rPr lang="it-IT" spc="-50" dirty="0">
-                <a:solidFill>
-                  <a:srgbClr val="262626"/>
-                </a:solidFill>
-                <a:cs typeface="Trebuchet MS"/>
-              </a:rPr>
-              <a:t> </a:t>
-            </a:r>
-            <a:r>
-              <a:rPr lang="it-IT" spc="-110" dirty="0">
-                <a:solidFill>
-                  <a:srgbClr val="262626"/>
-                </a:solidFill>
-                <a:cs typeface="Trebuchet MS"/>
-              </a:rPr>
-              <a:t>viene</a:t>
-            </a:r>
-            <a:r>
-              <a:rPr lang="it-IT" spc="-40" dirty="0">
-                <a:solidFill>
-                  <a:srgbClr val="262626"/>
-                </a:solidFill>
-                <a:cs typeface="Trebuchet MS"/>
-              </a:rPr>
-              <a:t> </a:t>
-            </a:r>
-            <a:r>
-              <a:rPr lang="it-IT" spc="-130" dirty="0">
-                <a:solidFill>
-                  <a:srgbClr val="262626"/>
-                </a:solidFill>
-                <a:cs typeface="Trebuchet MS"/>
-              </a:rPr>
-              <a:t>installata </a:t>
-            </a:r>
-            <a:r>
-              <a:rPr lang="it-IT" spc="-525" dirty="0">
-                <a:solidFill>
-                  <a:srgbClr val="262626"/>
-                </a:solidFill>
-                <a:cs typeface="Trebuchet MS"/>
-              </a:rPr>
-              <a:t> </a:t>
-            </a:r>
-            <a:r>
-              <a:rPr lang="it-IT" spc="-90" dirty="0" smtClean="0">
-                <a:solidFill>
-                  <a:srgbClr val="262626"/>
-                </a:solidFill>
-                <a:cs typeface="Trebuchet MS"/>
-              </a:rPr>
-              <a:t>su un </a:t>
-            </a:r>
-            <a:r>
-              <a:rPr lang="it-IT" spc="-80" dirty="0" smtClean="0">
-                <a:solidFill>
-                  <a:srgbClr val="262626"/>
-                </a:solidFill>
-                <a:cs typeface="Trebuchet MS"/>
-              </a:rPr>
-              <a:t>dispositivo</a:t>
-            </a:r>
-            <a:endParaRPr lang="it-IT" dirty="0">
+              <a:t> può interagire con servizi esterni</a:t>
+            </a:r>
+            <a:endParaRPr lang="it-IT" spc="-80" dirty="0">
+              <a:solidFill>
+                <a:srgbClr val="262626"/>
+              </a:solidFill>
               <a:cs typeface="Trebuchet MS"/>
             </a:endParaRPr>
           </a:p>
@@ -15501,202 +14366,40 @@
               </a:tabLst>
             </a:pPr>
             <a:r>
-              <a:rPr lang="it-IT" spc="-105" dirty="0">
+              <a:rPr lang="it-IT" spc="-100" dirty="0">
                 <a:solidFill>
                   <a:srgbClr val="262626"/>
                 </a:solidFill>
                 <a:cs typeface="Trebuchet MS"/>
               </a:rPr>
-              <a:t>La</a:t>
-            </a:r>
-            <a:r>
-              <a:rPr lang="it-IT" spc="-50" dirty="0">
+              <a:t>L’</a:t>
+            </a:r>
+            <a:r>
+              <a:rPr lang="it-IT" b="1" spc="-135" dirty="0" err="1">
                 <a:solidFill>
                   <a:srgbClr val="262626"/>
                 </a:solidFill>
                 <a:cs typeface="Trebuchet MS"/>
               </a:rPr>
+              <a:t>integrability</a:t>
+            </a:r>
+            <a:r>
+              <a:rPr lang="it-IT" b="1" spc="-135" dirty="0">
+                <a:solidFill>
+                  <a:srgbClr val="262626"/>
+                </a:solidFill>
+                <a:cs typeface="Trebuchet MS"/>
+              </a:rPr>
               <a:t> </a:t>
             </a:r>
             <a:r>
-              <a:rPr lang="it-IT" b="1" spc="-40" dirty="0">
+              <a:rPr lang="it-IT" spc="-135" dirty="0">
                 <a:solidFill>
                   <a:srgbClr val="262626"/>
                 </a:solidFill>
                 <a:cs typeface="Trebuchet MS"/>
               </a:rPr>
-              <a:t>facilità</a:t>
-            </a:r>
-            <a:r>
-              <a:rPr lang="it-IT" b="1" spc="-45" dirty="0">
-                <a:solidFill>
-                  <a:srgbClr val="262626"/>
-                </a:solidFill>
-                <a:cs typeface="Trebuchet MS"/>
-              </a:rPr>
-              <a:t> </a:t>
-            </a:r>
-            <a:r>
-              <a:rPr lang="it-IT" b="1" spc="-25" dirty="0">
-                <a:solidFill>
-                  <a:srgbClr val="262626"/>
-                </a:solidFill>
-                <a:cs typeface="Trebuchet MS"/>
-              </a:rPr>
-              <a:t>di</a:t>
-            </a:r>
-            <a:r>
-              <a:rPr lang="it-IT" b="1" spc="-40" dirty="0">
-                <a:solidFill>
-                  <a:srgbClr val="262626"/>
-                </a:solidFill>
-                <a:cs typeface="Trebuchet MS"/>
-              </a:rPr>
-              <a:t> </a:t>
-            </a:r>
-            <a:r>
-              <a:rPr lang="it-IT" b="1" spc="-25" dirty="0" smtClean="0">
-                <a:solidFill>
-                  <a:srgbClr val="262626"/>
-                </a:solidFill>
-                <a:cs typeface="Trebuchet MS"/>
-              </a:rPr>
-              <a:t>utilizzo</a:t>
-            </a:r>
-            <a:r>
-              <a:rPr lang="it-IT" b="1" spc="-50" dirty="0" smtClean="0">
-                <a:solidFill>
-                  <a:srgbClr val="262626"/>
-                </a:solidFill>
-                <a:cs typeface="Trebuchet MS"/>
-              </a:rPr>
-              <a:t> </a:t>
-            </a:r>
-            <a:r>
-              <a:rPr lang="it-IT" spc="-120" dirty="0">
-                <a:solidFill>
-                  <a:srgbClr val="262626"/>
-                </a:solidFill>
-                <a:cs typeface="Trebuchet MS"/>
-              </a:rPr>
-              <a:t>è</a:t>
-            </a:r>
-            <a:r>
-              <a:rPr lang="it-IT" spc="-40" dirty="0">
-                <a:solidFill>
-                  <a:srgbClr val="262626"/>
-                </a:solidFill>
-                <a:cs typeface="Trebuchet MS"/>
-              </a:rPr>
-              <a:t> </a:t>
-            </a:r>
-            <a:r>
-              <a:rPr lang="it-IT" spc="-155" dirty="0" smtClean="0">
-                <a:solidFill>
-                  <a:srgbClr val="262626"/>
-                </a:solidFill>
-                <a:cs typeface="Trebuchet MS"/>
-              </a:rPr>
-              <a:t>la semplicità </a:t>
-            </a:r>
-            <a:r>
-              <a:rPr lang="it-IT" spc="-60" dirty="0" smtClean="0">
-                <a:solidFill>
-                  <a:srgbClr val="262626"/>
-                </a:solidFill>
-                <a:cs typeface="Trebuchet MS"/>
-              </a:rPr>
-              <a:t>con</a:t>
-            </a:r>
-            <a:r>
-              <a:rPr lang="it-IT" spc="-45" dirty="0" smtClean="0">
-                <a:solidFill>
-                  <a:srgbClr val="262626"/>
-                </a:solidFill>
-                <a:cs typeface="Trebuchet MS"/>
-              </a:rPr>
-              <a:t> </a:t>
-            </a:r>
-            <a:r>
-              <a:rPr lang="it-IT" spc="-105" dirty="0">
-                <a:solidFill>
-                  <a:srgbClr val="262626"/>
-                </a:solidFill>
-                <a:cs typeface="Trebuchet MS"/>
-              </a:rPr>
-              <a:t>cui</a:t>
-            </a:r>
-            <a:r>
-              <a:rPr lang="it-IT" spc="-35" dirty="0">
-                <a:solidFill>
-                  <a:srgbClr val="262626"/>
-                </a:solidFill>
-                <a:cs typeface="Trebuchet MS"/>
-              </a:rPr>
-              <a:t> </a:t>
-            </a:r>
-            <a:r>
-              <a:rPr lang="it-IT" spc="-155" dirty="0">
-                <a:solidFill>
-                  <a:srgbClr val="262626"/>
-                </a:solidFill>
-                <a:cs typeface="Trebuchet MS"/>
-              </a:rPr>
-              <a:t>la</a:t>
-            </a:r>
-            <a:r>
-              <a:rPr lang="it-IT" spc="-45" dirty="0">
-                <a:solidFill>
-                  <a:srgbClr val="262626"/>
-                </a:solidFill>
-                <a:cs typeface="Trebuchet MS"/>
-              </a:rPr>
-              <a:t> </a:t>
-            </a:r>
-            <a:r>
-              <a:rPr lang="it-IT" spc="-100" dirty="0">
-                <a:solidFill>
-                  <a:srgbClr val="262626"/>
-                </a:solidFill>
-                <a:cs typeface="Trebuchet MS"/>
-              </a:rPr>
-              <a:t>libreria</a:t>
-            </a:r>
-            <a:r>
-              <a:rPr lang="it-IT" spc="-50" dirty="0">
-                <a:solidFill>
-                  <a:srgbClr val="262626"/>
-                </a:solidFill>
-                <a:cs typeface="Trebuchet MS"/>
-              </a:rPr>
-              <a:t> </a:t>
-            </a:r>
-            <a:r>
-              <a:rPr lang="it-IT" spc="-110" dirty="0">
-                <a:solidFill>
-                  <a:srgbClr val="262626"/>
-                </a:solidFill>
-                <a:cs typeface="Trebuchet MS"/>
-              </a:rPr>
-              <a:t>viene</a:t>
-            </a:r>
-            <a:r>
-              <a:rPr lang="it-IT" spc="-40" dirty="0">
-                <a:solidFill>
-                  <a:srgbClr val="262626"/>
-                </a:solidFill>
-                <a:cs typeface="Trebuchet MS"/>
-              </a:rPr>
-              <a:t> </a:t>
-            </a:r>
-            <a:r>
-              <a:rPr lang="it-IT" spc="-130" dirty="0" smtClean="0">
-                <a:solidFill>
-                  <a:srgbClr val="262626"/>
-                </a:solidFill>
-                <a:cs typeface="Trebuchet MS"/>
-              </a:rPr>
-              <a:t>utilizzata dagli sviluppatori</a:t>
+              <a:t>rappresenta la facilità con cui la libreria può essere integrata nelle applicazioni</a:t>
             </a:r>
             <a:endParaRPr lang="it-IT" dirty="0">
               <a:cs typeface="Trebuchet MS"/>
@@ -15721,7 +14424,7 @@
               </a:tabLst>
             </a:pPr>
             <a:r>
-              <a:rPr lang="it-IT" spc="-100" dirty="0" smtClean="0">
+              <a:rPr lang="it-IT" spc="-100" dirty="0">
                 <a:solidFill>
                   <a:srgbClr val="262626"/>
                 </a:solidFill>
@@ -15730,7 +14433,7 @@
               <a:t>La</a:t>
             </a:r>
             <a:r>
-              <a:rPr lang="it-IT" spc="-50" dirty="0" smtClean="0">
+              <a:rPr lang="it-IT" spc="-50" dirty="0">
                 <a:solidFill>
                   <a:srgbClr val="262626"/>
                 </a:solidFill>
@@ -15739,34 +14442,43 @@
               <a:t> </a:t>
             </a:r>
             <a:r>
-              <a:rPr lang="it-IT" b="1" spc="-135" dirty="0" smtClean="0">
+              <a:rPr lang="it-IT" b="1" spc="-135" dirty="0" err="1">
                 <a:solidFill>
                   <a:srgbClr val="262626"/>
                 </a:solidFill>
                 <a:cs typeface="Trebuchet MS"/>
               </a:rPr>
-              <a:t>semplicità del codice </a:t>
-            </a:r>
-            <a:r>
-              <a:rPr lang="it-IT" spc="-135" dirty="0" smtClean="0">
+              <a:t>modifiability</a:t>
+            </a:r>
+            <a:r>
+              <a:rPr lang="it-IT" b="1" spc="-135" dirty="0">
                 <a:solidFill>
                   <a:srgbClr val="262626"/>
                 </a:solidFill>
                 <a:cs typeface="Trebuchet MS"/>
               </a:rPr>
-              <a:t>rappresenta la chiarezza del codice scritto in accordo </a:t>
-            </a:r>
-            <a:r>
-              <a:rPr lang="it-IT" spc="-160" dirty="0" smtClean="0">
+              <a:t> </a:t>
+            </a:r>
+            <a:r>
+              <a:rPr lang="it-IT" spc="-135" dirty="0">
                 <a:solidFill>
                   <a:srgbClr val="262626"/>
                 </a:solidFill>
                 <a:cs typeface="Trebuchet MS"/>
               </a:rPr>
+              <a:t>rappresenta la facilità con cui è possibile apportare modifiche al database in accordo </a:t>
+            </a:r>
+            <a:r>
+              <a:rPr lang="it-IT" spc="-160" dirty="0">
+                <a:solidFill>
+                  <a:srgbClr val="262626"/>
+                </a:solidFill>
+                <a:cs typeface="Trebuchet MS"/>
+              </a:rPr>
               <a:t>alla</a:t>
             </a:r>
             <a:r>
-              <a:rPr lang="it-IT" spc="-50" dirty="0" smtClean="0">
+              <a:rPr lang="it-IT" spc="-50" dirty="0">
                 <a:solidFill>
                   <a:srgbClr val="262626"/>
                 </a:solidFill>
@@ -15775,7 +14487,7 @@
               <a:t> </a:t>
             </a:r>
             <a:r>
-              <a:rPr lang="it-IT" spc="-100" dirty="0" smtClean="0">
+              <a:rPr lang="it-IT" spc="-100" dirty="0">
                 <a:solidFill>
                   <a:srgbClr val="262626"/>
                 </a:solidFill>
@@ -15784,7 +14496,7 @@
               <a:t>libreria</a:t>
             </a:r>
             <a:r>
-              <a:rPr lang="it-IT" spc="-50" dirty="0" smtClean="0">
+              <a:rPr lang="it-IT" spc="-50" dirty="0">
                 <a:solidFill>
                   <a:srgbClr val="262626"/>
                 </a:solidFill>
@@ -15793,7 +14505,7 @@
               <a:t> </a:t>
             </a:r>
             <a:r>
-              <a:rPr lang="it-IT" spc="-130" dirty="0" smtClean="0">
+              <a:rPr lang="it-IT" spc="-130" dirty="0">
                 <a:solidFill>
                   <a:srgbClr val="262626"/>
                 </a:solidFill>
@@ -15821,7 +14533,7 @@
               </a:tabLst>
             </a:pPr>
             <a:r>
-              <a:rPr lang="it-IT" spc="-100" dirty="0" smtClean="0">
+              <a:rPr lang="it-IT" spc="-100" dirty="0">
                 <a:solidFill>
                   <a:srgbClr val="262626"/>
                 </a:solidFill>
@@ -15830,7 +14542,7 @@
               <a:t>L</a:t>
             </a:r>
             <a:r>
-              <a:rPr lang="it-IT" spc="-110" dirty="0" smtClean="0">
+              <a:rPr lang="it-IT" spc="-110" dirty="0">
                 <a:solidFill>
                   <a:srgbClr val="262626"/>
                 </a:solidFill>
@@ -15839,7 +14551,7 @@
               <a:t>a</a:t>
             </a:r>
             <a:r>
-              <a:rPr lang="it-IT" spc="-50" dirty="0" smtClean="0">
+              <a:rPr lang="it-IT" spc="-50" dirty="0">
                 <a:solidFill>
                   <a:srgbClr val="262626"/>
                 </a:solidFill>
@@ -15848,16 +14560,16 @@
               <a:t> </a:t>
             </a:r>
             <a:r>
-              <a:rPr lang="it-IT" b="1" spc="-135" dirty="0" smtClean="0">
+              <a:rPr lang="it-IT" b="1" spc="-135" dirty="0">
                 <a:solidFill>
                   <a:srgbClr val="262626"/>
                 </a:solidFill>
                 <a:cs typeface="Trebuchet MS"/>
               </a:rPr>
-              <a:t>sicurezza </a:t>
-            </a:r>
-            <a:r>
-              <a:rPr lang="it-IT" spc="-135" dirty="0" smtClean="0">
+              <a:t>security </a:t>
+            </a:r>
+            <a:r>
+              <a:rPr lang="it-IT" spc="-135" dirty="0">
                 <a:solidFill>
                   <a:srgbClr val="262626"/>
                 </a:solidFill>
@@ -15866,7 +14578,7 @@
               <a:t>rappresenta il livello di protezione offerto dall’applicazione in accordo </a:t>
             </a:r>
             <a:r>
-              <a:rPr lang="it-IT" spc="-160" dirty="0" smtClean="0">
+              <a:rPr lang="it-IT" spc="-160" dirty="0">
                 <a:solidFill>
                   <a:srgbClr val="262626"/>
                 </a:solidFill>
@@ -15875,7 +14587,7 @@
               <a:t>alla</a:t>
             </a:r>
             <a:r>
-              <a:rPr lang="it-IT" spc="-50" dirty="0" smtClean="0">
+              <a:rPr lang="it-IT" spc="-50" dirty="0">
                 <a:solidFill>
                   <a:srgbClr val="262626"/>
                 </a:solidFill>
@@ -15902,7 +14614,7 @@
               <a:t> </a:t>
             </a:r>
             <a:r>
-              <a:rPr lang="it-IT" spc="-130" dirty="0" smtClean="0">
+              <a:rPr lang="it-IT" spc="-130" dirty="0">
                 <a:solidFill>
                   <a:srgbClr val="262626"/>
                 </a:solidFill>
@@ -15912,12 +14624,12 @@
             </a:r>
           </a:p>
           <a:p>
-            <a:pPr marL="241300" marR="375285" indent="-228600">
+            <a:pPr marL="241300" marR="109220" indent="-228600">
               <a:lnSpc>
-                <a:spcPct val="102200"/>
+                <a:spcPct val="101099"/>
               </a:lnSpc>
               <a:spcBef>
-                <a:spcPts val="890"/>
+                <a:spcPts val="1030"/>
               </a:spcBef>
               <a:buClr>
                 <a:srgbClr val="9BAFB5"/>
@@ -15930,40 +14642,40 @@
               </a:tabLst>
             </a:pPr>
             <a:r>
-              <a:rPr lang="it-IT" spc="-100" dirty="0" smtClean="0">
+              <a:rPr lang="it-IT" spc="-105" dirty="0">
                 <a:solidFill>
                   <a:srgbClr val="262626"/>
                 </a:solidFill>
                 <a:cs typeface="Trebuchet MS"/>
               </a:rPr>
-              <a:t>Il </a:t>
-            </a:r>
-            <a:r>
-              <a:rPr lang="it-IT" b="1" spc="-135" dirty="0" smtClean="0">
+              <a:t>L’</a:t>
+            </a:r>
+            <a:r>
+              <a:rPr lang="it-IT" b="1" spc="-40" dirty="0" err="1">
                 <a:solidFill>
                   <a:srgbClr val="262626"/>
                 </a:solidFill>
                 <a:cs typeface="Trebuchet MS"/>
               </a:rPr>
-              <a:t>supporto </a:t>
-            </a:r>
-            <a:r>
-              <a:rPr lang="it-IT" spc="-135" dirty="0">
+              <a:t>availability</a:t>
+            </a:r>
+            <a:r>
+              <a:rPr lang="it-IT" b="1" spc="-40" dirty="0">
                 <a:solidFill>
                   <a:srgbClr val="262626"/>
                 </a:solidFill>
                 <a:cs typeface="Trebuchet MS"/>
               </a:rPr>
-              <a:t>rappresenta </a:t>
-            </a:r>
-            <a:r>
-              <a:rPr lang="it-IT" spc="-135" dirty="0" smtClean="0">
+              <a:t> </a:t>
+            </a:r>
+            <a:r>
+              <a:rPr lang="it-IT" spc="-40" dirty="0">
                 <a:solidFill>
                   <a:srgbClr val="262626"/>
                 </a:solidFill>
                 <a:cs typeface="Trebuchet MS"/>
               </a:rPr>
-              <a:t>il livello di manutenzione offerto nel tempo in accordo alla libreria utilizzata</a:t>
+              <a:t>indica per quanto tempo la libreria riceverà manutenzione</a:t>
             </a:r>
             <a:endParaRPr lang="it-IT" dirty="0">
               <a:cs typeface="Trebuchet MS"/>
@@ -16105,13 +14817,6 @@
   <p:clrMapOvr>
     <a:masterClrMapping/>
   </p:clrMapOvr>
-  <p:timing>
-    <p:tnLst>
-      <p:par>
-        <p:cTn id="1" dur="indefinite" restart="never" nodeType="tmRoot"/>
-      </p:par>
-    </p:tnLst>
-  </p:timing>
 </p:sld>
 </file>
 
@@ -16166,7 +14871,7 @@
               </a:spcBef>
             </a:pPr>
             <a:r>
-              <a:rPr lang="it-IT" spc="295" dirty="0" smtClean="0"/>
+              <a:rPr lang="it-IT" spc="295" dirty="0"/>
               <a:t>ATTRIBUTI DI QUALITA’</a:t>
             </a:r>
             <a:endParaRPr spc="190" dirty="0"/>
@@ -16223,13 +14928,13 @@
           <p:nvPr>
             <p:extLst>
               <p:ext uri="{D42A27DB-BD31-4B8C-83A1-F6EECF244321}">
-                <p14:modId xmlns:p14="http://schemas.microsoft.com/office/powerpoint/2010/main" val="3453933703"/>
+                <p14:modId xmlns:p14="http://schemas.microsoft.com/office/powerpoint/2010/main" val="662955188"/>
               </p:ext>
             </p:extLst>
           </p:nvPr>
         </p:nvGraphicFramePr>
         <p:xfrm>
-          <a:off x="687752" y="2050797"/>
+          <a:off x="685800" y="2050797"/>
           <a:ext cx="4341448" cy="2667000"/>
         </p:xfrm>
         <a:graphic>
@@ -16279,14 +14984,14 @@
                         <a:t>1.	</a:t>
                       </a:r>
                       <a:r>
-                        <a:rPr lang="it-IT" sz="1800" spc="-105" dirty="0" smtClean="0">
+                        <a:rPr lang="it-IT" sz="1800" spc="-105" dirty="0">
                           <a:solidFill>
                             <a:srgbClr val="262626"/>
                           </a:solidFill>
                           <a:latin typeface="Trebuchet MS"/>
                           <a:cs typeface="Trebuchet MS"/>
                         </a:rPr>
-                        <a:t>Chiarezza della documentazione</a:t>
+                        <a:t>Performance</a:t>
                       </a:r>
                       <a:endParaRPr sz="1800" dirty="0">
                         <a:latin typeface="Trebuchet MS"/>
@@ -16314,14 +15019,14 @@
                         </a:lnSpc>
                       </a:pPr>
                       <a:r>
-                        <a:rPr lang="it-IT" sz="1800" spc="-45" dirty="0" smtClean="0">
+                        <a:rPr lang="it-IT" sz="1800" spc="-45" dirty="0">
                           <a:solidFill>
                             <a:srgbClr val="262626"/>
                           </a:solidFill>
                           <a:latin typeface="Trebuchet MS"/>
                           <a:cs typeface="Trebuchet MS"/>
                         </a:rPr>
-                        <a:t>8</a:t>
+                        <a:t>30</a:t>
                       </a:r>
                       <a:endParaRPr sz="1800" dirty="0">
                         <a:latin typeface="Trebuchet MS"/>
@@ -16372,204 +15077,14 @@
                         <a:t>2.	</a:t>
                       </a:r>
                       <a:r>
-                        <a:rPr sz="1800" spc="5" dirty="0">
+                        <a:rPr lang="it-IT" sz="1800" spc="5" dirty="0" err="1">
                           <a:solidFill>
                             <a:srgbClr val="262626"/>
                           </a:solidFill>
                           <a:latin typeface="Trebuchet MS"/>
                           <a:cs typeface="Trebuchet MS"/>
                         </a:rPr>
-                        <a:t>F</a:t>
-                      </a:r>
-                      <a:r>
-                        <a:rPr sz="1800" spc="-10" dirty="0">
-                          <a:solidFill>
-                            <a:srgbClr val="262626"/>
-                          </a:solidFill>
-                          <a:latin typeface="Trebuchet MS"/>
-                          <a:cs typeface="Trebuchet MS"/>
-                        </a:rPr>
-                        <a:t>a</a:t>
-                      </a:r>
-                      <a:r>
-                        <a:rPr sz="1800" spc="-5" dirty="0">
-                          <a:solidFill>
-                            <a:srgbClr val="262626"/>
-                          </a:solidFill>
-                          <a:latin typeface="Trebuchet MS"/>
-                          <a:cs typeface="Trebuchet MS"/>
-                        </a:rPr>
-                        <a:t>c</a:t>
-                      </a:r>
-                      <a:r>
-                        <a:rPr sz="1800" spc="5" dirty="0">
-                          <a:solidFill>
-                            <a:srgbClr val="262626"/>
-                          </a:solidFill>
-                          <a:latin typeface="Trebuchet MS"/>
-                          <a:cs typeface="Trebuchet MS"/>
-                        </a:rPr>
-                        <a:t>ili</a:t>
-                      </a:r>
-                      <a:r>
-                        <a:rPr sz="1800" dirty="0">
-                          <a:solidFill>
-                            <a:srgbClr val="262626"/>
-                          </a:solidFill>
-                          <a:latin typeface="Trebuchet MS"/>
-                          <a:cs typeface="Trebuchet MS"/>
-                        </a:rPr>
-                        <a:t>tà</a:t>
-                      </a:r>
-                      <a:r>
-                        <a:rPr sz="1800" spc="-50" dirty="0">
-                          <a:solidFill>
-                            <a:srgbClr val="262626"/>
-                          </a:solidFill>
-                          <a:latin typeface="Trebuchet MS"/>
-                          <a:cs typeface="Trebuchet MS"/>
-                        </a:rPr>
-                        <a:t> </a:t>
-                      </a:r>
-                      <a:r>
-                        <a:rPr sz="1800" spc="-10" dirty="0">
-                          <a:solidFill>
-                            <a:srgbClr val="262626"/>
-                          </a:solidFill>
-                          <a:latin typeface="Trebuchet MS"/>
-                          <a:cs typeface="Trebuchet MS"/>
-                        </a:rPr>
-                        <a:t>d</a:t>
-                      </a:r>
-                      <a:r>
-                        <a:rPr sz="1800" dirty="0">
-                          <a:solidFill>
-                            <a:srgbClr val="262626"/>
-                          </a:solidFill>
-                          <a:latin typeface="Trebuchet MS"/>
-                          <a:cs typeface="Trebuchet MS"/>
-                        </a:rPr>
-                        <a:t>i</a:t>
-                      </a:r>
-                      <a:r>
-                        <a:rPr sz="1800" spc="-40" dirty="0">
-                          <a:solidFill>
-                            <a:srgbClr val="262626"/>
-                          </a:solidFill>
-                          <a:latin typeface="Trebuchet MS"/>
-                          <a:cs typeface="Trebuchet MS"/>
-                        </a:rPr>
-                        <a:t> </a:t>
-                      </a:r>
-                      <a:r>
-                        <a:rPr sz="1800" spc="5" dirty="0">
-                          <a:solidFill>
-                            <a:srgbClr val="262626"/>
-                          </a:solidFill>
-                          <a:latin typeface="Trebuchet MS"/>
-                          <a:cs typeface="Trebuchet MS"/>
-                        </a:rPr>
-                        <a:t>i</a:t>
-                      </a:r>
-                      <a:r>
-                        <a:rPr sz="1800" dirty="0">
-                          <a:solidFill>
-                            <a:srgbClr val="262626"/>
-                          </a:solidFill>
-                          <a:latin typeface="Trebuchet MS"/>
-                          <a:cs typeface="Trebuchet MS"/>
-                        </a:rPr>
-                        <a:t>n</a:t>
-                      </a:r>
-                      <a:r>
-                        <a:rPr sz="1800" spc="-10" dirty="0">
-                          <a:solidFill>
-                            <a:srgbClr val="262626"/>
-                          </a:solidFill>
-                          <a:latin typeface="Trebuchet MS"/>
-                          <a:cs typeface="Trebuchet MS"/>
-                        </a:rPr>
-                        <a:t>s</a:t>
-                      </a:r>
-                      <a:r>
-                        <a:rPr sz="1800" dirty="0">
-                          <a:solidFill>
-                            <a:srgbClr val="262626"/>
-                          </a:solidFill>
-                          <a:latin typeface="Trebuchet MS"/>
-                          <a:cs typeface="Trebuchet MS"/>
-                        </a:rPr>
-                        <a:t>t</a:t>
-                      </a:r>
-                      <a:r>
-                        <a:rPr sz="1800" spc="-10" dirty="0">
-                          <a:solidFill>
-                            <a:srgbClr val="262626"/>
-                          </a:solidFill>
-                          <a:latin typeface="Trebuchet MS"/>
-                          <a:cs typeface="Trebuchet MS"/>
-                        </a:rPr>
-                        <a:t>a</a:t>
-                      </a:r>
-                      <a:r>
-                        <a:rPr sz="1800" spc="5" dirty="0">
-                          <a:solidFill>
-                            <a:srgbClr val="262626"/>
-                          </a:solidFill>
-                          <a:latin typeface="Trebuchet MS"/>
-                          <a:cs typeface="Trebuchet MS"/>
-                        </a:rPr>
-                        <a:t>ll</a:t>
-                      </a:r>
-                      <a:r>
-                        <a:rPr sz="1800" spc="-10" dirty="0">
-                          <a:solidFill>
-                            <a:srgbClr val="262626"/>
-                          </a:solidFill>
-                          <a:latin typeface="Trebuchet MS"/>
-                          <a:cs typeface="Trebuchet MS"/>
-                        </a:rPr>
-                        <a:t>a</a:t>
-                      </a:r>
-                      <a:r>
-                        <a:rPr sz="1800" spc="-5" dirty="0">
-                          <a:solidFill>
-                            <a:srgbClr val="262626"/>
-                          </a:solidFill>
-                          <a:latin typeface="Trebuchet MS"/>
-                          <a:cs typeface="Trebuchet MS"/>
-                        </a:rPr>
-                        <a:t>z</a:t>
-                      </a:r>
-                      <a:r>
-                        <a:rPr sz="1800" spc="5" dirty="0">
-                          <a:solidFill>
-                            <a:srgbClr val="262626"/>
-                          </a:solidFill>
-                          <a:latin typeface="Trebuchet MS"/>
-                          <a:cs typeface="Trebuchet MS"/>
-                        </a:rPr>
-                        <a:t>i</a:t>
-                      </a:r>
-                      <a:r>
-                        <a:rPr sz="1800" spc="-10" dirty="0">
-                          <a:solidFill>
-                            <a:srgbClr val="262626"/>
-                          </a:solidFill>
-                          <a:latin typeface="Trebuchet MS"/>
-                          <a:cs typeface="Trebuchet MS"/>
-                        </a:rPr>
-                        <a:t>o</a:t>
-                      </a:r>
-                      <a:r>
-                        <a:rPr sz="1800" dirty="0">
-                          <a:solidFill>
-                            <a:srgbClr val="262626"/>
-                          </a:solidFill>
-                          <a:latin typeface="Trebuchet MS"/>
-                          <a:cs typeface="Trebuchet MS"/>
-                        </a:rPr>
-                        <a:t>ne</a:t>
+                        <a:t>Interoperability</a:t>
                       </a:r>
                       <a:endParaRPr sz="1800" dirty="0">
                         <a:latin typeface="Trebuchet MS"/>
@@ -16600,14 +15115,14 @@
                         </a:spcBef>
                       </a:pPr>
                       <a:r>
-                        <a:rPr lang="it-IT" sz="1800" spc="-45" dirty="0" smtClean="0">
+                        <a:rPr lang="it-IT" sz="1800" spc="-45" dirty="0">
                           <a:solidFill>
                             <a:srgbClr val="262626"/>
                           </a:solidFill>
                           <a:latin typeface="Trebuchet MS"/>
                           <a:cs typeface="Trebuchet MS"/>
                         </a:rPr>
-                        <a:t>18</a:t>
+                        <a:t>4</a:t>
                       </a:r>
                       <a:endParaRPr sz="1800" dirty="0">
                         <a:latin typeface="Trebuchet MS"/>
@@ -16658,14 +15173,14 @@
                         <a:t>3.	</a:t>
                       </a:r>
                       <a:r>
-                        <a:rPr lang="it-IT" sz="1800" dirty="0" smtClean="0">
+                        <a:rPr lang="it-IT" sz="1800" dirty="0" err="1">
                           <a:solidFill>
                             <a:srgbClr val="262626"/>
                           </a:solidFill>
                           <a:latin typeface="Trebuchet MS"/>
                           <a:cs typeface="Trebuchet MS"/>
                         </a:rPr>
-                        <a:t>Facilità di utilizzo</a:t>
+                        <a:t>Integrability</a:t>
                       </a:r>
                       <a:endParaRPr sz="1800" dirty="0">
                         <a:latin typeface="Trebuchet MS"/>
@@ -16696,24 +15211,14 @@
                         </a:spcBef>
                       </a:pPr>
                       <a:r>
-                        <a:rPr lang="it-IT" sz="1800" spc="-45" dirty="0" smtClean="0">
+                        <a:rPr lang="it-IT" sz="1800" spc="-45" dirty="0">
                           <a:solidFill>
                             <a:srgbClr val="262626"/>
                           </a:solidFill>
                           <a:latin typeface="Trebuchet MS"/>
                           <a:cs typeface="Trebuchet MS"/>
                         </a:rPr>
-                        <a:t>3</a:t>
-                      </a:r>
-                      <a:r>
-                        <a:rPr sz="1800" spc="-45" dirty="0" smtClean="0">
-                          <a:solidFill>
-                            <a:srgbClr val="262626"/>
-                          </a:solidFill>
-                          <a:latin typeface="Trebuchet MS"/>
-                          <a:cs typeface="Trebuchet MS"/>
-                        </a:rPr>
-                        <a:t>0</a:t>
+                        <a:t>18</a:t>
                       </a:r>
                       <a:endParaRPr sz="1800" dirty="0">
                         <a:latin typeface="Trebuchet MS"/>
@@ -16764,14 +15269,14 @@
                         <a:t>4.	</a:t>
                       </a:r>
                       <a:r>
-                        <a:rPr lang="it-IT" sz="1800" spc="5" dirty="0" smtClean="0">
+                        <a:rPr lang="it-IT" sz="1800" spc="5" dirty="0" err="1">
                           <a:solidFill>
                             <a:srgbClr val="262626"/>
                           </a:solidFill>
                           <a:latin typeface="Trebuchet MS"/>
                           <a:cs typeface="Trebuchet MS"/>
                         </a:rPr>
-                        <a:t>Semplicità del codice</a:t>
+                        <a:t>Modifiability</a:t>
                       </a:r>
                       <a:endParaRPr sz="1800" dirty="0">
                         <a:latin typeface="Trebuchet MS"/>
@@ -16802,7 +15307,7 @@
                         </a:spcBef>
                       </a:pPr>
                       <a:r>
-                        <a:rPr lang="it-IT" sz="1800" dirty="0" smtClean="0">
+                        <a:rPr lang="it-IT" sz="1800" dirty="0">
                           <a:solidFill>
                             <a:srgbClr val="262626"/>
                           </a:solidFill>
@@ -16860,14 +15365,14 @@
                         <a:t>5.	</a:t>
                       </a:r>
                       <a:r>
-                        <a:rPr lang="it-IT" sz="1800" dirty="0" smtClean="0">
+                        <a:rPr lang="it-IT" sz="1800" dirty="0">
                           <a:solidFill>
                             <a:srgbClr val="262626"/>
                           </a:solidFill>
                           <a:latin typeface="Trebuchet MS"/>
                           <a:cs typeface="Trebuchet MS"/>
                         </a:rPr>
-                        <a:t>Sicurezza</a:t>
+                        <a:t>Security</a:t>
                       </a:r>
                       <a:endParaRPr sz="1800" dirty="0">
                         <a:latin typeface="Trebuchet MS"/>
@@ -16898,7 +15403,7 @@
                         </a:spcBef>
                       </a:pPr>
                       <a:r>
-                        <a:rPr sz="1800" spc="-45" dirty="0" smtClean="0">
+                        <a:rPr sz="1800" spc="-45" dirty="0">
                           <a:solidFill>
                             <a:srgbClr val="262626"/>
                           </a:solidFill>
@@ -16908,7 +15413,7 @@
                         <a:t>1</a:t>
                       </a:r>
                       <a:r>
-                        <a:rPr lang="it-IT" sz="1800" spc="-45" dirty="0" smtClean="0">
+                        <a:rPr lang="it-IT" sz="1800" spc="-45" dirty="0">
                           <a:solidFill>
                             <a:srgbClr val="262626"/>
                           </a:solidFill>
@@ -16966,14 +15471,14 @@
                         <a:t>6.	</a:t>
                       </a:r>
                       <a:r>
-                        <a:rPr lang="it-IT" sz="1800" spc="-95" dirty="0" smtClean="0">
+                        <a:rPr lang="it-IT" sz="1800" spc="-95" dirty="0" err="1">
                           <a:solidFill>
                             <a:srgbClr val="262626"/>
                           </a:solidFill>
                           <a:latin typeface="Trebuchet MS"/>
                           <a:cs typeface="Trebuchet MS"/>
                         </a:rPr>
-                        <a:t>Supporto</a:t>
+                        <a:t>Availability</a:t>
                       </a:r>
                       <a:endParaRPr sz="1800" dirty="0">
                         <a:latin typeface="Trebuchet MS"/>
@@ -17004,14 +15509,14 @@
                         </a:spcBef>
                       </a:pPr>
                       <a:r>
-                        <a:rPr lang="it-IT" sz="1800" spc="-45" dirty="0" smtClean="0">
+                        <a:rPr lang="it-IT" sz="1800" spc="-45" dirty="0">
                           <a:solidFill>
                             <a:srgbClr val="262626"/>
                           </a:solidFill>
                           <a:latin typeface="Trebuchet MS"/>
                           <a:cs typeface="Trebuchet MS"/>
                         </a:rPr>
-                        <a:t>4</a:t>
+                        <a:t>8</a:t>
                       </a:r>
                       <a:endParaRPr sz="1800" dirty="0">
                         <a:latin typeface="Trebuchet MS"/>
@@ -17172,13 +15677,6 @@
   <p:clrMapOvr>
     <a:masterClrMapping/>
   </p:clrMapOvr>
-  <p:timing>
-    <p:tnLst>
-      <p:par>
-        <p:cTn id="1" dur="indefinite" restart="never" nodeType="tmRoot"/>
-      </p:par>
-    </p:tnLst>
-  </p:timing>
 </p:sld>
 </file>
 
@@ -17233,7 +15731,7 @@
               </a:spcBef>
             </a:pPr>
             <a:r>
-              <a:rPr lang="it-IT" spc="295" dirty="0" smtClean="0"/>
+              <a:rPr lang="it-IT" spc="295" dirty="0"/>
               <a:t>RISCHIO</a:t>
             </a:r>
             <a:endParaRPr spc="190" dirty="0"/>
@@ -17320,7 +15818,7 @@
               </a:tabLst>
             </a:pPr>
             <a:r>
-              <a:rPr lang="it-IT" spc="15" dirty="0" err="1" smtClean="0">
+              <a:rPr lang="it-IT" spc="15" dirty="0" err="1">
                 <a:solidFill>
                   <a:srgbClr val="262626"/>
                 </a:solidFill>
@@ -17329,7 +15827,7 @@
               <a:t>SQLite</a:t>
             </a:r>
             <a:r>
-              <a:rPr lang="it-IT" spc="15" dirty="0" smtClean="0">
+              <a:rPr lang="it-IT" spc="15" dirty="0">
                 <a:solidFill>
                   <a:srgbClr val="262626"/>
                 </a:solidFill>
@@ -17338,7 +15836,7 @@
               <a:t> non presenta alcun rischio perché è la libreria nativa per l’implementazione di un DBMS SQL per la piattaforma </a:t>
             </a:r>
             <a:r>
-              <a:rPr lang="it-IT" spc="15" dirty="0" err="1" smtClean="0">
+              <a:rPr lang="it-IT" spc="15" dirty="0" err="1">
                 <a:solidFill>
                   <a:srgbClr val="262626"/>
                 </a:solidFill>
@@ -17369,7 +15867,7 @@
               </a:tabLst>
             </a:pPr>
             <a:r>
-              <a:rPr lang="it-IT" spc="15" dirty="0" smtClean="0">
+              <a:rPr lang="it-IT" spc="15" dirty="0">
                 <a:solidFill>
                   <a:srgbClr val="262626"/>
                 </a:solidFill>
@@ -17378,7 +15876,7 @@
               <a:t>Room presenta un rischio per la seguente ragione: potrebbe perdere il supporto della ‘community’ open-source non essendo la libreria principale per la gestione di database su </a:t>
             </a:r>
             <a:r>
-              <a:rPr lang="it-IT" spc="15" dirty="0" err="1" smtClean="0">
+              <a:rPr lang="it-IT" spc="15" dirty="0" err="1">
                 <a:solidFill>
                   <a:srgbClr val="262626"/>
                 </a:solidFill>
@@ -17430,7 +15928,7 @@
               </a:tabLst>
             </a:pPr>
             <a:r>
-              <a:rPr lang="it-IT" spc="10" dirty="0" err="1" smtClean="0">
+              <a:rPr lang="it-IT" spc="10" dirty="0" err="1">
                 <a:solidFill>
                   <a:srgbClr val="262626"/>
                 </a:solidFill>
@@ -17462,7 +15960,7 @@
               </a:tabLst>
             </a:pPr>
             <a:r>
-              <a:rPr lang="it-IT" sz="1800" spc="120" dirty="0" smtClean="0">
+              <a:rPr lang="it-IT" sz="1800" spc="120" dirty="0">
                 <a:solidFill>
                   <a:srgbClr val="262626"/>
                 </a:solidFill>
@@ -17508,7 +16006,7 @@
               </a:spcBef>
             </a:pPr>
             <a:r>
-              <a:rPr lang="it-IT" spc="-185" dirty="0" smtClean="0">
+              <a:rPr lang="it-IT" spc="-185" dirty="0">
                 <a:solidFill>
                   <a:srgbClr val="262626"/>
                 </a:solidFill>
@@ -17532,7 +16030,7 @@
               </a:spcBef>
             </a:pPr>
             <a:r>
-              <a:rPr lang="it-IT" sz="1800" dirty="0" smtClean="0">
+              <a:rPr lang="it-IT" sz="1800" dirty="0">
                 <a:latin typeface="Trebuchet MS"/>
                 <a:cs typeface="Trebuchet MS"/>
               </a:rPr>
@@ -17679,13 +16177,6 @@
   <p:clrMapOvr>
     <a:masterClrMapping/>
   </p:clrMapOvr>
-  <p:timing>
-    <p:tnLst>
-      <p:par>
-        <p:cTn id="1" dur="indefinite" restart="never" nodeType="tmRoot"/>
-      </p:par>
-    </p:tnLst>
-  </p:timing>
 </p:sld>
 </file>
 
@@ -17740,11 +16231,11 @@
               </a:spcBef>
             </a:pPr>
             <a:r>
-              <a:rPr lang="it-IT" spc="295" dirty="0" smtClean="0"/>
+              <a:rPr lang="it-IT" spc="295" dirty="0"/>
               <a:t>ALTERNATIVA 1 - </a:t>
             </a:r>
             <a:r>
-              <a:rPr lang="it-IT" spc="295" dirty="0" err="1" smtClean="0"/>
+              <a:rPr lang="it-IT" spc="295" dirty="0" err="1"/>
               <a:t>SQLite</a:t>
             </a:r>
             <a:endParaRPr spc="190" dirty="0"/>
@@ -17801,14 +16292,14 @@
           <p:nvPr>
             <p:extLst>
               <p:ext uri="{D42A27DB-BD31-4B8C-83A1-F6EECF244321}">
-                <p14:modId xmlns:p14="http://schemas.microsoft.com/office/powerpoint/2010/main" val="2024350865"/>
+                <p14:modId xmlns:p14="http://schemas.microsoft.com/office/powerpoint/2010/main" val="3561534559"/>
               </p:ext>
             </p:extLst>
           </p:nvPr>
         </p:nvGraphicFramePr>
         <p:xfrm>
           <a:off x="3569576" y="1898397"/>
-          <a:ext cx="3436276" cy="2209800"/>
+          <a:ext cx="3436276" cy="2108268"/>
         </p:xfrm>
         <a:graphic>
           <a:graphicData uri="http://schemas.openxmlformats.org/drawingml/2006/table">
@@ -17832,7 +16323,7 @@
                   </a:extLst>
                 </a:gridCol>
               </a:tblGrid>
-              <a:tr h="303298">
+              <a:tr h="311403">
                 <a:tc>
                   <a:txBody>
                     <a:bodyPr/>
@@ -17857,14 +16348,14 @@
                         <a:t>1.	</a:t>
                       </a:r>
                       <a:r>
-                        <a:rPr lang="it-IT" sz="1400" spc="-105" dirty="0" smtClean="0">
+                        <a:rPr lang="it-IT" sz="1400" spc="-105" dirty="0">
                           <a:solidFill>
                             <a:srgbClr val="262626"/>
                           </a:solidFill>
                           <a:latin typeface="Trebuchet MS"/>
                           <a:cs typeface="Trebuchet MS"/>
                         </a:rPr>
-                        <a:t>Chiarezza della documentazione</a:t>
+                        <a:t>Performance</a:t>
                       </a:r>
                       <a:endParaRPr sz="1400" dirty="0">
                         <a:latin typeface="Trebuchet MS"/>
@@ -17892,14 +16383,14 @@
                         </a:lnSpc>
                       </a:pPr>
                       <a:r>
-                        <a:rPr lang="it-IT" sz="1400" spc="-45" dirty="0" smtClean="0">
+                        <a:rPr lang="it-IT" sz="1400" spc="-45" dirty="0">
                           <a:solidFill>
                             <a:srgbClr val="262626"/>
                           </a:solidFill>
                           <a:latin typeface="Trebuchet MS"/>
                           <a:cs typeface="Trebuchet MS"/>
                         </a:rPr>
-                        <a:t>0.8</a:t>
+                        <a:t>0.3</a:t>
                       </a:r>
                       <a:endParaRPr sz="1400" dirty="0">
                         <a:latin typeface="Trebuchet MS"/>
@@ -17950,204 +16441,14 @@
                         <a:t>2.	</a:t>
                       </a:r>
                       <a:r>
-                        <a:rPr sz="1400" spc="5" dirty="0">
+                        <a:rPr lang="it-IT" sz="1400" spc="5" dirty="0" err="1">
                           <a:solidFill>
                             <a:srgbClr val="262626"/>
                           </a:solidFill>
                           <a:latin typeface="Trebuchet MS"/>
                           <a:cs typeface="Trebuchet MS"/>
                         </a:rPr>
-                        <a:t>F</a:t>
-                      </a:r>
-                      <a:r>
-                        <a:rPr sz="1400" spc="-10" dirty="0">
-                          <a:solidFill>
-                            <a:srgbClr val="262626"/>
-                          </a:solidFill>
-                          <a:latin typeface="Trebuchet MS"/>
-                          <a:cs typeface="Trebuchet MS"/>
-                        </a:rPr>
-                        <a:t>a</a:t>
-                      </a:r>
-                      <a:r>
-                        <a:rPr sz="1400" spc="-5" dirty="0">
-                          <a:solidFill>
-                            <a:srgbClr val="262626"/>
-                          </a:solidFill>
-                          <a:latin typeface="Trebuchet MS"/>
-                          <a:cs typeface="Trebuchet MS"/>
-                        </a:rPr>
-                        <a:t>c</a:t>
-                      </a:r>
-                      <a:r>
-                        <a:rPr sz="1400" spc="5" dirty="0">
-                          <a:solidFill>
-                            <a:srgbClr val="262626"/>
-                          </a:solidFill>
-                          <a:latin typeface="Trebuchet MS"/>
-                          <a:cs typeface="Trebuchet MS"/>
-                        </a:rPr>
-                        <a:t>ili</a:t>
-                      </a:r>
-                      <a:r>
-                        <a:rPr sz="1400" dirty="0">
-                          <a:solidFill>
-                            <a:srgbClr val="262626"/>
-                          </a:solidFill>
-                          <a:latin typeface="Trebuchet MS"/>
-                          <a:cs typeface="Trebuchet MS"/>
-                        </a:rPr>
-                        <a:t>tà</a:t>
-                      </a:r>
-                      <a:r>
-                        <a:rPr sz="1400" spc="-50" dirty="0">
-                          <a:solidFill>
-                            <a:srgbClr val="262626"/>
-                          </a:solidFill>
-                          <a:latin typeface="Trebuchet MS"/>
-                          <a:cs typeface="Trebuchet MS"/>
-                        </a:rPr>
-                        <a:t> </a:t>
-                      </a:r>
-                      <a:r>
-                        <a:rPr sz="1400" spc="-10" dirty="0">
-                          <a:solidFill>
-                            <a:srgbClr val="262626"/>
-                          </a:solidFill>
-                          <a:latin typeface="Trebuchet MS"/>
-                          <a:cs typeface="Trebuchet MS"/>
-                        </a:rPr>
-                        <a:t>d</a:t>
-                      </a:r>
-                      <a:r>
-                        <a:rPr sz="1400" dirty="0">
-                          <a:solidFill>
-                            <a:srgbClr val="262626"/>
-                          </a:solidFill>
-                          <a:latin typeface="Trebuchet MS"/>
-                          <a:cs typeface="Trebuchet MS"/>
-                        </a:rPr>
-                        <a:t>i</a:t>
-                      </a:r>
-                      <a:r>
-                        <a:rPr sz="1400" spc="-40" dirty="0">
-                          <a:solidFill>
-                            <a:srgbClr val="262626"/>
-                          </a:solidFill>
-                          <a:latin typeface="Trebuchet MS"/>
-                          <a:cs typeface="Trebuchet MS"/>
-                        </a:rPr>
-                        <a:t> </a:t>
-                      </a:r>
-                      <a:r>
-                        <a:rPr sz="1400" spc="5" dirty="0">
-                          <a:solidFill>
-                            <a:srgbClr val="262626"/>
-                          </a:solidFill>
-                          <a:latin typeface="Trebuchet MS"/>
-                          <a:cs typeface="Trebuchet MS"/>
-                        </a:rPr>
-                        <a:t>i</a:t>
-                      </a:r>
-                      <a:r>
-                        <a:rPr sz="1400" dirty="0">
-                          <a:solidFill>
-                            <a:srgbClr val="262626"/>
-                          </a:solidFill>
-                          <a:latin typeface="Trebuchet MS"/>
-                          <a:cs typeface="Trebuchet MS"/>
-                        </a:rPr>
-                        <a:t>n</a:t>
-                      </a:r>
-                      <a:r>
-                        <a:rPr sz="1400" spc="-10" dirty="0">
-                          <a:solidFill>
-                            <a:srgbClr val="262626"/>
-                          </a:solidFill>
-                          <a:latin typeface="Trebuchet MS"/>
-                          <a:cs typeface="Trebuchet MS"/>
-                        </a:rPr>
-                        <a:t>s</a:t>
-                      </a:r>
-                      <a:r>
-                        <a:rPr sz="1400" dirty="0">
-                          <a:solidFill>
-                            <a:srgbClr val="262626"/>
-                          </a:solidFill>
-                          <a:latin typeface="Trebuchet MS"/>
-                          <a:cs typeface="Trebuchet MS"/>
-                        </a:rPr>
-                        <a:t>t</a:t>
-                      </a:r>
-                      <a:r>
-                        <a:rPr sz="1400" spc="-10" dirty="0">
-                          <a:solidFill>
-                            <a:srgbClr val="262626"/>
-                          </a:solidFill>
-                          <a:latin typeface="Trebuchet MS"/>
-                          <a:cs typeface="Trebuchet MS"/>
-                        </a:rPr>
-                        <a:t>a</a:t>
-                      </a:r>
-                      <a:r>
-                        <a:rPr sz="1400" spc="5" dirty="0">
-                          <a:solidFill>
-                            <a:srgbClr val="262626"/>
-                          </a:solidFill>
-                          <a:latin typeface="Trebuchet MS"/>
-                          <a:cs typeface="Trebuchet MS"/>
-                        </a:rPr>
-                        <a:t>ll</a:t>
-                      </a:r>
-                      <a:r>
-                        <a:rPr sz="1400" spc="-10" dirty="0">
-                          <a:solidFill>
-                            <a:srgbClr val="262626"/>
-                          </a:solidFill>
-                          <a:latin typeface="Trebuchet MS"/>
-                          <a:cs typeface="Trebuchet MS"/>
-                        </a:rPr>
-                        <a:t>a</a:t>
-                      </a:r>
-                      <a:r>
-                        <a:rPr sz="1400" spc="-5" dirty="0">
-                          <a:solidFill>
-                            <a:srgbClr val="262626"/>
-                          </a:solidFill>
-                          <a:latin typeface="Trebuchet MS"/>
-                          <a:cs typeface="Trebuchet MS"/>
-                        </a:rPr>
-                        <a:t>z</a:t>
-                      </a:r>
-                      <a:r>
-                        <a:rPr sz="1400" spc="5" dirty="0">
-                          <a:solidFill>
-                            <a:srgbClr val="262626"/>
-                          </a:solidFill>
-                          <a:latin typeface="Trebuchet MS"/>
-                          <a:cs typeface="Trebuchet MS"/>
-                        </a:rPr>
-                        <a:t>i</a:t>
-                      </a:r>
-                      <a:r>
-                        <a:rPr sz="1400" spc="-10" dirty="0">
-                          <a:solidFill>
-                            <a:srgbClr val="262626"/>
-                          </a:solidFill>
-                          <a:latin typeface="Trebuchet MS"/>
-                          <a:cs typeface="Trebuchet MS"/>
-                        </a:rPr>
-                        <a:t>o</a:t>
-                      </a:r>
-                      <a:r>
-                        <a:rPr sz="1400" dirty="0">
-                          <a:solidFill>
-                            <a:srgbClr val="262626"/>
-                          </a:solidFill>
-                          <a:latin typeface="Trebuchet MS"/>
-                          <a:cs typeface="Trebuchet MS"/>
-                        </a:rPr>
-                        <a:t>ne</a:t>
+                        <a:t>Interoperability</a:t>
                       </a:r>
                       <a:endParaRPr sz="1400" dirty="0">
                         <a:latin typeface="Trebuchet MS"/>
@@ -18178,14 +16479,14 @@
                         </a:spcBef>
                       </a:pPr>
                       <a:r>
-                        <a:rPr lang="it-IT" sz="1400" spc="-45" dirty="0" smtClean="0">
+                        <a:rPr lang="it-IT" sz="1400" spc="-45" dirty="0">
                           <a:solidFill>
                             <a:srgbClr val="262626"/>
                           </a:solidFill>
                           <a:latin typeface="Trebuchet MS"/>
                           <a:cs typeface="Trebuchet MS"/>
                         </a:rPr>
-                        <a:t>0.9</a:t>
+                        <a:t>0.8</a:t>
                       </a:r>
                       <a:endParaRPr sz="1400" dirty="0">
                         <a:latin typeface="Trebuchet MS"/>
@@ -18236,14 +16537,14 @@
                         <a:t>3.	</a:t>
                       </a:r>
                       <a:r>
-                        <a:rPr lang="it-IT" sz="1400" dirty="0" smtClean="0">
+                        <a:rPr lang="it-IT" sz="1400" dirty="0" err="1">
                           <a:solidFill>
                             <a:srgbClr val="262626"/>
                           </a:solidFill>
                           <a:latin typeface="Trebuchet MS"/>
                           <a:cs typeface="Trebuchet MS"/>
                         </a:rPr>
-                        <a:t>Facilità di utilizzo</a:t>
+                        <a:t>Integrability</a:t>
                       </a:r>
                       <a:endParaRPr sz="1400" dirty="0">
                         <a:latin typeface="Trebuchet MS"/>
@@ -18274,14 +16575,14 @@
                         </a:spcBef>
                       </a:pPr>
                       <a:r>
-                        <a:rPr lang="it-IT" sz="1400" spc="-45" dirty="0" smtClean="0">
+                        <a:rPr lang="it-IT" sz="1400" spc="-45" dirty="0">
                           <a:solidFill>
                             <a:srgbClr val="262626"/>
                           </a:solidFill>
                           <a:latin typeface="Trebuchet MS"/>
                           <a:cs typeface="Trebuchet MS"/>
                         </a:rPr>
-                        <a:t>0.3</a:t>
+                        <a:t>0.9</a:t>
                       </a:r>
                       <a:endParaRPr sz="1400" dirty="0">
                         <a:latin typeface="Trebuchet MS"/>
@@ -18304,7 +16605,7 @@
                   </a:ext>
                 </a:extLst>
               </a:tr>
-              <a:tr h="458464">
+              <a:tr h="348827">
                 <a:tc>
                   <a:txBody>
                     <a:bodyPr/>
@@ -18332,14 +16633,14 @@
                         <a:t>4.	</a:t>
                       </a:r>
                       <a:r>
-                        <a:rPr lang="it-IT" sz="1400" spc="5" dirty="0" smtClean="0">
+                        <a:rPr lang="it-IT" sz="1400" spc="5" dirty="0" err="1">
                           <a:solidFill>
                             <a:srgbClr val="262626"/>
                           </a:solidFill>
-                          <a:latin typeface="Trebuchet MS"/>
+                          <a:latin typeface="+mn-lt"/>
                           <a:cs typeface="Trebuchet MS"/>
                         </a:rPr>
-                        <a:t>Semplicità del codice</a:t>
+                        <a:t>Modifiability</a:t>
                       </a:r>
                       <a:endParaRPr sz="1400" dirty="0">
                         <a:latin typeface="Trebuchet MS"/>
@@ -18370,7 +16671,7 @@
                         </a:spcBef>
                       </a:pPr>
                       <a:r>
-                        <a:rPr lang="it-IT" sz="1400" dirty="0" smtClean="0">
+                        <a:rPr lang="it-IT" sz="1400" dirty="0">
                           <a:solidFill>
                             <a:srgbClr val="262626"/>
                           </a:solidFill>
@@ -18428,14 +16729,14 @@
                         <a:t>5.	</a:t>
                       </a:r>
                       <a:r>
-                        <a:rPr lang="it-IT" sz="1400" dirty="0" smtClean="0">
+                        <a:rPr lang="it-IT" sz="1400" dirty="0">
                           <a:solidFill>
                             <a:srgbClr val="262626"/>
                           </a:solidFill>
-                          <a:latin typeface="Trebuchet MS"/>
+                          <a:latin typeface="+mn-lt"/>
                           <a:cs typeface="Trebuchet MS"/>
                         </a:rPr>
-                        <a:t>Sicurezza</a:t>
+                        <a:t>Security</a:t>
                       </a:r>
                       <a:endParaRPr sz="1400" dirty="0">
                         <a:latin typeface="Trebuchet MS"/>
@@ -18466,7 +16767,7 @@
                         </a:spcBef>
                       </a:pPr>
                       <a:r>
-                        <a:rPr lang="it-IT" sz="1400" spc="-45" dirty="0" smtClean="0">
+                        <a:rPr lang="it-IT" sz="1400" spc="-45" dirty="0">
                           <a:solidFill>
                             <a:srgbClr val="262626"/>
                           </a:solidFill>
@@ -18524,14 +16825,14 @@
                         <a:t>6.	</a:t>
                       </a:r>
                       <a:r>
-                        <a:rPr lang="it-IT" sz="1400" spc="-95" dirty="0" smtClean="0">
+                        <a:rPr lang="it-IT" sz="1400" spc="-95" dirty="0" err="1">
                           <a:solidFill>
                             <a:srgbClr val="262626"/>
                           </a:solidFill>
-                          <a:latin typeface="Trebuchet MS"/>
+                          <a:latin typeface="+mn-lt"/>
                           <a:cs typeface="Trebuchet MS"/>
                         </a:rPr>
-                        <a:t>Supporto</a:t>
+                        <a:t>Availability</a:t>
                       </a:r>
                       <a:endParaRPr sz="1400" dirty="0">
                         <a:latin typeface="Trebuchet MS"/>
@@ -18562,7 +16863,7 @@
                         </a:spcBef>
                       </a:pPr>
                       <a:r>
-                        <a:rPr lang="it-IT" sz="1400" spc="-45" dirty="0" smtClean="0">
+                        <a:rPr lang="it-IT" sz="1400" spc="-45" dirty="0">
                           <a:solidFill>
                             <a:srgbClr val="262626"/>
                           </a:solidFill>
@@ -18605,7 +16906,7 @@
         <p:spPr>
           <a:xfrm>
             <a:off x="990600" y="4314014"/>
-            <a:ext cx="8610600" cy="1699183"/>
+            <a:ext cx="8610600" cy="2555828"/>
           </a:xfrm>
           <a:prstGeom prst="rect">
             <a:avLst/>
@@ -18628,134 +16929,58 @@
               <a:buChar char="§"/>
             </a:pPr>
             <a:r>
-              <a:rPr sz="1800" spc="-25" dirty="0">
+              <a:rPr lang="it-IT" sz="1800" spc="-50" dirty="0">
                 <a:solidFill>
                   <a:srgbClr val="262626"/>
                 </a:solidFill>
                 <a:latin typeface="Trebuchet MS"/>
                 <a:cs typeface="Trebuchet MS"/>
               </a:rPr>
-              <a:t>L</a:t>
-            </a:r>
-            <a:r>
-              <a:rPr sz="1800" spc="-180" dirty="0">
+              <a:t>La libreria, essendo quella di default per l’implementazione di DBMS SQL per Android,  risulta:</a:t>
+            </a:r>
+          </a:p>
+          <a:p>
+            <a:pPr marL="755650" marR="5080" lvl="1" indent="-285750">
+              <a:lnSpc>
+                <a:spcPct val="100400"/>
+              </a:lnSpc>
+              <a:spcBef>
+                <a:spcPts val="90"/>
+              </a:spcBef>
+              <a:buFont typeface="Wingdings" panose="05000000000000000000" pitchFamily="2" charset="2"/>
+              <a:buChar char="Ø"/>
+            </a:pPr>
+            <a:r>
+              <a:rPr lang="it-IT" spc="-50" dirty="0">
                 <a:solidFill>
                   <a:srgbClr val="262626"/>
                 </a:solidFill>
                 <a:latin typeface="Trebuchet MS"/>
                 <a:cs typeface="Trebuchet MS"/>
               </a:rPr>
-              <a:t>a</a:t>
-            </a:r>
-            <a:r>
-              <a:rPr sz="1800" spc="-50" dirty="0">
+              <a:t>più complessa da utilizzare perché è richiesta nel dettaglio la conoscenza del linguaggio SQL</a:t>
+            </a:r>
+          </a:p>
+          <a:p>
+            <a:pPr marL="755650" marR="5080" lvl="1" indent="-285750">
+              <a:lnSpc>
+                <a:spcPct val="100400"/>
+              </a:lnSpc>
+              <a:spcBef>
+                <a:spcPts val="90"/>
+              </a:spcBef>
+              <a:buFont typeface="Wingdings" panose="05000000000000000000" pitchFamily="2" charset="2"/>
+              <a:buChar char="Ø"/>
+            </a:pPr>
+            <a:r>
+              <a:rPr lang="it-IT" spc="-50" dirty="0">
                 <a:solidFill>
                   <a:srgbClr val="262626"/>
                 </a:solidFill>
                 <a:latin typeface="Trebuchet MS"/>
                 <a:cs typeface="Trebuchet MS"/>
               </a:rPr>
-              <a:t> </a:t>
-            </a:r>
-            <a:r>
-              <a:rPr sz="1800" spc="-135" dirty="0" err="1">
-                <a:solidFill>
-                  <a:srgbClr val="262626"/>
-                </a:solidFill>
-                <a:latin typeface="Trebuchet MS"/>
-                <a:cs typeface="Trebuchet MS"/>
-              </a:rPr>
-              <a:t>l</a:t>
-            </a:r>
-            <a:r>
-              <a:rPr sz="1800" spc="-114" dirty="0" err="1">
-                <a:solidFill>
-                  <a:srgbClr val="262626"/>
-                </a:solidFill>
-                <a:latin typeface="Trebuchet MS"/>
-                <a:cs typeface="Trebuchet MS"/>
-              </a:rPr>
-              <a:t>i</a:t>
-            </a:r>
-            <a:r>
-              <a:rPr sz="1800" spc="-55" dirty="0" err="1">
-                <a:solidFill>
-                  <a:srgbClr val="262626"/>
-                </a:solidFill>
-                <a:latin typeface="Trebuchet MS"/>
-                <a:cs typeface="Trebuchet MS"/>
-              </a:rPr>
-              <a:t>b</a:t>
-            </a:r>
-            <a:r>
-              <a:rPr sz="1800" spc="-80" dirty="0" err="1">
-                <a:solidFill>
-                  <a:srgbClr val="262626"/>
-                </a:solidFill>
-                <a:latin typeface="Trebuchet MS"/>
-                <a:cs typeface="Trebuchet MS"/>
-              </a:rPr>
-              <a:t>r</a:t>
-            </a:r>
-            <a:r>
-              <a:rPr sz="1800" spc="-120" dirty="0" err="1">
-                <a:solidFill>
-                  <a:srgbClr val="262626"/>
-                </a:solidFill>
-                <a:latin typeface="Trebuchet MS"/>
-                <a:cs typeface="Trebuchet MS"/>
-              </a:rPr>
-              <a:t>e</a:t>
-            </a:r>
-            <a:r>
-              <a:rPr sz="1800" spc="5" dirty="0" err="1">
-                <a:solidFill>
-                  <a:srgbClr val="262626"/>
-                </a:solidFill>
-                <a:latin typeface="Trebuchet MS"/>
-                <a:cs typeface="Trebuchet MS"/>
-              </a:rPr>
-              <a:t>r</a:t>
-            </a:r>
-            <a:r>
-              <a:rPr sz="1800" spc="-114" dirty="0" err="1">
-                <a:solidFill>
-                  <a:srgbClr val="262626"/>
-                </a:solidFill>
-                <a:latin typeface="Trebuchet MS"/>
-                <a:cs typeface="Trebuchet MS"/>
-              </a:rPr>
-              <a:t>i</a:t>
-            </a:r>
-            <a:r>
-              <a:rPr sz="1800" spc="-180" dirty="0" err="1">
-                <a:solidFill>
-                  <a:srgbClr val="262626"/>
-                </a:solidFill>
-                <a:latin typeface="Trebuchet MS"/>
-                <a:cs typeface="Trebuchet MS"/>
-              </a:rPr>
-              <a:t>a</a:t>
-            </a:r>
-            <a:r>
-              <a:rPr sz="1800" spc="-50" dirty="0">
-                <a:solidFill>
-                  <a:srgbClr val="262626"/>
-                </a:solidFill>
-                <a:latin typeface="Trebuchet MS"/>
-                <a:cs typeface="Trebuchet MS"/>
-              </a:rPr>
-              <a:t> </a:t>
-            </a:r>
-            <a:r>
-              <a:rPr lang="it-IT" sz="1800" spc="-50" dirty="0" smtClean="0">
-                <a:solidFill>
-                  <a:srgbClr val="262626"/>
-                </a:solidFill>
-                <a:latin typeface="Trebuchet MS"/>
-                <a:cs typeface="Trebuchet MS"/>
-              </a:rPr>
-              <a:t>presenta un codice più articolato e risulta essere più complessa da utilizzare dovendo conoscere nel dettaglio il linguaggio SQL</a:t>
+              <a:t>più lenta e pesante perché presenta tutte le caratteristiche del linguaggio SQL</a:t>
             </a:r>
           </a:p>
           <a:p>
@@ -18767,7 +16992,7 @@
                 <a:spcPts val="90"/>
               </a:spcBef>
             </a:pPr>
-            <a:endParaRPr lang="it-IT" sz="1800" spc="-50" dirty="0" smtClean="0">
+            <a:endParaRPr lang="it-IT" sz="1800" spc="-50" dirty="0">
               <a:solidFill>
                 <a:srgbClr val="262626"/>
               </a:solidFill>
@@ -18787,53 +17012,33 @@
               <a:buChar char="§"/>
             </a:pPr>
             <a:r>
-              <a:rPr lang="it-IT" spc="-50" dirty="0" smtClean="0">
+              <a:rPr lang="it-IT" spc="-50" dirty="0">
                 <a:solidFill>
                   <a:srgbClr val="262626"/>
                 </a:solidFill>
                 <a:latin typeface="Trebuchet MS"/>
                 <a:cs typeface="Trebuchet MS"/>
               </a:rPr>
-              <a:t>Di contro, essendo la libreria nativa per l’implementazione di un DBMS SQL per </a:t>
-            </a:r>
-            <a:r>
-              <a:rPr lang="it-IT" spc="-50" dirty="0" err="1" smtClean="0">
+              <a:t>Di contro, può essere installata su qualsiasi dispositivo Android, offre tutte le </a:t>
+            </a:r>
+            <a:br>
+              <a:rPr lang="it-IT" spc="-50" dirty="0">
                 <a:solidFill>
                   <a:srgbClr val="262626"/>
                 </a:solidFill>
                 <a:latin typeface="Trebuchet MS"/>
                 <a:cs typeface="Trebuchet MS"/>
               </a:rPr>
-              <a:t>Android</a:t>
-            </a:r>
-            <a:r>
-              <a:rPr lang="it-IT" spc="-50" dirty="0" smtClean="0">
+            </a:br>
+            <a:r>
+              <a:rPr lang="it-IT" spc="-50" dirty="0">
                 <a:solidFill>
                   <a:srgbClr val="262626"/>
                 </a:solidFill>
                 <a:latin typeface="Trebuchet MS"/>
                 <a:cs typeface="Trebuchet MS"/>
               </a:rPr>
-              <a:t>, presenta una documentazione molto ampia e dettagliata, è più </a:t>
-            </a:r>
-            <a:br>
-              <a:rPr lang="it-IT" spc="-50" dirty="0" smtClean="0">
-                <a:solidFill>
-                  <a:srgbClr val="262626"/>
-                </a:solidFill>
-                <a:latin typeface="Trebuchet MS"/>
-                <a:cs typeface="Trebuchet MS"/>
-              </a:rPr>
-            </a:br>
-            <a:r>
-              <a:rPr lang="it-IT" spc="-50" dirty="0" smtClean="0">
-                <a:solidFill>
-                  <a:srgbClr val="262626"/>
-                </a:solidFill>
-                <a:latin typeface="Trebuchet MS"/>
-                <a:cs typeface="Trebuchet MS"/>
-              </a:rPr>
-              <a:t>semplice da installare e riceve supporto continuo dagli sviluppatori</a:t>
+              <a:t>primitive di protezione del linguaggio SQL e riceve supporto continuo dagli sviluppatori</a:t>
             </a:r>
             <a:endParaRPr sz="1800" dirty="0">
               <a:latin typeface="Trebuchet MS"/>
@@ -18976,13 +17181,6 @@
   <p:clrMapOvr>
     <a:masterClrMapping/>
   </p:clrMapOvr>
-  <p:timing>
-    <p:tnLst>
-      <p:par>
-        <p:cTn id="1" dur="indefinite" restart="never" nodeType="tmRoot"/>
-      </p:par>
-    </p:tnLst>
-  </p:timing>
 </p:sld>
 </file>
 
